--- a/images/posts/2025-07-03-blog-post/新建 Microsoft PowerPoint 演示文稿.pptx
+++ b/images/posts/2025-07-03-blog-post/新建 Microsoft PowerPoint 演示文稿.pptx
@@ -197,7 +197,7 @@
           <a:p>
             <a:fld id="{CD28CA38-3ECF-470A-870B-B1DCF738CCF1}" type="datetimeFigureOut">
               <a:rPr lang="zh-CN" altLang="en-US" smtClean="0"/>
-              <a:t>2025/10/14</a:t>
+              <a:t>2025/10/19</a:t>
             </a:fld>
             <a:endParaRPr lang="zh-CN" altLang="en-US"/>
           </a:p>
@@ -695,7 +695,7 @@
           <a:p>
             <a:fld id="{B62B41C1-BAA6-4120-BEAB-789D04ED3CE7}" type="datetimeFigureOut">
               <a:rPr lang="zh-CN" altLang="en-US" smtClean="0"/>
-              <a:t>2025/10/14</a:t>
+              <a:t>2025/10/19</a:t>
             </a:fld>
             <a:endParaRPr lang="zh-CN" altLang="en-US"/>
           </a:p>
@@ -893,7 +893,7 @@
           <a:p>
             <a:fld id="{B62B41C1-BAA6-4120-BEAB-789D04ED3CE7}" type="datetimeFigureOut">
               <a:rPr lang="zh-CN" altLang="en-US" smtClean="0"/>
-              <a:t>2025/10/14</a:t>
+              <a:t>2025/10/19</a:t>
             </a:fld>
             <a:endParaRPr lang="zh-CN" altLang="en-US"/>
           </a:p>
@@ -1101,7 +1101,7 @@
           <a:p>
             <a:fld id="{B62B41C1-BAA6-4120-BEAB-789D04ED3CE7}" type="datetimeFigureOut">
               <a:rPr lang="zh-CN" altLang="en-US" smtClean="0"/>
-              <a:t>2025/10/14</a:t>
+              <a:t>2025/10/19</a:t>
             </a:fld>
             <a:endParaRPr lang="zh-CN" altLang="en-US"/>
           </a:p>
@@ -1299,7 +1299,7 @@
           <a:p>
             <a:fld id="{B62B41C1-BAA6-4120-BEAB-789D04ED3CE7}" type="datetimeFigureOut">
               <a:rPr lang="zh-CN" altLang="en-US" smtClean="0"/>
-              <a:t>2025/10/14</a:t>
+              <a:t>2025/10/19</a:t>
             </a:fld>
             <a:endParaRPr lang="zh-CN" altLang="en-US"/>
           </a:p>
@@ -1574,7 +1574,7 @@
           <a:p>
             <a:fld id="{B62B41C1-BAA6-4120-BEAB-789D04ED3CE7}" type="datetimeFigureOut">
               <a:rPr lang="zh-CN" altLang="en-US" smtClean="0"/>
-              <a:t>2025/10/14</a:t>
+              <a:t>2025/10/19</a:t>
             </a:fld>
             <a:endParaRPr lang="zh-CN" altLang="en-US"/>
           </a:p>
@@ -1839,7 +1839,7 @@
           <a:p>
             <a:fld id="{B62B41C1-BAA6-4120-BEAB-789D04ED3CE7}" type="datetimeFigureOut">
               <a:rPr lang="zh-CN" altLang="en-US" smtClean="0"/>
-              <a:t>2025/10/14</a:t>
+              <a:t>2025/10/19</a:t>
             </a:fld>
             <a:endParaRPr lang="zh-CN" altLang="en-US"/>
           </a:p>
@@ -2251,7 +2251,7 @@
           <a:p>
             <a:fld id="{B62B41C1-BAA6-4120-BEAB-789D04ED3CE7}" type="datetimeFigureOut">
               <a:rPr lang="zh-CN" altLang="en-US" smtClean="0"/>
-              <a:t>2025/10/14</a:t>
+              <a:t>2025/10/19</a:t>
             </a:fld>
             <a:endParaRPr lang="zh-CN" altLang="en-US"/>
           </a:p>
@@ -2392,7 +2392,7 @@
           <a:p>
             <a:fld id="{B62B41C1-BAA6-4120-BEAB-789D04ED3CE7}" type="datetimeFigureOut">
               <a:rPr lang="zh-CN" altLang="en-US" smtClean="0"/>
-              <a:t>2025/10/14</a:t>
+              <a:t>2025/10/19</a:t>
             </a:fld>
             <a:endParaRPr lang="zh-CN" altLang="en-US"/>
           </a:p>
@@ -2505,7 +2505,7 @@
           <a:p>
             <a:fld id="{B62B41C1-BAA6-4120-BEAB-789D04ED3CE7}" type="datetimeFigureOut">
               <a:rPr lang="zh-CN" altLang="en-US" smtClean="0"/>
-              <a:t>2025/10/14</a:t>
+              <a:t>2025/10/19</a:t>
             </a:fld>
             <a:endParaRPr lang="zh-CN" altLang="en-US"/>
           </a:p>
@@ -2816,7 +2816,7 @@
           <a:p>
             <a:fld id="{B62B41C1-BAA6-4120-BEAB-789D04ED3CE7}" type="datetimeFigureOut">
               <a:rPr lang="zh-CN" altLang="en-US" smtClean="0"/>
-              <a:t>2025/10/14</a:t>
+              <a:t>2025/10/19</a:t>
             </a:fld>
             <a:endParaRPr lang="zh-CN" altLang="en-US"/>
           </a:p>
@@ -3104,7 +3104,7 @@
           <a:p>
             <a:fld id="{B62B41C1-BAA6-4120-BEAB-789D04ED3CE7}" type="datetimeFigureOut">
               <a:rPr lang="zh-CN" altLang="en-US" smtClean="0"/>
-              <a:t>2025/10/14</a:t>
+              <a:t>2025/10/19</a:t>
             </a:fld>
             <a:endParaRPr lang="zh-CN" altLang="en-US"/>
           </a:p>
@@ -3345,7 +3345,7 @@
           <a:p>
             <a:fld id="{B62B41C1-BAA6-4120-BEAB-789D04ED3CE7}" type="datetimeFigureOut">
               <a:rPr lang="zh-CN" altLang="en-US" smtClean="0"/>
-              <a:t>2025/10/14</a:t>
+              <a:t>2025/10/19</a:t>
             </a:fld>
             <a:endParaRPr lang="zh-CN" altLang="en-US"/>
           </a:p>
@@ -3762,6 +3762,1072 @@
           <a:chExt cx="0" cy="0"/>
         </a:xfrm>
       </p:grpSpPr>
+      <p:sp>
+        <p:nvSpPr>
+          <p:cNvPr id="2" name="矩形: 圆角 1">
+            <a:extLst>
+              <a:ext uri="{FF2B5EF4-FFF2-40B4-BE49-F238E27FC236}">
+                <a16:creationId xmlns:a16="http://schemas.microsoft.com/office/drawing/2014/main" id="{C05D203B-8FA0-6C45-7833-A12A1663F7A8}"/>
+              </a:ext>
+            </a:extLst>
+          </p:cNvPr>
+          <p:cNvSpPr/>
+          <p:nvPr/>
+        </p:nvSpPr>
+        <p:spPr>
+          <a:xfrm>
+            <a:off x="1728953" y="2345557"/>
+            <a:ext cx="982717" cy="525517"/>
+          </a:xfrm>
+          <a:prstGeom prst="roundRect">
+            <a:avLst>
+              <a:gd name="adj" fmla="val 5263"/>
+            </a:avLst>
+          </a:prstGeom>
+          <a:solidFill>
+            <a:srgbClr val="00B0F0">
+              <a:alpha val="44000"/>
+            </a:srgbClr>
+          </a:solidFill>
+        </p:spPr>
+        <p:style>
+          <a:lnRef idx="2">
+            <a:schemeClr val="accent1">
+              <a:shade val="15000"/>
+            </a:schemeClr>
+          </a:lnRef>
+          <a:fillRef idx="1">
+            <a:schemeClr val="accent1"/>
+          </a:fillRef>
+          <a:effectRef idx="0">
+            <a:schemeClr val="accent1"/>
+          </a:effectRef>
+          <a:fontRef idx="minor">
+            <a:schemeClr val="lt1"/>
+          </a:fontRef>
+        </p:style>
+        <p:txBody>
+          <a:bodyPr rtlCol="0" anchor="ctr"/>
+          <a:lstStyle/>
+          <a:p>
+            <a:pPr algn="ctr"/>
+            <a:endParaRPr lang="zh-CN" altLang="en-US"/>
+          </a:p>
+        </p:txBody>
+      </p:sp>
+      <p:sp>
+        <p:nvSpPr>
+          <p:cNvPr id="3" name="文本框 2">
+            <a:extLst>
+              <a:ext uri="{FF2B5EF4-FFF2-40B4-BE49-F238E27FC236}">
+                <a16:creationId xmlns:a16="http://schemas.microsoft.com/office/drawing/2014/main" id="{34992942-37B2-CC88-7797-25B4BFD9E934}"/>
+              </a:ext>
+            </a:extLst>
+          </p:cNvPr>
+          <p:cNvSpPr txBox="1"/>
+          <p:nvPr/>
+        </p:nvSpPr>
+        <p:spPr>
+          <a:xfrm>
+            <a:off x="1829819" y="2423649"/>
+            <a:ext cx="780983" cy="369332"/>
+          </a:xfrm>
+          <a:prstGeom prst="rect">
+            <a:avLst/>
+          </a:prstGeom>
+          <a:noFill/>
+        </p:spPr>
+        <p:txBody>
+          <a:bodyPr wrap="none" rtlCol="0">
+            <a:spAutoFit/>
+          </a:bodyPr>
+          <a:lstStyle/>
+          <a:p>
+            <a:r>
+              <a:rPr lang="en-US" altLang="zh-CN" dirty="0">
+                <a:latin typeface="微软雅黑" panose="020B0503020204020204" pitchFamily="34" charset="-122"/>
+                <a:ea typeface="微软雅黑" panose="020B0503020204020204" pitchFamily="34" charset="-122"/>
+              </a:rPr>
+              <a:t>block</a:t>
+            </a:r>
+            <a:endParaRPr lang="zh-CN" altLang="en-US" dirty="0">
+              <a:latin typeface="微软雅黑" panose="020B0503020204020204" pitchFamily="34" charset="-122"/>
+              <a:ea typeface="微软雅黑" panose="020B0503020204020204" pitchFamily="34" charset="-122"/>
+            </a:endParaRPr>
+          </a:p>
+        </p:txBody>
+      </p:sp>
+      <p:sp>
+        <p:nvSpPr>
+          <p:cNvPr id="4" name="矩形: 圆角 3">
+            <a:extLst>
+              <a:ext uri="{FF2B5EF4-FFF2-40B4-BE49-F238E27FC236}">
+                <a16:creationId xmlns:a16="http://schemas.microsoft.com/office/drawing/2014/main" id="{8C742106-FFB1-D74A-2838-520CC9764433}"/>
+              </a:ext>
+            </a:extLst>
+          </p:cNvPr>
+          <p:cNvSpPr/>
+          <p:nvPr/>
+        </p:nvSpPr>
+        <p:spPr>
+          <a:xfrm>
+            <a:off x="4834103" y="2339207"/>
+            <a:ext cx="1350798" cy="525517"/>
+          </a:xfrm>
+          <a:prstGeom prst="roundRect">
+            <a:avLst>
+              <a:gd name="adj" fmla="val 5263"/>
+            </a:avLst>
+          </a:prstGeom>
+          <a:solidFill>
+            <a:schemeClr val="accent3">
+              <a:lumMod val="20000"/>
+              <a:lumOff val="80000"/>
+              <a:alpha val="44000"/>
+            </a:schemeClr>
+          </a:solidFill>
+        </p:spPr>
+        <p:style>
+          <a:lnRef idx="2">
+            <a:schemeClr val="accent1">
+              <a:shade val="15000"/>
+            </a:schemeClr>
+          </a:lnRef>
+          <a:fillRef idx="1">
+            <a:schemeClr val="accent1"/>
+          </a:fillRef>
+          <a:effectRef idx="0">
+            <a:schemeClr val="accent1"/>
+          </a:effectRef>
+          <a:fontRef idx="minor">
+            <a:schemeClr val="lt1"/>
+          </a:fontRef>
+        </p:style>
+        <p:txBody>
+          <a:bodyPr rtlCol="0" anchor="ctr"/>
+          <a:lstStyle/>
+          <a:p>
+            <a:pPr algn="ctr"/>
+            <a:endParaRPr lang="zh-CN" altLang="en-US"/>
+          </a:p>
+        </p:txBody>
+      </p:sp>
+      <p:sp>
+        <p:nvSpPr>
+          <p:cNvPr id="5" name="文本框 4">
+            <a:extLst>
+              <a:ext uri="{FF2B5EF4-FFF2-40B4-BE49-F238E27FC236}">
+                <a16:creationId xmlns:a16="http://schemas.microsoft.com/office/drawing/2014/main" id="{9813FD6A-177C-C634-4850-6723F50D54C5}"/>
+              </a:ext>
+            </a:extLst>
+          </p:cNvPr>
+          <p:cNvSpPr txBox="1"/>
+          <p:nvPr/>
+        </p:nvSpPr>
+        <p:spPr>
+          <a:xfrm>
+            <a:off x="5143647" y="2417299"/>
+            <a:ext cx="780983" cy="369332"/>
+          </a:xfrm>
+          <a:prstGeom prst="rect">
+            <a:avLst/>
+          </a:prstGeom>
+          <a:noFill/>
+        </p:spPr>
+        <p:txBody>
+          <a:bodyPr wrap="none" rtlCol="0">
+            <a:spAutoFit/>
+          </a:bodyPr>
+          <a:lstStyle/>
+          <a:p>
+            <a:r>
+              <a:rPr lang="en-US" altLang="zh-CN" dirty="0">
+                <a:latin typeface="微软雅黑" panose="020B0503020204020204" pitchFamily="34" charset="-122"/>
+                <a:ea typeface="微软雅黑" panose="020B0503020204020204" pitchFamily="34" charset="-122"/>
+              </a:rPr>
+              <a:t>block</a:t>
+            </a:r>
+            <a:endParaRPr lang="zh-CN" altLang="en-US" dirty="0">
+              <a:latin typeface="微软雅黑" panose="020B0503020204020204" pitchFamily="34" charset="-122"/>
+              <a:ea typeface="微软雅黑" panose="020B0503020204020204" pitchFamily="34" charset="-122"/>
+            </a:endParaRPr>
+          </a:p>
+        </p:txBody>
+      </p:sp>
+      <p:pic>
+        <p:nvPicPr>
+          <p:cNvPr id="7" name="图片 6" descr="图标&#10;&#10;AI 生成的内容可能不正确。">
+            <a:extLst>
+              <a:ext uri="{FF2B5EF4-FFF2-40B4-BE49-F238E27FC236}">
+                <a16:creationId xmlns:a16="http://schemas.microsoft.com/office/drawing/2014/main" id="{D0ED61A5-931F-B4ED-D970-BF721769BCCA}"/>
+              </a:ext>
+            </a:extLst>
+          </p:cNvPr>
+          <p:cNvPicPr>
+            <a:picLocks noChangeAspect="1"/>
+          </p:cNvPicPr>
+          <p:nvPr/>
+        </p:nvPicPr>
+        <p:blipFill>
+          <a:blip r:embed="rId3">
+            <a:extLst>
+              <a:ext uri="{28A0092B-C50C-407E-A947-70E740481C1C}">
+                <a14:useLocalDpi xmlns:a14="http://schemas.microsoft.com/office/drawing/2010/main" val="0"/>
+              </a:ext>
+            </a:extLst>
+          </a:blip>
+          <a:stretch>
+            <a:fillRect/>
+          </a:stretch>
+        </p:blipFill>
+        <p:spPr>
+          <a:xfrm>
+            <a:off x="2534289" y="2692428"/>
+            <a:ext cx="279199" cy="279199"/>
+          </a:xfrm>
+          <a:prstGeom prst="rect">
+            <a:avLst/>
+          </a:prstGeom>
+        </p:spPr>
+      </p:pic>
+      <mc:AlternateContent xmlns:mc="http://schemas.openxmlformats.org/markup-compatibility/2006">
+        <mc:Choice xmlns:a14="http://schemas.microsoft.com/office/drawing/2010/main" Requires="a14">
+          <p:sp>
+            <p:nvSpPr>
+              <p:cNvPr id="8" name="文本框 7">
+                <a:extLst>
+                  <a:ext uri="{FF2B5EF4-FFF2-40B4-BE49-F238E27FC236}">
+                    <a16:creationId xmlns:a16="http://schemas.microsoft.com/office/drawing/2014/main" id="{00D559A6-E1E0-A31F-6356-C796EAC828E2}"/>
+                  </a:ext>
+                </a:extLst>
+              </p:cNvPr>
+              <p:cNvSpPr txBox="1"/>
+              <p:nvPr/>
+            </p:nvSpPr>
+            <p:spPr>
+              <a:xfrm>
+                <a:off x="2038497" y="609600"/>
+                <a:ext cx="363626" cy="369332"/>
+              </a:xfrm>
+              <a:prstGeom prst="rect">
+                <a:avLst/>
+              </a:prstGeom>
+              <a:noFill/>
+            </p:spPr>
+            <p:txBody>
+              <a:bodyPr wrap="none" lIns="0" tIns="0" rIns="0" bIns="0" rtlCol="0">
+                <a:spAutoFit/>
+              </a:bodyPr>
+              <a:lstStyle/>
+              <a:p>
+                <a14:m>
+                  <m:oMathPara xmlns:m="http://schemas.openxmlformats.org/officeDocument/2006/math">
+                    <m:oMathParaPr>
+                      <m:jc m:val="centerGroup"/>
+                    </m:oMathParaPr>
+                    <m:oMath xmlns:m="http://schemas.openxmlformats.org/officeDocument/2006/math">
+                      <m:sSub>
+                        <m:sSubPr>
+                          <m:ctrlPr>
+                            <a:rPr lang="en-US" altLang="zh-CN" sz="2400" i="1" smtClean="0">
+                              <a:latin typeface="Cambria Math" panose="02040503050406030204" pitchFamily="18" charset="0"/>
+                            </a:rPr>
+                          </m:ctrlPr>
+                        </m:sSubPr>
+                        <m:e>
+                          <m:r>
+                            <a:rPr lang="en-US" altLang="zh-CN" sz="2400" b="0" i="1" smtClean="0">
+                              <a:latin typeface="Cambria Math" panose="02040503050406030204" pitchFamily="18" charset="0"/>
+                            </a:rPr>
+                            <m:t>𝑥</m:t>
+                          </m:r>
+                        </m:e>
+                        <m:sub>
+                          <m:r>
+                            <a:rPr lang="en-US" altLang="zh-CN" sz="2400" b="0" i="1" smtClean="0">
+                              <a:latin typeface="Cambria Math" panose="02040503050406030204" pitchFamily="18" charset="0"/>
+                            </a:rPr>
+                            <m:t>𝑡</m:t>
+                          </m:r>
+                        </m:sub>
+                      </m:sSub>
+                    </m:oMath>
+                  </m:oMathPara>
+                </a14:m>
+                <a:endParaRPr lang="zh-CN" altLang="en-US" sz="2400" dirty="0"/>
+              </a:p>
+            </p:txBody>
+          </p:sp>
+        </mc:Choice>
+        <mc:Fallback>
+          <p:sp>
+            <p:nvSpPr>
+              <p:cNvPr id="8" name="文本框 7">
+                <a:extLst>
+                  <a:ext uri="{FF2B5EF4-FFF2-40B4-BE49-F238E27FC236}">
+                    <a16:creationId xmlns:a16="http://schemas.microsoft.com/office/drawing/2014/main" id="{00D559A6-E1E0-A31F-6356-C796EAC828E2}"/>
+                  </a:ext>
+                </a:extLst>
+              </p:cNvPr>
+              <p:cNvSpPr txBox="1">
+                <a:spLocks noRot="1" noChangeAspect="1" noMove="1" noResize="1" noEditPoints="1" noAdjustHandles="1" noChangeArrowheads="1" noChangeShapeType="1" noTextEdit="1"/>
+              </p:cNvSpPr>
+              <p:nvPr/>
+            </p:nvSpPr>
+            <p:spPr>
+              <a:xfrm>
+                <a:off x="2038497" y="609600"/>
+                <a:ext cx="363626" cy="369332"/>
+              </a:xfrm>
+              <a:prstGeom prst="rect">
+                <a:avLst/>
+              </a:prstGeom>
+              <a:blipFill>
+                <a:blip r:embed="rId4"/>
+                <a:stretch>
+                  <a:fillRect l="-8333" r="-3333" b="-13115"/>
+                </a:stretch>
+              </a:blipFill>
+            </p:spPr>
+            <p:txBody>
+              <a:bodyPr/>
+              <a:lstStyle/>
+              <a:p>
+                <a:r>
+                  <a:rPr lang="zh-CN" altLang="en-US">
+                    <a:noFill/>
+                  </a:rPr>
+                  <a:t> </a:t>
+                </a:r>
+              </a:p>
+            </p:txBody>
+          </p:sp>
+        </mc:Fallback>
+      </mc:AlternateContent>
+      <p:cxnSp>
+        <p:nvCxnSpPr>
+          <p:cNvPr id="10" name="直接箭头连接符 9">
+            <a:extLst>
+              <a:ext uri="{FF2B5EF4-FFF2-40B4-BE49-F238E27FC236}">
+                <a16:creationId xmlns:a16="http://schemas.microsoft.com/office/drawing/2014/main" id="{CB95DD63-1B47-CCF2-0F45-2AA3D268CFF1}"/>
+              </a:ext>
+            </a:extLst>
+          </p:cNvPr>
+          <p:cNvCxnSpPr>
+            <a:cxnSpLocks/>
+            <a:stCxn id="8" idx="2"/>
+            <a:endCxn id="2" idx="0"/>
+          </p:cNvCxnSpPr>
+          <p:nvPr/>
+        </p:nvCxnSpPr>
+        <p:spPr>
+          <a:xfrm>
+            <a:off x="2220310" y="978932"/>
+            <a:ext cx="2" cy="1366625"/>
+          </a:xfrm>
+          <a:prstGeom prst="straightConnector1">
+            <a:avLst/>
+          </a:prstGeom>
+          <a:ln>
+            <a:tailEnd type="triangle"/>
+          </a:ln>
+        </p:spPr>
+        <p:style>
+          <a:lnRef idx="2">
+            <a:schemeClr val="accent1"/>
+          </a:lnRef>
+          <a:fillRef idx="0">
+            <a:schemeClr val="accent1"/>
+          </a:fillRef>
+          <a:effectRef idx="1">
+            <a:schemeClr val="accent1"/>
+          </a:effectRef>
+          <a:fontRef idx="minor">
+            <a:schemeClr val="tx1"/>
+          </a:fontRef>
+        </p:style>
+      </p:cxnSp>
+      <mc:AlternateContent xmlns:mc="http://schemas.openxmlformats.org/markup-compatibility/2006">
+        <mc:Choice xmlns:a14="http://schemas.microsoft.com/office/drawing/2010/main" Requires="a14">
+          <p:sp>
+            <p:nvSpPr>
+              <p:cNvPr id="15" name="文本框 14">
+                <a:extLst>
+                  <a:ext uri="{FF2B5EF4-FFF2-40B4-BE49-F238E27FC236}">
+                    <a16:creationId xmlns:a16="http://schemas.microsoft.com/office/drawing/2014/main" id="{64C044F7-5A43-C300-E03B-CA0BC2E717F9}"/>
+                  </a:ext>
+                </a:extLst>
+              </p:cNvPr>
+              <p:cNvSpPr txBox="1"/>
+              <p:nvPr/>
+            </p:nvSpPr>
+            <p:spPr>
+              <a:xfrm>
+                <a:off x="5385771" y="240268"/>
+                <a:ext cx="261738" cy="369332"/>
+              </a:xfrm>
+              <a:prstGeom prst="rect">
+                <a:avLst/>
+              </a:prstGeom>
+              <a:noFill/>
+            </p:spPr>
+            <p:txBody>
+              <a:bodyPr wrap="none" lIns="0" tIns="0" rIns="0" bIns="0" rtlCol="0">
+                <a:spAutoFit/>
+              </a:bodyPr>
+              <a:lstStyle/>
+              <a:p>
+                <a14:m>
+                  <m:oMathPara xmlns:m="http://schemas.openxmlformats.org/officeDocument/2006/math">
+                    <m:oMathParaPr>
+                      <m:jc m:val="centerGroup"/>
+                    </m:oMathParaPr>
+                    <m:oMath xmlns:m="http://schemas.openxmlformats.org/officeDocument/2006/math">
+                      <m:r>
+                        <a:rPr lang="en-US" altLang="zh-CN" sz="2400" b="0" i="1" smtClean="0">
+                          <a:latin typeface="Cambria Math" panose="02040503050406030204" pitchFamily="18" charset="0"/>
+                        </a:rPr>
+                        <m:t>𝑦</m:t>
+                      </m:r>
+                    </m:oMath>
+                  </m:oMathPara>
+                </a14:m>
+                <a:endParaRPr lang="zh-CN" altLang="en-US" sz="2400" dirty="0"/>
+              </a:p>
+            </p:txBody>
+          </p:sp>
+        </mc:Choice>
+        <mc:Fallback>
+          <p:sp>
+            <p:nvSpPr>
+              <p:cNvPr id="15" name="文本框 14">
+                <a:extLst>
+                  <a:ext uri="{FF2B5EF4-FFF2-40B4-BE49-F238E27FC236}">
+                    <a16:creationId xmlns:a16="http://schemas.microsoft.com/office/drawing/2014/main" id="{64C044F7-5A43-C300-E03B-CA0BC2E717F9}"/>
+                  </a:ext>
+                </a:extLst>
+              </p:cNvPr>
+              <p:cNvSpPr txBox="1">
+                <a:spLocks noRot="1" noChangeAspect="1" noMove="1" noResize="1" noEditPoints="1" noAdjustHandles="1" noChangeArrowheads="1" noChangeShapeType="1" noTextEdit="1"/>
+              </p:cNvSpPr>
+              <p:nvPr/>
+            </p:nvSpPr>
+            <p:spPr>
+              <a:xfrm>
+                <a:off x="5385771" y="240268"/>
+                <a:ext cx="261738" cy="369332"/>
+              </a:xfrm>
+              <a:prstGeom prst="rect">
+                <a:avLst/>
+              </a:prstGeom>
+              <a:blipFill>
+                <a:blip r:embed="rId5"/>
+                <a:stretch>
+                  <a:fillRect l="-25581" r="-23256" b="-24590"/>
+                </a:stretch>
+              </a:blipFill>
+            </p:spPr>
+            <p:txBody>
+              <a:bodyPr/>
+              <a:lstStyle/>
+              <a:p>
+                <a:r>
+                  <a:rPr lang="zh-CN" altLang="en-US">
+                    <a:noFill/>
+                  </a:rPr>
+                  <a:t> </a:t>
+                </a:r>
+              </a:p>
+            </p:txBody>
+          </p:sp>
+        </mc:Fallback>
+      </mc:AlternateContent>
+      <p:sp>
+        <p:nvSpPr>
+          <p:cNvPr id="16" name="矩形: 圆角 15">
+            <a:extLst>
+              <a:ext uri="{FF2B5EF4-FFF2-40B4-BE49-F238E27FC236}">
+                <a16:creationId xmlns:a16="http://schemas.microsoft.com/office/drawing/2014/main" id="{CCCBA709-45DD-1E88-7B01-D10A9AD97625}"/>
+              </a:ext>
+            </a:extLst>
+          </p:cNvPr>
+          <p:cNvSpPr/>
+          <p:nvPr/>
+        </p:nvSpPr>
+        <p:spPr>
+          <a:xfrm>
+            <a:off x="4834102" y="978932"/>
+            <a:ext cx="1350798" cy="525517"/>
+          </a:xfrm>
+          <a:prstGeom prst="roundRect">
+            <a:avLst>
+              <a:gd name="adj" fmla="val 5263"/>
+            </a:avLst>
+          </a:prstGeom>
+          <a:noFill/>
+        </p:spPr>
+        <p:style>
+          <a:lnRef idx="2">
+            <a:schemeClr val="accent1">
+              <a:shade val="15000"/>
+            </a:schemeClr>
+          </a:lnRef>
+          <a:fillRef idx="1">
+            <a:schemeClr val="accent1"/>
+          </a:fillRef>
+          <a:effectRef idx="0">
+            <a:schemeClr val="accent1"/>
+          </a:effectRef>
+          <a:fontRef idx="minor">
+            <a:schemeClr val="lt1"/>
+          </a:fontRef>
+        </p:style>
+        <p:txBody>
+          <a:bodyPr rtlCol="0" anchor="ctr"/>
+          <a:lstStyle/>
+          <a:p>
+            <a:pPr algn="ctr"/>
+            <a:endParaRPr lang="zh-CN" altLang="en-US"/>
+          </a:p>
+        </p:txBody>
+      </p:sp>
+      <p:sp>
+        <p:nvSpPr>
+          <p:cNvPr id="17" name="文本框 16">
+            <a:extLst>
+              <a:ext uri="{FF2B5EF4-FFF2-40B4-BE49-F238E27FC236}">
+                <a16:creationId xmlns:a16="http://schemas.microsoft.com/office/drawing/2014/main" id="{8AA1C8B4-759D-0BB5-DBB0-B06CC55463AA}"/>
+              </a:ext>
+            </a:extLst>
+          </p:cNvPr>
+          <p:cNvSpPr txBox="1"/>
+          <p:nvPr/>
+        </p:nvSpPr>
+        <p:spPr>
+          <a:xfrm>
+            <a:off x="4934969" y="1072413"/>
+            <a:ext cx="1196481" cy="338554"/>
+          </a:xfrm>
+          <a:prstGeom prst="rect">
+            <a:avLst/>
+          </a:prstGeom>
+          <a:noFill/>
+        </p:spPr>
+        <p:txBody>
+          <a:bodyPr wrap="none" rtlCol="0">
+            <a:spAutoFit/>
+          </a:bodyPr>
+          <a:lstStyle/>
+          <a:p>
+            <a:r>
+              <a:rPr lang="en-US" altLang="zh-CN" sz="1600" dirty="0">
+                <a:latin typeface="微软雅黑" panose="020B0503020204020204" pitchFamily="34" charset="-122"/>
+                <a:ea typeface="微软雅黑" panose="020B0503020204020204" pitchFamily="34" charset="-122"/>
+              </a:rPr>
+              <a:t>Zero Conv</a:t>
+            </a:r>
+            <a:endParaRPr lang="zh-CN" altLang="en-US" sz="1600" dirty="0">
+              <a:latin typeface="微软雅黑" panose="020B0503020204020204" pitchFamily="34" charset="-122"/>
+              <a:ea typeface="微软雅黑" panose="020B0503020204020204" pitchFamily="34" charset="-122"/>
+            </a:endParaRPr>
+          </a:p>
+        </p:txBody>
+      </p:sp>
+      <p:cxnSp>
+        <p:nvCxnSpPr>
+          <p:cNvPr id="18" name="直接箭头连接符 17">
+            <a:extLst>
+              <a:ext uri="{FF2B5EF4-FFF2-40B4-BE49-F238E27FC236}">
+                <a16:creationId xmlns:a16="http://schemas.microsoft.com/office/drawing/2014/main" id="{F9F905A7-95BB-22E2-DF38-281125D33703}"/>
+              </a:ext>
+            </a:extLst>
+          </p:cNvPr>
+          <p:cNvCxnSpPr>
+            <a:cxnSpLocks/>
+            <a:stCxn id="15" idx="2"/>
+            <a:endCxn id="16" idx="0"/>
+          </p:cNvCxnSpPr>
+          <p:nvPr/>
+        </p:nvCxnSpPr>
+        <p:spPr>
+          <a:xfrm flipH="1">
+            <a:off x="5509501" y="609600"/>
+            <a:ext cx="7139" cy="369332"/>
+          </a:xfrm>
+          <a:prstGeom prst="straightConnector1">
+            <a:avLst/>
+          </a:prstGeom>
+          <a:ln>
+            <a:tailEnd type="triangle"/>
+          </a:ln>
+        </p:spPr>
+        <p:style>
+          <a:lnRef idx="2">
+            <a:schemeClr val="accent1"/>
+          </a:lnRef>
+          <a:fillRef idx="0">
+            <a:schemeClr val="accent1"/>
+          </a:fillRef>
+          <a:effectRef idx="1">
+            <a:schemeClr val="accent1"/>
+          </a:effectRef>
+          <a:fontRef idx="minor">
+            <a:schemeClr val="tx1"/>
+          </a:fontRef>
+        </p:style>
+      </p:cxnSp>
+      <p:cxnSp>
+        <p:nvCxnSpPr>
+          <p:cNvPr id="21" name="直接箭头连接符 20">
+            <a:extLst>
+              <a:ext uri="{FF2B5EF4-FFF2-40B4-BE49-F238E27FC236}">
+                <a16:creationId xmlns:a16="http://schemas.microsoft.com/office/drawing/2014/main" id="{04170ABD-9AC6-3C8E-6579-458CD17EB4E4}"/>
+              </a:ext>
+            </a:extLst>
+          </p:cNvPr>
+          <p:cNvCxnSpPr>
+            <a:cxnSpLocks/>
+            <a:stCxn id="16" idx="2"/>
+            <a:endCxn id="4" idx="0"/>
+          </p:cNvCxnSpPr>
+          <p:nvPr/>
+        </p:nvCxnSpPr>
+        <p:spPr>
+          <a:xfrm>
+            <a:off x="5509501" y="1504449"/>
+            <a:ext cx="1" cy="834758"/>
+          </a:xfrm>
+          <a:prstGeom prst="straightConnector1">
+            <a:avLst/>
+          </a:prstGeom>
+          <a:ln>
+            <a:tailEnd type="triangle"/>
+          </a:ln>
+        </p:spPr>
+        <p:style>
+          <a:lnRef idx="2">
+            <a:schemeClr val="accent1"/>
+          </a:lnRef>
+          <a:fillRef idx="0">
+            <a:schemeClr val="accent1"/>
+          </a:fillRef>
+          <a:effectRef idx="1">
+            <a:schemeClr val="accent1"/>
+          </a:effectRef>
+          <a:fontRef idx="minor">
+            <a:schemeClr val="tx1"/>
+          </a:fontRef>
+        </p:style>
+      </p:cxnSp>
+      <p:sp>
+        <p:nvSpPr>
+          <p:cNvPr id="26" name="矩形: 圆角 25">
+            <a:extLst>
+              <a:ext uri="{FF2B5EF4-FFF2-40B4-BE49-F238E27FC236}">
+                <a16:creationId xmlns:a16="http://schemas.microsoft.com/office/drawing/2014/main" id="{D72C9434-865A-534D-BD79-9CB622C20C06}"/>
+              </a:ext>
+            </a:extLst>
+          </p:cNvPr>
+          <p:cNvSpPr/>
+          <p:nvPr/>
+        </p:nvSpPr>
+        <p:spPr>
+          <a:xfrm>
+            <a:off x="4834102" y="3659926"/>
+            <a:ext cx="1350798" cy="525517"/>
+          </a:xfrm>
+          <a:prstGeom prst="roundRect">
+            <a:avLst>
+              <a:gd name="adj" fmla="val 5263"/>
+            </a:avLst>
+          </a:prstGeom>
+          <a:noFill/>
+        </p:spPr>
+        <p:style>
+          <a:lnRef idx="2">
+            <a:schemeClr val="accent1">
+              <a:shade val="15000"/>
+            </a:schemeClr>
+          </a:lnRef>
+          <a:fillRef idx="1">
+            <a:schemeClr val="accent1"/>
+          </a:fillRef>
+          <a:effectRef idx="0">
+            <a:schemeClr val="accent1"/>
+          </a:effectRef>
+          <a:fontRef idx="minor">
+            <a:schemeClr val="lt1"/>
+          </a:fontRef>
+        </p:style>
+        <p:txBody>
+          <a:bodyPr rtlCol="0" anchor="ctr"/>
+          <a:lstStyle/>
+          <a:p>
+            <a:pPr algn="ctr"/>
+            <a:endParaRPr lang="zh-CN" altLang="en-US"/>
+          </a:p>
+        </p:txBody>
+      </p:sp>
+      <p:sp>
+        <p:nvSpPr>
+          <p:cNvPr id="27" name="文本框 26">
+            <a:extLst>
+              <a:ext uri="{FF2B5EF4-FFF2-40B4-BE49-F238E27FC236}">
+                <a16:creationId xmlns:a16="http://schemas.microsoft.com/office/drawing/2014/main" id="{0CDEF4D8-DEB2-F329-83CD-C0BEB343EF21}"/>
+              </a:ext>
+            </a:extLst>
+          </p:cNvPr>
+          <p:cNvSpPr txBox="1"/>
+          <p:nvPr/>
+        </p:nvSpPr>
+        <p:spPr>
+          <a:xfrm>
+            <a:off x="4934969" y="3753407"/>
+            <a:ext cx="1196481" cy="338554"/>
+          </a:xfrm>
+          <a:prstGeom prst="rect">
+            <a:avLst/>
+          </a:prstGeom>
+          <a:noFill/>
+        </p:spPr>
+        <p:txBody>
+          <a:bodyPr wrap="none" rtlCol="0">
+            <a:spAutoFit/>
+          </a:bodyPr>
+          <a:lstStyle/>
+          <a:p>
+            <a:r>
+              <a:rPr lang="en-US" altLang="zh-CN" sz="1600" dirty="0">
+                <a:latin typeface="微软雅黑" panose="020B0503020204020204" pitchFamily="34" charset="-122"/>
+                <a:ea typeface="微软雅黑" panose="020B0503020204020204" pitchFamily="34" charset="-122"/>
+              </a:rPr>
+              <a:t>Zero Conv</a:t>
+            </a:r>
+            <a:endParaRPr lang="zh-CN" altLang="en-US" sz="1600" dirty="0">
+              <a:latin typeface="微软雅黑" panose="020B0503020204020204" pitchFamily="34" charset="-122"/>
+              <a:ea typeface="微软雅黑" panose="020B0503020204020204" pitchFamily="34" charset="-122"/>
+            </a:endParaRPr>
+          </a:p>
+        </p:txBody>
+      </p:sp>
+      <p:cxnSp>
+        <p:nvCxnSpPr>
+          <p:cNvPr id="28" name="直接箭头连接符 27">
+            <a:extLst>
+              <a:ext uri="{FF2B5EF4-FFF2-40B4-BE49-F238E27FC236}">
+                <a16:creationId xmlns:a16="http://schemas.microsoft.com/office/drawing/2014/main" id="{713A6A55-2737-BD32-20D0-C5EA485CC7A0}"/>
+              </a:ext>
+            </a:extLst>
+          </p:cNvPr>
+          <p:cNvCxnSpPr>
+            <a:cxnSpLocks/>
+            <a:stCxn id="4" idx="2"/>
+            <a:endCxn id="26" idx="0"/>
+          </p:cNvCxnSpPr>
+          <p:nvPr/>
+        </p:nvCxnSpPr>
+        <p:spPr>
+          <a:xfrm flipH="1">
+            <a:off x="5509501" y="2864724"/>
+            <a:ext cx="1" cy="795202"/>
+          </a:xfrm>
+          <a:prstGeom prst="straightConnector1">
+            <a:avLst/>
+          </a:prstGeom>
+          <a:ln>
+            <a:tailEnd type="triangle"/>
+          </a:ln>
+        </p:spPr>
+        <p:style>
+          <a:lnRef idx="2">
+            <a:schemeClr val="accent1"/>
+          </a:lnRef>
+          <a:fillRef idx="0">
+            <a:schemeClr val="accent1"/>
+          </a:fillRef>
+          <a:effectRef idx="1">
+            <a:schemeClr val="accent1"/>
+          </a:effectRef>
+          <a:fontRef idx="minor">
+            <a:schemeClr val="tx1"/>
+          </a:fontRef>
+        </p:style>
+      </p:cxnSp>
+      <p:grpSp>
+        <p:nvGrpSpPr>
+          <p:cNvPr id="31" name="组合 30">
+            <a:extLst>
+              <a:ext uri="{FF2B5EF4-FFF2-40B4-BE49-F238E27FC236}">
+                <a16:creationId xmlns:a16="http://schemas.microsoft.com/office/drawing/2014/main" id="{95E26FB7-6C3F-1C9B-926D-B7400392F2DA}"/>
+              </a:ext>
+            </a:extLst>
+          </p:cNvPr>
+          <p:cNvGrpSpPr/>
+          <p:nvPr/>
+        </p:nvGrpSpPr>
+        <p:grpSpPr>
+          <a:xfrm>
+            <a:off x="5401544" y="1775988"/>
+            <a:ext cx="230191" cy="256775"/>
+            <a:chOff x="5281075" y="4315800"/>
+            <a:chExt cx="360000" cy="363969"/>
+          </a:xfrm>
+        </p:grpSpPr>
+        <p:sp>
+          <p:nvSpPr>
+            <p:cNvPr id="32" name="加号 31">
+              <a:extLst>
+                <a:ext uri="{FF2B5EF4-FFF2-40B4-BE49-F238E27FC236}">
+                  <a16:creationId xmlns:a16="http://schemas.microsoft.com/office/drawing/2014/main" id="{17E2C394-89C9-702C-6789-6FAEBBE2C599}"/>
+                </a:ext>
+              </a:extLst>
+            </p:cNvPr>
+            <p:cNvSpPr/>
+            <p:nvPr/>
+          </p:nvSpPr>
+          <p:spPr>
+            <a:xfrm>
+              <a:off x="5281075" y="4319769"/>
+              <a:ext cx="360000" cy="360000"/>
+            </a:xfrm>
+            <a:prstGeom prst="mathPlus">
+              <a:avLst>
+                <a:gd name="adj1" fmla="val 12933"/>
+              </a:avLst>
+            </a:prstGeom>
+            <a:noFill/>
+          </p:spPr>
+          <p:style>
+            <a:lnRef idx="2">
+              <a:schemeClr val="accent1">
+                <a:shade val="15000"/>
+              </a:schemeClr>
+            </a:lnRef>
+            <a:fillRef idx="1">
+              <a:schemeClr val="accent1"/>
+            </a:fillRef>
+            <a:effectRef idx="0">
+              <a:schemeClr val="accent1"/>
+            </a:effectRef>
+            <a:fontRef idx="minor">
+              <a:schemeClr val="lt1"/>
+            </a:fontRef>
+          </p:style>
+          <p:txBody>
+            <a:bodyPr rtlCol="0" anchor="ctr"/>
+            <a:lstStyle/>
+            <a:p>
+              <a:pPr algn="ctr"/>
+              <a:endParaRPr lang="zh-CN" altLang="en-US"/>
+            </a:p>
+          </p:txBody>
+        </p:sp>
+        <p:sp>
+          <p:nvSpPr>
+            <p:cNvPr id="33" name="椭圆 32">
+              <a:extLst>
+                <a:ext uri="{FF2B5EF4-FFF2-40B4-BE49-F238E27FC236}">
+                  <a16:creationId xmlns:a16="http://schemas.microsoft.com/office/drawing/2014/main" id="{FAF56952-3B22-6F37-AC60-760D1944D6F2}"/>
+                </a:ext>
+              </a:extLst>
+            </p:cNvPr>
+            <p:cNvSpPr/>
+            <p:nvPr/>
+          </p:nvSpPr>
+          <p:spPr>
+            <a:xfrm>
+              <a:off x="5281075" y="4315800"/>
+              <a:ext cx="360000" cy="360000"/>
+            </a:xfrm>
+            <a:prstGeom prst="ellipse">
+              <a:avLst/>
+            </a:prstGeom>
+            <a:noFill/>
+          </p:spPr>
+          <p:style>
+            <a:lnRef idx="2">
+              <a:schemeClr val="accent1">
+                <a:shade val="15000"/>
+              </a:schemeClr>
+            </a:lnRef>
+            <a:fillRef idx="1">
+              <a:schemeClr val="accent1"/>
+            </a:fillRef>
+            <a:effectRef idx="0">
+              <a:schemeClr val="accent1"/>
+            </a:effectRef>
+            <a:fontRef idx="minor">
+              <a:schemeClr val="lt1"/>
+            </a:fontRef>
+          </p:style>
+          <p:txBody>
+            <a:bodyPr rtlCol="0" anchor="ctr"/>
+            <a:lstStyle/>
+            <a:p>
+              <a:pPr algn="ctr"/>
+              <a:endParaRPr lang="zh-CN" altLang="en-US"/>
+            </a:p>
+          </p:txBody>
+        </p:sp>
+      </p:grpSp>
+      <p:grpSp>
+        <p:nvGrpSpPr>
+          <p:cNvPr id="34" name="组合 33">
+            <a:extLst>
+              <a:ext uri="{FF2B5EF4-FFF2-40B4-BE49-F238E27FC236}">
+                <a16:creationId xmlns:a16="http://schemas.microsoft.com/office/drawing/2014/main" id="{C56D55FF-6953-7686-EBC5-8E6974013215}"/>
+              </a:ext>
+            </a:extLst>
+          </p:cNvPr>
+          <p:cNvGrpSpPr/>
+          <p:nvPr/>
+        </p:nvGrpSpPr>
+        <p:grpSpPr>
+          <a:xfrm>
+            <a:off x="2959851" y="3593073"/>
+            <a:ext cx="230191" cy="256775"/>
+            <a:chOff x="5281075" y="4315800"/>
+            <a:chExt cx="360000" cy="363969"/>
+          </a:xfrm>
+        </p:grpSpPr>
+        <p:sp>
+          <p:nvSpPr>
+            <p:cNvPr id="35" name="加号 34">
+              <a:extLst>
+                <a:ext uri="{FF2B5EF4-FFF2-40B4-BE49-F238E27FC236}">
+                  <a16:creationId xmlns:a16="http://schemas.microsoft.com/office/drawing/2014/main" id="{C95066F8-98D5-DA91-2942-4C6FF3AB453F}"/>
+                </a:ext>
+              </a:extLst>
+            </p:cNvPr>
+            <p:cNvSpPr/>
+            <p:nvPr/>
+          </p:nvSpPr>
+          <p:spPr>
+            <a:xfrm>
+              <a:off x="5281075" y="4319769"/>
+              <a:ext cx="360000" cy="360000"/>
+            </a:xfrm>
+            <a:prstGeom prst="mathPlus">
+              <a:avLst>
+                <a:gd name="adj1" fmla="val 12933"/>
+              </a:avLst>
+            </a:prstGeom>
+            <a:noFill/>
+          </p:spPr>
+          <p:style>
+            <a:lnRef idx="2">
+              <a:schemeClr val="accent1">
+                <a:shade val="15000"/>
+              </a:schemeClr>
+            </a:lnRef>
+            <a:fillRef idx="1">
+              <a:schemeClr val="accent1"/>
+            </a:fillRef>
+            <a:effectRef idx="0">
+              <a:schemeClr val="accent1"/>
+            </a:effectRef>
+            <a:fontRef idx="minor">
+              <a:schemeClr val="lt1"/>
+            </a:fontRef>
+          </p:style>
+          <p:txBody>
+            <a:bodyPr rtlCol="0" anchor="ctr"/>
+            <a:lstStyle/>
+            <a:p>
+              <a:pPr algn="ctr"/>
+              <a:endParaRPr lang="zh-CN" altLang="en-US"/>
+            </a:p>
+          </p:txBody>
+        </p:sp>
+        <p:sp>
+          <p:nvSpPr>
+            <p:cNvPr id="36" name="椭圆 35">
+              <a:extLst>
+                <a:ext uri="{FF2B5EF4-FFF2-40B4-BE49-F238E27FC236}">
+                  <a16:creationId xmlns:a16="http://schemas.microsoft.com/office/drawing/2014/main" id="{0D6C564A-9733-6945-B133-60AAA9A89764}"/>
+                </a:ext>
+              </a:extLst>
+            </p:cNvPr>
+            <p:cNvSpPr/>
+            <p:nvPr/>
+          </p:nvSpPr>
+          <p:spPr>
+            <a:xfrm>
+              <a:off x="5281075" y="4315800"/>
+              <a:ext cx="360000" cy="360000"/>
+            </a:xfrm>
+            <a:prstGeom prst="ellipse">
+              <a:avLst/>
+            </a:prstGeom>
+            <a:noFill/>
+          </p:spPr>
+          <p:style>
+            <a:lnRef idx="2">
+              <a:schemeClr val="accent1">
+                <a:shade val="15000"/>
+              </a:schemeClr>
+            </a:lnRef>
+            <a:fillRef idx="1">
+              <a:schemeClr val="accent1"/>
+            </a:fillRef>
+            <a:effectRef idx="0">
+              <a:schemeClr val="accent1"/>
+            </a:effectRef>
+            <a:fontRef idx="minor">
+              <a:schemeClr val="lt1"/>
+            </a:fontRef>
+          </p:style>
+          <p:txBody>
+            <a:bodyPr rtlCol="0" anchor="ctr"/>
+            <a:lstStyle/>
+            <a:p>
+              <a:pPr algn="ctr"/>
+              <a:endParaRPr lang="zh-CN" altLang="en-US"/>
+            </a:p>
+          </p:txBody>
+        </p:sp>
+      </p:grpSp>
+      <p:cxnSp>
+        <p:nvCxnSpPr>
+          <p:cNvPr id="37" name="直接箭头连接符 36">
+            <a:extLst>
+              <a:ext uri="{FF2B5EF4-FFF2-40B4-BE49-F238E27FC236}">
+                <a16:creationId xmlns:a16="http://schemas.microsoft.com/office/drawing/2014/main" id="{C097A2BE-2C1D-753E-4284-FC85FE1118CD}"/>
+              </a:ext>
+            </a:extLst>
+          </p:cNvPr>
+          <p:cNvCxnSpPr>
+            <a:cxnSpLocks/>
+          </p:cNvCxnSpPr>
+          <p:nvPr/>
+        </p:nvCxnSpPr>
+        <p:spPr>
+          <a:xfrm>
+            <a:off x="2220308" y="4898800"/>
+            <a:ext cx="2" cy="1366625"/>
+          </a:xfrm>
+          <a:prstGeom prst="straightConnector1">
+            <a:avLst/>
+          </a:prstGeom>
+          <a:ln>
+            <a:tailEnd type="triangle"/>
+          </a:ln>
+        </p:spPr>
+        <p:style>
+          <a:lnRef idx="2">
+            <a:schemeClr val="accent1"/>
+          </a:lnRef>
+          <a:fillRef idx="0">
+            <a:schemeClr val="accent1"/>
+          </a:fillRef>
+          <a:effectRef idx="1">
+            <a:schemeClr val="accent1"/>
+          </a:effectRef>
+          <a:fontRef idx="minor">
+            <a:schemeClr val="tx1"/>
+          </a:fontRef>
+        </p:style>
+      </p:cxnSp>
     </p:spTree>
     <p:extLst>
       <p:ext uri="{BB962C8B-B14F-4D97-AF65-F5344CB8AC3E}">

--- a/images/posts/2025-07-03-blog-post/新建 Microsoft PowerPoint 演示文稿.pptx
+++ b/images/posts/2025-07-03-blog-post/新建 Microsoft PowerPoint 演示文稿.pptx
@@ -5,10 +5,12 @@
     <p:sldMasterId id="2147483648" r:id="rId1"/>
   </p:sldMasterIdLst>
   <p:notesMasterIdLst>
-    <p:notesMasterId r:id="rId3"/>
+    <p:notesMasterId r:id="rId5"/>
   </p:notesMasterIdLst>
   <p:sldIdLst>
     <p:sldId id="256" r:id="rId2"/>
+    <p:sldId id="257" r:id="rId3"/>
+    <p:sldId id="258" r:id="rId4"/>
   </p:sldIdLst>
   <p:sldSz cx="12192000" cy="6858000"/>
   <p:notesSz cx="6858000" cy="9144000"/>
@@ -197,7 +199,7 @@
           <a:p>
             <a:fld id="{CD28CA38-3ECF-470A-870B-B1DCF738CCF1}" type="datetimeFigureOut">
               <a:rPr lang="zh-CN" altLang="en-US" smtClean="0"/>
-              <a:t>2025/10/19</a:t>
+              <a:t>2025/11/6</a:t>
             </a:fld>
             <a:endParaRPr lang="zh-CN" altLang="en-US"/>
           </a:p>
@@ -695,7 +697,7 @@
           <a:p>
             <a:fld id="{B62B41C1-BAA6-4120-BEAB-789D04ED3CE7}" type="datetimeFigureOut">
               <a:rPr lang="zh-CN" altLang="en-US" smtClean="0"/>
-              <a:t>2025/10/19</a:t>
+              <a:t>2025/11/6</a:t>
             </a:fld>
             <a:endParaRPr lang="zh-CN" altLang="en-US"/>
           </a:p>
@@ -893,7 +895,7 @@
           <a:p>
             <a:fld id="{B62B41C1-BAA6-4120-BEAB-789D04ED3CE7}" type="datetimeFigureOut">
               <a:rPr lang="zh-CN" altLang="en-US" smtClean="0"/>
-              <a:t>2025/10/19</a:t>
+              <a:t>2025/11/6</a:t>
             </a:fld>
             <a:endParaRPr lang="zh-CN" altLang="en-US"/>
           </a:p>
@@ -1101,7 +1103,7 @@
           <a:p>
             <a:fld id="{B62B41C1-BAA6-4120-BEAB-789D04ED3CE7}" type="datetimeFigureOut">
               <a:rPr lang="zh-CN" altLang="en-US" smtClean="0"/>
-              <a:t>2025/10/19</a:t>
+              <a:t>2025/11/6</a:t>
             </a:fld>
             <a:endParaRPr lang="zh-CN" altLang="en-US"/>
           </a:p>
@@ -1299,7 +1301,7 @@
           <a:p>
             <a:fld id="{B62B41C1-BAA6-4120-BEAB-789D04ED3CE7}" type="datetimeFigureOut">
               <a:rPr lang="zh-CN" altLang="en-US" smtClean="0"/>
-              <a:t>2025/10/19</a:t>
+              <a:t>2025/11/6</a:t>
             </a:fld>
             <a:endParaRPr lang="zh-CN" altLang="en-US"/>
           </a:p>
@@ -1574,7 +1576,7 @@
           <a:p>
             <a:fld id="{B62B41C1-BAA6-4120-BEAB-789D04ED3CE7}" type="datetimeFigureOut">
               <a:rPr lang="zh-CN" altLang="en-US" smtClean="0"/>
-              <a:t>2025/10/19</a:t>
+              <a:t>2025/11/6</a:t>
             </a:fld>
             <a:endParaRPr lang="zh-CN" altLang="en-US"/>
           </a:p>
@@ -1839,7 +1841,7 @@
           <a:p>
             <a:fld id="{B62B41C1-BAA6-4120-BEAB-789D04ED3CE7}" type="datetimeFigureOut">
               <a:rPr lang="zh-CN" altLang="en-US" smtClean="0"/>
-              <a:t>2025/10/19</a:t>
+              <a:t>2025/11/6</a:t>
             </a:fld>
             <a:endParaRPr lang="zh-CN" altLang="en-US"/>
           </a:p>
@@ -2251,7 +2253,7 @@
           <a:p>
             <a:fld id="{B62B41C1-BAA6-4120-BEAB-789D04ED3CE7}" type="datetimeFigureOut">
               <a:rPr lang="zh-CN" altLang="en-US" smtClean="0"/>
-              <a:t>2025/10/19</a:t>
+              <a:t>2025/11/6</a:t>
             </a:fld>
             <a:endParaRPr lang="zh-CN" altLang="en-US"/>
           </a:p>
@@ -2392,7 +2394,7 @@
           <a:p>
             <a:fld id="{B62B41C1-BAA6-4120-BEAB-789D04ED3CE7}" type="datetimeFigureOut">
               <a:rPr lang="zh-CN" altLang="en-US" smtClean="0"/>
-              <a:t>2025/10/19</a:t>
+              <a:t>2025/11/6</a:t>
             </a:fld>
             <a:endParaRPr lang="zh-CN" altLang="en-US"/>
           </a:p>
@@ -2505,7 +2507,7 @@
           <a:p>
             <a:fld id="{B62B41C1-BAA6-4120-BEAB-789D04ED3CE7}" type="datetimeFigureOut">
               <a:rPr lang="zh-CN" altLang="en-US" smtClean="0"/>
-              <a:t>2025/10/19</a:t>
+              <a:t>2025/11/6</a:t>
             </a:fld>
             <a:endParaRPr lang="zh-CN" altLang="en-US"/>
           </a:p>
@@ -2816,7 +2818,7 @@
           <a:p>
             <a:fld id="{B62B41C1-BAA6-4120-BEAB-789D04ED3CE7}" type="datetimeFigureOut">
               <a:rPr lang="zh-CN" altLang="en-US" smtClean="0"/>
-              <a:t>2025/10/19</a:t>
+              <a:t>2025/11/6</a:t>
             </a:fld>
             <a:endParaRPr lang="zh-CN" altLang="en-US"/>
           </a:p>
@@ -3104,7 +3106,7 @@
           <a:p>
             <a:fld id="{B62B41C1-BAA6-4120-BEAB-789D04ED3CE7}" type="datetimeFigureOut">
               <a:rPr lang="zh-CN" altLang="en-US" smtClean="0"/>
-              <a:t>2025/10/19</a:t>
+              <a:t>2025/11/6</a:t>
             </a:fld>
             <a:endParaRPr lang="zh-CN" altLang="en-US"/>
           </a:p>
@@ -3345,7 +3347,7 @@
           <a:p>
             <a:fld id="{B62B41C1-BAA6-4120-BEAB-789D04ED3CE7}" type="datetimeFigureOut">
               <a:rPr lang="zh-CN" altLang="en-US" smtClean="0"/>
-              <a:t>2025/10/19</a:t>
+              <a:t>2025/11/6</a:t>
             </a:fld>
             <a:endParaRPr lang="zh-CN" altLang="en-US"/>
           </a:p>
@@ -3990,8 +3992,8 @@
           </a:prstGeom>
         </p:spPr>
       </p:pic>
-      <mc:AlternateContent xmlns:mc="http://schemas.openxmlformats.org/markup-compatibility/2006">
-        <mc:Choice xmlns:a14="http://schemas.microsoft.com/office/drawing/2010/main" Requires="a14">
+      <mc:AlternateContent xmlns:mc="http://schemas.openxmlformats.org/markup-compatibility/2006" xmlns:a14="http://schemas.microsoft.com/office/drawing/2010/main">
+        <mc:Choice Requires="a14">
           <p:sp>
             <p:nvSpPr>
               <p:cNvPr id="8" name="文本框 7">
@@ -4020,6 +4022,7 @@
               </a:bodyPr>
               <a:lstStyle/>
               <a:p>
+                <a:pPr/>
                 <a14:m>
                   <m:oMathPara xmlns:m="http://schemas.openxmlformats.org/officeDocument/2006/math">
                     <m:oMathParaPr>
@@ -4059,7 +4062,7 @@
             </p:txBody>
           </p:sp>
         </mc:Choice>
-        <mc:Fallback>
+        <mc:Fallback xmlns="">
           <p:sp>
             <p:nvSpPr>
               <p:cNvPr id="8" name="文本框 7">
@@ -4147,8 +4150,8 @@
           </a:fontRef>
         </p:style>
       </p:cxnSp>
-      <mc:AlternateContent xmlns:mc="http://schemas.openxmlformats.org/markup-compatibility/2006">
-        <mc:Choice xmlns:a14="http://schemas.microsoft.com/office/drawing/2010/main" Requires="a14">
+      <mc:AlternateContent xmlns:mc="http://schemas.openxmlformats.org/markup-compatibility/2006" xmlns:a14="http://schemas.microsoft.com/office/drawing/2010/main">
+        <mc:Choice Requires="a14">
           <p:sp>
             <p:nvSpPr>
               <p:cNvPr id="15" name="文本框 14">
@@ -4177,6 +4180,7 @@
               </a:bodyPr>
               <a:lstStyle/>
               <a:p>
+                <a:pPr/>
                 <a14:m>
                   <m:oMathPara xmlns:m="http://schemas.openxmlformats.org/officeDocument/2006/math">
                     <m:oMathParaPr>
@@ -4197,7 +4201,7 @@
             </p:txBody>
           </p:sp>
         </mc:Choice>
-        <mc:Fallback>
+        <mc:Fallback xmlns="">
           <p:sp>
             <p:nvSpPr>
               <p:cNvPr id="15" name="文本框 14">
@@ -4832,6 +4836,642 @@
     <p:extLst>
       <p:ext uri="{BB962C8B-B14F-4D97-AF65-F5344CB8AC3E}">
         <p14:creationId xmlns:p14="http://schemas.microsoft.com/office/powerpoint/2010/main" val="2309986859"/>
+      </p:ext>
+    </p:extLst>
+  </p:cSld>
+  <p:clrMapOvr>
+    <a:masterClrMapping/>
+  </p:clrMapOvr>
+</p:sld>
+</file>
+
+<file path=ppt/slides/slide2.xml><?xml version="1.0" encoding="utf-8"?>
+<p:sld xmlns:a="http://schemas.openxmlformats.org/drawingml/2006/main" xmlns:r="http://schemas.openxmlformats.org/officeDocument/2006/relationships" xmlns:p="http://schemas.openxmlformats.org/presentationml/2006/main">
+  <p:cSld>
+    <p:spTree>
+      <p:nvGrpSpPr>
+        <p:cNvPr id="1" name=""/>
+        <p:cNvGrpSpPr/>
+        <p:nvPr/>
+      </p:nvGrpSpPr>
+      <p:grpSpPr>
+        <a:xfrm>
+          <a:off x="0" y="0"/>
+          <a:ext cx="0" cy="0"/>
+          <a:chOff x="0" y="0"/>
+          <a:chExt cx="0" cy="0"/>
+        </a:xfrm>
+      </p:grpSpPr>
+      <p:pic>
+        <p:nvPicPr>
+          <p:cNvPr id="5" name="图片 4">
+            <a:extLst>
+              <a:ext uri="{FF2B5EF4-FFF2-40B4-BE49-F238E27FC236}">
+                <a16:creationId xmlns:a16="http://schemas.microsoft.com/office/drawing/2014/main" id="{35EBD3D1-CB23-26EA-7A2A-7F520567C34E}"/>
+              </a:ext>
+            </a:extLst>
+          </p:cNvPr>
+          <p:cNvPicPr>
+            <a:picLocks noChangeAspect="1"/>
+          </p:cNvPicPr>
+          <p:nvPr/>
+        </p:nvPicPr>
+        <p:blipFill>
+          <a:blip r:embed="rId2"/>
+          <a:stretch>
+            <a:fillRect/>
+          </a:stretch>
+        </p:blipFill>
+        <p:spPr>
+          <a:xfrm>
+            <a:off x="174759" y="0"/>
+            <a:ext cx="11842482" cy="6858000"/>
+          </a:xfrm>
+          <a:prstGeom prst="rect">
+            <a:avLst/>
+          </a:prstGeom>
+        </p:spPr>
+      </p:pic>
+    </p:spTree>
+    <p:extLst>
+      <p:ext uri="{BB962C8B-B14F-4D97-AF65-F5344CB8AC3E}">
+        <p14:creationId xmlns:p14="http://schemas.microsoft.com/office/powerpoint/2010/main" val="2379676166"/>
+      </p:ext>
+    </p:extLst>
+  </p:cSld>
+  <p:clrMapOvr>
+    <a:masterClrMapping/>
+  </p:clrMapOvr>
+</p:sld>
+</file>
+
+<file path=ppt/slides/slide3.xml><?xml version="1.0" encoding="utf-8"?>
+<p:sld xmlns:a="http://schemas.openxmlformats.org/drawingml/2006/main" xmlns:r="http://schemas.openxmlformats.org/officeDocument/2006/relationships" xmlns:p="http://schemas.openxmlformats.org/presentationml/2006/main">
+  <p:cSld>
+    <p:spTree>
+      <p:nvGrpSpPr>
+        <p:cNvPr id="1" name=""/>
+        <p:cNvGrpSpPr/>
+        <p:nvPr/>
+      </p:nvGrpSpPr>
+      <p:grpSpPr>
+        <a:xfrm>
+          <a:off x="0" y="0"/>
+          <a:ext cx="0" cy="0"/>
+          <a:chOff x="0" y="0"/>
+          <a:chExt cx="0" cy="0"/>
+        </a:xfrm>
+      </p:grpSpPr>
+      <p:pic>
+        <p:nvPicPr>
+          <p:cNvPr id="12" name="图片 11">
+            <a:extLst>
+              <a:ext uri="{FF2B5EF4-FFF2-40B4-BE49-F238E27FC236}">
+                <a16:creationId xmlns:a16="http://schemas.microsoft.com/office/drawing/2014/main" id="{80BDB863-C5A6-735F-D908-1F0E4787AA78}"/>
+              </a:ext>
+            </a:extLst>
+          </p:cNvPr>
+          <p:cNvPicPr>
+            <a:picLocks noChangeAspect="1"/>
+          </p:cNvPicPr>
+          <p:nvPr/>
+        </p:nvPicPr>
+        <p:blipFill>
+          <a:blip r:embed="rId2"/>
+          <a:stretch>
+            <a:fillRect/>
+          </a:stretch>
+        </p:blipFill>
+        <p:spPr>
+          <a:xfrm>
+            <a:off x="0" y="359994"/>
+            <a:ext cx="12192000" cy="6138012"/>
+          </a:xfrm>
+          <a:prstGeom prst="rect">
+            <a:avLst/>
+          </a:prstGeom>
+        </p:spPr>
+      </p:pic>
+      <p:cxnSp>
+        <p:nvCxnSpPr>
+          <p:cNvPr id="13" name="直接箭头连接符 12">
+            <a:extLst>
+              <a:ext uri="{FF2B5EF4-FFF2-40B4-BE49-F238E27FC236}">
+                <a16:creationId xmlns:a16="http://schemas.microsoft.com/office/drawing/2014/main" id="{F1250304-844C-A455-27FB-CEBD05306CFA}"/>
+              </a:ext>
+            </a:extLst>
+          </p:cNvPr>
+          <p:cNvCxnSpPr>
+            <a:cxnSpLocks/>
+            <a:stCxn id="15" idx="2"/>
+          </p:cNvCxnSpPr>
+          <p:nvPr/>
+        </p:nvCxnSpPr>
+        <p:spPr>
+          <a:xfrm>
+            <a:off x="971099" y="3398223"/>
+            <a:ext cx="692565" cy="1268679"/>
+          </a:xfrm>
+          <a:prstGeom prst="straightConnector1">
+            <a:avLst/>
+          </a:prstGeom>
+          <a:ln w="28575">
+            <a:solidFill>
+              <a:schemeClr val="tx1"/>
+            </a:solidFill>
+            <a:tailEnd type="triangle"/>
+          </a:ln>
+        </p:spPr>
+        <p:style>
+          <a:lnRef idx="2">
+            <a:schemeClr val="accent1"/>
+          </a:lnRef>
+          <a:fillRef idx="0">
+            <a:schemeClr val="accent1"/>
+          </a:fillRef>
+          <a:effectRef idx="1">
+            <a:schemeClr val="accent1"/>
+          </a:effectRef>
+          <a:fontRef idx="minor">
+            <a:schemeClr val="tx1"/>
+          </a:fontRef>
+        </p:style>
+      </p:cxnSp>
+      <p:sp>
+        <p:nvSpPr>
+          <p:cNvPr id="15" name="文本框 14">
+            <a:extLst>
+              <a:ext uri="{FF2B5EF4-FFF2-40B4-BE49-F238E27FC236}">
+                <a16:creationId xmlns:a16="http://schemas.microsoft.com/office/drawing/2014/main" id="{BE80C30D-AC3A-3C59-9EA5-C5F69461787B}"/>
+              </a:ext>
+            </a:extLst>
+          </p:cNvPr>
+          <p:cNvSpPr txBox="1"/>
+          <p:nvPr/>
+        </p:nvSpPr>
+        <p:spPr>
+          <a:xfrm>
+            <a:off x="114935" y="3090446"/>
+            <a:ext cx="1712328" cy="307777"/>
+          </a:xfrm>
+          <a:prstGeom prst="rect">
+            <a:avLst/>
+          </a:prstGeom>
+          <a:noFill/>
+        </p:spPr>
+        <p:txBody>
+          <a:bodyPr wrap="none" rtlCol="0">
+            <a:spAutoFit/>
+          </a:bodyPr>
+          <a:lstStyle/>
+          <a:p>
+            <a:r>
+              <a:rPr lang="en-US" altLang="zh-CN" sz="1400" dirty="0">
+                <a:latin typeface="Times New Roman" panose="02020603050405020304" pitchFamily="18" charset="0"/>
+                <a:cs typeface="Times New Roman" panose="02020603050405020304" pitchFamily="18" charset="0"/>
+              </a:rPr>
+              <a:t>High Density Region</a:t>
+            </a:r>
+            <a:endParaRPr lang="zh-CN" altLang="en-US" sz="1400" dirty="0">
+              <a:latin typeface="Times New Roman" panose="02020603050405020304" pitchFamily="18" charset="0"/>
+              <a:cs typeface="Times New Roman" panose="02020603050405020304" pitchFamily="18" charset="0"/>
+            </a:endParaRPr>
+          </a:p>
+        </p:txBody>
+      </p:sp>
+      <p:sp>
+        <p:nvSpPr>
+          <p:cNvPr id="17" name="文本框 16">
+            <a:extLst>
+              <a:ext uri="{FF2B5EF4-FFF2-40B4-BE49-F238E27FC236}">
+                <a16:creationId xmlns:a16="http://schemas.microsoft.com/office/drawing/2014/main" id="{D392C174-661D-4FB6-62D0-111F8E4993F8}"/>
+              </a:ext>
+            </a:extLst>
+          </p:cNvPr>
+          <p:cNvSpPr txBox="1"/>
+          <p:nvPr/>
+        </p:nvSpPr>
+        <p:spPr>
+          <a:xfrm>
+            <a:off x="5570855" y="4666902"/>
+            <a:ext cx="1681871" cy="307777"/>
+          </a:xfrm>
+          <a:prstGeom prst="rect">
+            <a:avLst/>
+          </a:prstGeom>
+          <a:noFill/>
+        </p:spPr>
+        <p:txBody>
+          <a:bodyPr wrap="none" rtlCol="0">
+            <a:spAutoFit/>
+          </a:bodyPr>
+          <a:lstStyle/>
+          <a:p>
+            <a:r>
+              <a:rPr lang="en-US" altLang="zh-CN" sz="1400" dirty="0">
+                <a:latin typeface="Times New Roman" panose="02020603050405020304" pitchFamily="18" charset="0"/>
+                <a:cs typeface="Times New Roman" panose="02020603050405020304" pitchFamily="18" charset="0"/>
+              </a:rPr>
+              <a:t>Low Density Region</a:t>
+            </a:r>
+            <a:endParaRPr lang="zh-CN" altLang="en-US" sz="1400" dirty="0">
+              <a:latin typeface="Times New Roman" panose="02020603050405020304" pitchFamily="18" charset="0"/>
+              <a:cs typeface="Times New Roman" panose="02020603050405020304" pitchFamily="18" charset="0"/>
+            </a:endParaRPr>
+          </a:p>
+        </p:txBody>
+      </p:sp>
+      <p:cxnSp>
+        <p:nvCxnSpPr>
+          <p:cNvPr id="18" name="直接箭头连接符 17">
+            <a:extLst>
+              <a:ext uri="{FF2B5EF4-FFF2-40B4-BE49-F238E27FC236}">
+                <a16:creationId xmlns:a16="http://schemas.microsoft.com/office/drawing/2014/main" id="{B2A94288-5016-D397-E864-6845C6BDE368}"/>
+              </a:ext>
+            </a:extLst>
+          </p:cNvPr>
+          <p:cNvCxnSpPr>
+            <a:cxnSpLocks/>
+            <a:stCxn id="17" idx="0"/>
+          </p:cNvCxnSpPr>
+          <p:nvPr/>
+        </p:nvCxnSpPr>
+        <p:spPr>
+          <a:xfrm flipH="1" flipV="1">
+            <a:off x="5427233" y="4184725"/>
+            <a:ext cx="984558" cy="482177"/>
+          </a:xfrm>
+          <a:prstGeom prst="straightConnector1">
+            <a:avLst/>
+          </a:prstGeom>
+          <a:ln w="28575">
+            <a:solidFill>
+              <a:schemeClr val="tx1"/>
+            </a:solidFill>
+            <a:tailEnd type="triangle"/>
+          </a:ln>
+        </p:spPr>
+        <p:style>
+          <a:lnRef idx="2">
+            <a:schemeClr val="accent1"/>
+          </a:lnRef>
+          <a:fillRef idx="0">
+            <a:schemeClr val="accent1"/>
+          </a:fillRef>
+          <a:effectRef idx="1">
+            <a:schemeClr val="accent1"/>
+          </a:effectRef>
+          <a:fontRef idx="minor">
+            <a:schemeClr val="tx1"/>
+          </a:fontRef>
+        </p:style>
+      </p:cxnSp>
+      <mc:AlternateContent xmlns:mc="http://schemas.openxmlformats.org/markup-compatibility/2006">
+        <mc:Choice xmlns:a14="http://schemas.microsoft.com/office/drawing/2010/main" Requires="a14">
+          <p:sp>
+            <p:nvSpPr>
+              <p:cNvPr id="21" name="文本框 20">
+                <a:extLst>
+                  <a:ext uri="{FF2B5EF4-FFF2-40B4-BE49-F238E27FC236}">
+                    <a16:creationId xmlns:a16="http://schemas.microsoft.com/office/drawing/2014/main" id="{52E3A5B3-999D-474B-7862-41F4BEA3D265}"/>
+                  </a:ext>
+                </a:extLst>
+              </p:cNvPr>
+              <p:cNvSpPr txBox="1"/>
+              <p:nvPr/>
+            </p:nvSpPr>
+            <p:spPr>
+              <a:xfrm>
+                <a:off x="11389658" y="221494"/>
+                <a:ext cx="515590" cy="276999"/>
+              </a:xfrm>
+              <a:prstGeom prst="rect">
+                <a:avLst/>
+              </a:prstGeom>
+              <a:noFill/>
+            </p:spPr>
+            <p:txBody>
+              <a:bodyPr wrap="none" lIns="0" tIns="0" rIns="0" bIns="0" rtlCol="0">
+                <a:spAutoFit/>
+              </a:bodyPr>
+              <a:lstStyle/>
+              <a:p>
+                <a14:m>
+                  <m:oMathPara xmlns:m="http://schemas.openxmlformats.org/officeDocument/2006/math">
+                    <m:oMathParaPr>
+                      <m:jc m:val="centerGroup"/>
+                    </m:oMathParaPr>
+                    <m:oMath xmlns:m="http://schemas.openxmlformats.org/officeDocument/2006/math">
+                      <m:r>
+                        <a:rPr lang="en-US" altLang="zh-CN" b="0" i="1" smtClean="0">
+                          <a:latin typeface="Cambria Math" panose="02040503050406030204" pitchFamily="18" charset="0"/>
+                        </a:rPr>
+                        <m:t>𝑝</m:t>
+                      </m:r>
+                      <m:d>
+                        <m:dPr>
+                          <m:ctrlPr>
+                            <a:rPr lang="en-US" altLang="zh-CN" b="0" i="1" smtClean="0">
+                              <a:latin typeface="Cambria Math" panose="02040503050406030204" pitchFamily="18" charset="0"/>
+                            </a:rPr>
+                          </m:ctrlPr>
+                        </m:dPr>
+                        <m:e>
+                          <m:r>
+                            <a:rPr lang="en-US" altLang="zh-CN" b="0" i="1" smtClean="0">
+                              <a:latin typeface="Cambria Math" panose="02040503050406030204" pitchFamily="18" charset="0"/>
+                            </a:rPr>
+                            <m:t>𝑥</m:t>
+                          </m:r>
+                        </m:e>
+                      </m:d>
+                    </m:oMath>
+                  </m:oMathPara>
+                </a14:m>
+                <a:endParaRPr lang="zh-CN" altLang="en-US" dirty="0"/>
+              </a:p>
+            </p:txBody>
+          </p:sp>
+        </mc:Choice>
+        <mc:Fallback>
+          <p:sp>
+            <p:nvSpPr>
+              <p:cNvPr id="21" name="文本框 20">
+                <a:extLst>
+                  <a:ext uri="{FF2B5EF4-FFF2-40B4-BE49-F238E27FC236}">
+                    <a16:creationId xmlns:a16="http://schemas.microsoft.com/office/drawing/2014/main" id="{52E3A5B3-999D-474B-7862-41F4BEA3D265}"/>
+                  </a:ext>
+                </a:extLst>
+              </p:cNvPr>
+              <p:cNvSpPr txBox="1">
+                <a:spLocks noRot="1" noChangeAspect="1" noMove="1" noResize="1" noEditPoints="1" noAdjustHandles="1" noChangeArrowheads="1" noChangeShapeType="1" noTextEdit="1"/>
+              </p:cNvSpPr>
+              <p:nvPr/>
+            </p:nvSpPr>
+            <p:spPr>
+              <a:xfrm>
+                <a:off x="11389658" y="221494"/>
+                <a:ext cx="515590" cy="276999"/>
+              </a:xfrm>
+              <a:prstGeom prst="rect">
+                <a:avLst/>
+              </a:prstGeom>
+              <a:blipFill>
+                <a:blip r:embed="rId3"/>
+                <a:stretch>
+                  <a:fillRect l="-10588" b="-23913"/>
+                </a:stretch>
+              </a:blipFill>
+            </p:spPr>
+            <p:txBody>
+              <a:bodyPr/>
+              <a:lstStyle/>
+              <a:p>
+                <a:r>
+                  <a:rPr lang="zh-CN" altLang="en-US">
+                    <a:noFill/>
+                  </a:rPr>
+                  <a:t> </a:t>
+                </a:r>
+              </a:p>
+            </p:txBody>
+          </p:sp>
+        </mc:Fallback>
+      </mc:AlternateContent>
+      <p:sp>
+        <p:nvSpPr>
+          <p:cNvPr id="22" name="矩形 21">
+            <a:extLst>
+              <a:ext uri="{FF2B5EF4-FFF2-40B4-BE49-F238E27FC236}">
+                <a16:creationId xmlns:a16="http://schemas.microsoft.com/office/drawing/2014/main" id="{00A43C75-7D3C-B0D7-409D-09BB0CA3D989}"/>
+              </a:ext>
+            </a:extLst>
+          </p:cNvPr>
+          <p:cNvSpPr/>
+          <p:nvPr/>
+        </p:nvSpPr>
+        <p:spPr>
+          <a:xfrm>
+            <a:off x="10617797" y="221495"/>
+            <a:ext cx="640080" cy="276998"/>
+          </a:xfrm>
+          <a:prstGeom prst="rect">
+            <a:avLst/>
+          </a:prstGeom>
+          <a:solidFill>
+            <a:schemeClr val="tx2">
+              <a:lumMod val="25000"/>
+              <a:lumOff val="75000"/>
+            </a:schemeClr>
+          </a:solidFill>
+          <a:ln w="6350"/>
+        </p:spPr>
+        <p:style>
+          <a:lnRef idx="2">
+            <a:schemeClr val="accent1">
+              <a:shade val="15000"/>
+            </a:schemeClr>
+          </a:lnRef>
+          <a:fillRef idx="1">
+            <a:schemeClr val="accent1"/>
+          </a:fillRef>
+          <a:effectRef idx="0">
+            <a:schemeClr val="accent1"/>
+          </a:effectRef>
+          <a:fontRef idx="minor">
+            <a:schemeClr val="lt1"/>
+          </a:fontRef>
+        </p:style>
+        <p:txBody>
+          <a:bodyPr rtlCol="0" anchor="ctr"/>
+          <a:lstStyle/>
+          <a:p>
+            <a:pPr algn="ctr"/>
+            <a:endParaRPr lang="zh-CN" altLang="en-US"/>
+          </a:p>
+        </p:txBody>
+      </p:sp>
+      <mc:AlternateContent xmlns:mc="http://schemas.openxmlformats.org/markup-compatibility/2006">
+        <mc:Choice xmlns:a14="http://schemas.microsoft.com/office/drawing/2010/main" Requires="a14">
+          <p:sp>
+            <p:nvSpPr>
+              <p:cNvPr id="23" name="文本框 22">
+                <a:extLst>
+                  <a:ext uri="{FF2B5EF4-FFF2-40B4-BE49-F238E27FC236}">
+                    <a16:creationId xmlns:a16="http://schemas.microsoft.com/office/drawing/2014/main" id="{CD72B098-E5A1-1883-E7AB-29262768538A}"/>
+                  </a:ext>
+                </a:extLst>
+              </p:cNvPr>
+              <p:cNvSpPr txBox="1"/>
+              <p:nvPr/>
+            </p:nvSpPr>
+            <p:spPr>
+              <a:xfrm>
+                <a:off x="9103952" y="221494"/>
+                <a:ext cx="792909" cy="276999"/>
+              </a:xfrm>
+              <a:prstGeom prst="rect">
+                <a:avLst/>
+              </a:prstGeom>
+              <a:noFill/>
+            </p:spPr>
+            <p:txBody>
+              <a:bodyPr wrap="none" lIns="0" tIns="0" rIns="0" bIns="0" rtlCol="0">
+                <a:spAutoFit/>
+              </a:bodyPr>
+              <a:lstStyle/>
+              <a:p>
+                <a14:m>
+                  <m:oMathPara xmlns:m="http://schemas.openxmlformats.org/officeDocument/2006/math">
+                    <m:oMathParaPr>
+                      <m:jc m:val="centerGroup"/>
+                    </m:oMathParaPr>
+                    <m:oMath xmlns:m="http://schemas.openxmlformats.org/officeDocument/2006/math">
+                      <m:r>
+                        <a:rPr lang="en-US" altLang="zh-CN" b="0" i="1" smtClean="0">
+                          <a:latin typeface="Cambria Math" panose="02040503050406030204" pitchFamily="18" charset="0"/>
+                        </a:rPr>
+                        <m:t>𝑝</m:t>
+                      </m:r>
+                      <m:d>
+                        <m:dPr>
+                          <m:ctrlPr>
+                            <a:rPr lang="en-US" altLang="zh-CN" b="0" i="1" smtClean="0">
+                              <a:latin typeface="Cambria Math" panose="02040503050406030204" pitchFamily="18" charset="0"/>
+                            </a:rPr>
+                          </m:ctrlPr>
+                        </m:dPr>
+                        <m:e>
+                          <m:r>
+                            <a:rPr lang="en-US" altLang="zh-CN" b="0" i="1" smtClean="0">
+                              <a:latin typeface="Cambria Math" panose="02040503050406030204" pitchFamily="18" charset="0"/>
+                            </a:rPr>
+                            <m:t>𝑥</m:t>
+                          </m:r>
+                          <m:r>
+                            <a:rPr lang="en-US" altLang="zh-CN" b="0" i="1" smtClean="0">
+                              <a:latin typeface="Cambria Math" panose="02040503050406030204" pitchFamily="18" charset="0"/>
+                            </a:rPr>
+                            <m:t> | </m:t>
+                          </m:r>
+                          <m:r>
+                            <m:rPr>
+                              <m:sty m:val="p"/>
+                            </m:rPr>
+                            <a:rPr lang="en-US" altLang="zh-CN" i="1">
+                              <a:latin typeface="Cambria Math" panose="02040503050406030204" pitchFamily="18" charset="0"/>
+                            </a:rPr>
+                            <m:t>c</m:t>
+                          </m:r>
+                        </m:e>
+                      </m:d>
+                    </m:oMath>
+                  </m:oMathPara>
+                </a14:m>
+                <a:endParaRPr lang="zh-CN" altLang="en-US" dirty="0"/>
+              </a:p>
+            </p:txBody>
+          </p:sp>
+        </mc:Choice>
+        <mc:Fallback>
+          <p:sp>
+            <p:nvSpPr>
+              <p:cNvPr id="23" name="文本框 22">
+                <a:extLst>
+                  <a:ext uri="{FF2B5EF4-FFF2-40B4-BE49-F238E27FC236}">
+                    <a16:creationId xmlns:a16="http://schemas.microsoft.com/office/drawing/2014/main" id="{CD72B098-E5A1-1883-E7AB-29262768538A}"/>
+                  </a:ext>
+                </a:extLst>
+              </p:cNvPr>
+              <p:cNvSpPr txBox="1">
+                <a:spLocks noRot="1" noChangeAspect="1" noMove="1" noResize="1" noEditPoints="1" noAdjustHandles="1" noChangeArrowheads="1" noChangeShapeType="1" noTextEdit="1"/>
+              </p:cNvSpPr>
+              <p:nvPr/>
+            </p:nvSpPr>
+            <p:spPr>
+              <a:xfrm>
+                <a:off x="9103952" y="221494"/>
+                <a:ext cx="792909" cy="276999"/>
+              </a:xfrm>
+              <a:prstGeom prst="rect">
+                <a:avLst/>
+              </a:prstGeom>
+              <a:blipFill>
+                <a:blip r:embed="rId4"/>
+                <a:stretch>
+                  <a:fillRect l="-6107" t="-2174" b="-32609"/>
+                </a:stretch>
+              </a:blipFill>
+            </p:spPr>
+            <p:txBody>
+              <a:bodyPr/>
+              <a:lstStyle/>
+              <a:p>
+                <a:r>
+                  <a:rPr lang="zh-CN" altLang="en-US">
+                    <a:noFill/>
+                  </a:rPr>
+                  <a:t> </a:t>
+                </a:r>
+              </a:p>
+            </p:txBody>
+          </p:sp>
+        </mc:Fallback>
+      </mc:AlternateContent>
+      <p:sp>
+        <p:nvSpPr>
+          <p:cNvPr id="24" name="矩形 23">
+            <a:extLst>
+              <a:ext uri="{FF2B5EF4-FFF2-40B4-BE49-F238E27FC236}">
+                <a16:creationId xmlns:a16="http://schemas.microsoft.com/office/drawing/2014/main" id="{FF2756B0-8177-6950-FE27-38FF5CBD06DF}"/>
+              </a:ext>
+            </a:extLst>
+          </p:cNvPr>
+          <p:cNvSpPr/>
+          <p:nvPr/>
+        </p:nvSpPr>
+        <p:spPr>
+          <a:xfrm>
+            <a:off x="8332091" y="221495"/>
+            <a:ext cx="640080" cy="276998"/>
+          </a:xfrm>
+          <a:prstGeom prst="rect">
+            <a:avLst/>
+          </a:prstGeom>
+          <a:solidFill>
+            <a:srgbClr val="FCB696"/>
+          </a:solidFill>
+          <a:ln w="6350"/>
+        </p:spPr>
+        <p:style>
+          <a:lnRef idx="2">
+            <a:schemeClr val="accent1">
+              <a:shade val="15000"/>
+            </a:schemeClr>
+          </a:lnRef>
+          <a:fillRef idx="1">
+            <a:schemeClr val="accent1"/>
+          </a:fillRef>
+          <a:effectRef idx="0">
+            <a:schemeClr val="accent1"/>
+          </a:effectRef>
+          <a:fontRef idx="minor">
+            <a:schemeClr val="lt1"/>
+          </a:fontRef>
+        </p:style>
+        <p:txBody>
+          <a:bodyPr rtlCol="0" anchor="ctr"/>
+          <a:lstStyle/>
+          <a:p>
+            <a:pPr algn="ctr"/>
+            <a:endParaRPr lang="zh-CN" altLang="en-US"/>
+          </a:p>
+        </p:txBody>
+      </p:sp>
+    </p:spTree>
+    <p:extLst>
+      <p:ext uri="{BB962C8B-B14F-4D97-AF65-F5344CB8AC3E}">
+        <p14:creationId xmlns:p14="http://schemas.microsoft.com/office/powerpoint/2010/main" val="683609552"/>
       </p:ext>
     </p:extLst>
   </p:cSld>

--- a/images/posts/2025-07-03-blog-post/新建 Microsoft PowerPoint 演示文稿.pptx
+++ b/images/posts/2025-07-03-blog-post/新建 Microsoft PowerPoint 演示文稿.pptx
@@ -5,12 +5,15 @@
     <p:sldMasterId id="2147483648" r:id="rId1"/>
   </p:sldMasterIdLst>
   <p:notesMasterIdLst>
-    <p:notesMasterId r:id="rId5"/>
+    <p:notesMasterId r:id="rId8"/>
   </p:notesMasterIdLst>
   <p:sldIdLst>
     <p:sldId id="256" r:id="rId2"/>
     <p:sldId id="257" r:id="rId3"/>
     <p:sldId id="258" r:id="rId4"/>
+    <p:sldId id="259" r:id="rId5"/>
+    <p:sldId id="260" r:id="rId6"/>
+    <p:sldId id="261" r:id="rId7"/>
   </p:sldIdLst>
   <p:sldSz cx="12192000" cy="6858000"/>
   <p:notesSz cx="6858000" cy="9144000"/>
@@ -541,6 +544,90 @@
     <p:extLst>
       <p:ext uri="{BB962C8B-B14F-4D97-AF65-F5344CB8AC3E}">
         <p14:creationId xmlns:p14="http://schemas.microsoft.com/office/powerpoint/2010/main" val="3358459877"/>
+      </p:ext>
+    </p:extLst>
+  </p:cSld>
+  <p:clrMapOvr>
+    <a:masterClrMapping/>
+  </p:clrMapOvr>
+</p:notes>
+</file>
+
+<file path=ppt/notesSlides/notesSlide2.xml><?xml version="1.0" encoding="utf-8"?>
+<p:notes xmlns:a="http://schemas.openxmlformats.org/drawingml/2006/main" xmlns:r="http://schemas.openxmlformats.org/officeDocument/2006/relationships" xmlns:p="http://schemas.openxmlformats.org/presentationml/2006/main">
+  <p:cSld>
+    <p:spTree>
+      <p:nvGrpSpPr>
+        <p:cNvPr id="1" name=""/>
+        <p:cNvGrpSpPr/>
+        <p:nvPr/>
+      </p:nvGrpSpPr>
+      <p:grpSpPr>
+        <a:xfrm>
+          <a:off x="0" y="0"/>
+          <a:ext cx="0" cy="0"/>
+          <a:chOff x="0" y="0"/>
+          <a:chExt cx="0" cy="0"/>
+        </a:xfrm>
+      </p:grpSpPr>
+      <p:sp>
+        <p:nvSpPr>
+          <p:cNvPr id="2" name="幻灯片图像占位符 1"/>
+          <p:cNvSpPr>
+            <a:spLocks noGrp="1" noRot="1" noChangeAspect="1"/>
+          </p:cNvSpPr>
+          <p:nvPr>
+            <p:ph type="sldImg"/>
+          </p:nvPr>
+        </p:nvSpPr>
+        <p:spPr/>
+      </p:sp>
+      <p:sp>
+        <p:nvSpPr>
+          <p:cNvPr id="3" name="备注占位符 2"/>
+          <p:cNvSpPr>
+            <a:spLocks noGrp="1"/>
+          </p:cNvSpPr>
+          <p:nvPr>
+            <p:ph type="body" idx="1"/>
+          </p:nvPr>
+        </p:nvSpPr>
+        <p:spPr/>
+        <p:txBody>
+          <a:bodyPr/>
+          <a:lstStyle/>
+          <a:p>
+            <a:endParaRPr lang="zh-CN" altLang="en-US" dirty="0"/>
+          </a:p>
+        </p:txBody>
+      </p:sp>
+      <p:sp>
+        <p:nvSpPr>
+          <p:cNvPr id="4" name="灯片编号占位符 3"/>
+          <p:cNvSpPr>
+            <a:spLocks noGrp="1"/>
+          </p:cNvSpPr>
+          <p:nvPr>
+            <p:ph type="sldNum" sz="quarter" idx="5"/>
+          </p:nvPr>
+        </p:nvSpPr>
+        <p:spPr/>
+        <p:txBody>
+          <a:bodyPr/>
+          <a:lstStyle/>
+          <a:p>
+            <a:fld id="{E64D11F6-001F-4399-B938-E3524C58907B}" type="slidenum">
+              <a:rPr lang="zh-CN" altLang="en-US" smtClean="0"/>
+              <a:t>6</a:t>
+            </a:fld>
+            <a:endParaRPr lang="zh-CN" altLang="en-US"/>
+          </a:p>
+        </p:txBody>
+      </p:sp>
+    </p:spTree>
+    <p:extLst>
+      <p:ext uri="{BB962C8B-B14F-4D97-AF65-F5344CB8AC3E}">
+        <p14:creationId xmlns:p14="http://schemas.microsoft.com/office/powerpoint/2010/main" val="2220035864"/>
       </p:ext>
     </p:extLst>
   </p:cSld>
@@ -5472,6 +5559,2144 @@
     <p:extLst>
       <p:ext uri="{BB962C8B-B14F-4D97-AF65-F5344CB8AC3E}">
         <p14:creationId xmlns:p14="http://schemas.microsoft.com/office/powerpoint/2010/main" val="683609552"/>
+      </p:ext>
+    </p:extLst>
+  </p:cSld>
+  <p:clrMapOvr>
+    <a:masterClrMapping/>
+  </p:clrMapOvr>
+</p:sld>
+</file>
+
+<file path=ppt/slides/slide4.xml><?xml version="1.0" encoding="utf-8"?>
+<p:sld xmlns:a="http://schemas.openxmlformats.org/drawingml/2006/main" xmlns:r="http://schemas.openxmlformats.org/officeDocument/2006/relationships" xmlns:p="http://schemas.openxmlformats.org/presentationml/2006/main">
+  <p:cSld>
+    <p:spTree>
+      <p:nvGrpSpPr>
+        <p:cNvPr id="1" name="">
+          <a:extLst>
+            <a:ext uri="{FF2B5EF4-FFF2-40B4-BE49-F238E27FC236}">
+              <a16:creationId xmlns:a16="http://schemas.microsoft.com/office/drawing/2014/main" id="{346BEDC4-A437-8770-149A-1A2895EC20F5}"/>
+            </a:ext>
+          </a:extLst>
+        </p:cNvPr>
+        <p:cNvGrpSpPr/>
+        <p:nvPr/>
+      </p:nvGrpSpPr>
+      <p:grpSpPr>
+        <a:xfrm>
+          <a:off x="0" y="0"/>
+          <a:ext cx="0" cy="0"/>
+          <a:chOff x="0" y="0"/>
+          <a:chExt cx="0" cy="0"/>
+        </a:xfrm>
+      </p:grpSpPr>
+      <p:pic>
+        <p:nvPicPr>
+          <p:cNvPr id="12" name="图片 11">
+            <a:extLst>
+              <a:ext uri="{FF2B5EF4-FFF2-40B4-BE49-F238E27FC236}">
+                <a16:creationId xmlns:a16="http://schemas.microsoft.com/office/drawing/2014/main" id="{A45A691C-B18B-E51A-1F2B-330FF83C451F}"/>
+              </a:ext>
+            </a:extLst>
+          </p:cNvPr>
+          <p:cNvPicPr>
+            <a:picLocks noChangeAspect="1"/>
+          </p:cNvPicPr>
+          <p:nvPr/>
+        </p:nvPicPr>
+        <p:blipFill>
+          <a:blip r:embed="rId2"/>
+          <a:stretch>
+            <a:fillRect/>
+          </a:stretch>
+        </p:blipFill>
+        <p:spPr>
+          <a:xfrm>
+            <a:off x="0" y="359994"/>
+            <a:ext cx="12192000" cy="6138012"/>
+          </a:xfrm>
+          <a:prstGeom prst="rect">
+            <a:avLst/>
+          </a:prstGeom>
+        </p:spPr>
+      </p:pic>
+      <mc:AlternateContent xmlns:mc="http://schemas.openxmlformats.org/markup-compatibility/2006">
+        <mc:Choice xmlns:a14="http://schemas.microsoft.com/office/drawing/2010/main" Requires="a14">
+          <p:sp>
+            <p:nvSpPr>
+              <p:cNvPr id="21" name="文本框 20">
+                <a:extLst>
+                  <a:ext uri="{FF2B5EF4-FFF2-40B4-BE49-F238E27FC236}">
+                    <a16:creationId xmlns:a16="http://schemas.microsoft.com/office/drawing/2014/main" id="{1F0F3EFA-23EA-BDC7-25AD-AEA1C18891B0}"/>
+                  </a:ext>
+                </a:extLst>
+              </p:cNvPr>
+              <p:cNvSpPr txBox="1"/>
+              <p:nvPr/>
+            </p:nvSpPr>
+            <p:spPr>
+              <a:xfrm>
+                <a:off x="11389658" y="221494"/>
+                <a:ext cx="515590" cy="276999"/>
+              </a:xfrm>
+              <a:prstGeom prst="rect">
+                <a:avLst/>
+              </a:prstGeom>
+              <a:noFill/>
+            </p:spPr>
+            <p:txBody>
+              <a:bodyPr wrap="none" lIns="0" tIns="0" rIns="0" bIns="0" rtlCol="0">
+                <a:spAutoFit/>
+              </a:bodyPr>
+              <a:lstStyle/>
+              <a:p>
+                <a14:m>
+                  <m:oMathPara xmlns:m="http://schemas.openxmlformats.org/officeDocument/2006/math">
+                    <m:oMathParaPr>
+                      <m:jc m:val="centerGroup"/>
+                    </m:oMathParaPr>
+                    <m:oMath xmlns:m="http://schemas.openxmlformats.org/officeDocument/2006/math">
+                      <m:r>
+                        <a:rPr lang="en-US" altLang="zh-CN" b="0" i="1" smtClean="0">
+                          <a:latin typeface="Cambria Math" panose="02040503050406030204" pitchFamily="18" charset="0"/>
+                        </a:rPr>
+                        <m:t>𝑝</m:t>
+                      </m:r>
+                      <m:d>
+                        <m:dPr>
+                          <m:ctrlPr>
+                            <a:rPr lang="en-US" altLang="zh-CN" b="0" i="1" smtClean="0">
+                              <a:latin typeface="Cambria Math" panose="02040503050406030204" pitchFamily="18" charset="0"/>
+                            </a:rPr>
+                          </m:ctrlPr>
+                        </m:dPr>
+                        <m:e>
+                          <m:r>
+                            <a:rPr lang="en-US" altLang="zh-CN" b="0" i="1" smtClean="0">
+                              <a:latin typeface="Cambria Math" panose="02040503050406030204" pitchFamily="18" charset="0"/>
+                            </a:rPr>
+                            <m:t>𝑥</m:t>
+                          </m:r>
+                        </m:e>
+                      </m:d>
+                    </m:oMath>
+                  </m:oMathPara>
+                </a14:m>
+                <a:endParaRPr lang="zh-CN" altLang="en-US" dirty="0"/>
+              </a:p>
+            </p:txBody>
+          </p:sp>
+        </mc:Choice>
+        <mc:Fallback>
+          <p:sp>
+            <p:nvSpPr>
+              <p:cNvPr id="21" name="文本框 20">
+                <a:extLst>
+                  <a:ext uri="{FF2B5EF4-FFF2-40B4-BE49-F238E27FC236}">
+                    <a16:creationId xmlns:a16="http://schemas.microsoft.com/office/drawing/2014/main" id="{1F0F3EFA-23EA-BDC7-25AD-AEA1C18891B0}"/>
+                  </a:ext>
+                </a:extLst>
+              </p:cNvPr>
+              <p:cNvSpPr txBox="1">
+                <a:spLocks noRot="1" noChangeAspect="1" noMove="1" noResize="1" noEditPoints="1" noAdjustHandles="1" noChangeArrowheads="1" noChangeShapeType="1" noTextEdit="1"/>
+              </p:cNvSpPr>
+              <p:nvPr/>
+            </p:nvSpPr>
+            <p:spPr>
+              <a:xfrm>
+                <a:off x="11389658" y="221494"/>
+                <a:ext cx="515590" cy="276999"/>
+              </a:xfrm>
+              <a:prstGeom prst="rect">
+                <a:avLst/>
+              </a:prstGeom>
+              <a:blipFill>
+                <a:blip r:embed="rId3"/>
+                <a:stretch>
+                  <a:fillRect l="-10588" b="-23913"/>
+                </a:stretch>
+              </a:blipFill>
+            </p:spPr>
+            <p:txBody>
+              <a:bodyPr/>
+              <a:lstStyle/>
+              <a:p>
+                <a:r>
+                  <a:rPr lang="zh-CN" altLang="en-US">
+                    <a:noFill/>
+                  </a:rPr>
+                  <a:t> </a:t>
+                </a:r>
+              </a:p>
+            </p:txBody>
+          </p:sp>
+        </mc:Fallback>
+      </mc:AlternateContent>
+      <p:sp>
+        <p:nvSpPr>
+          <p:cNvPr id="22" name="矩形 21">
+            <a:extLst>
+              <a:ext uri="{FF2B5EF4-FFF2-40B4-BE49-F238E27FC236}">
+                <a16:creationId xmlns:a16="http://schemas.microsoft.com/office/drawing/2014/main" id="{EE30A711-A6D3-86B8-50C9-C5E189EA790F}"/>
+              </a:ext>
+            </a:extLst>
+          </p:cNvPr>
+          <p:cNvSpPr/>
+          <p:nvPr/>
+        </p:nvSpPr>
+        <p:spPr>
+          <a:xfrm>
+            <a:off x="10617797" y="221495"/>
+            <a:ext cx="640080" cy="276998"/>
+          </a:xfrm>
+          <a:prstGeom prst="rect">
+            <a:avLst/>
+          </a:prstGeom>
+          <a:solidFill>
+            <a:schemeClr val="tx2">
+              <a:lumMod val="25000"/>
+              <a:lumOff val="75000"/>
+            </a:schemeClr>
+          </a:solidFill>
+          <a:ln w="6350"/>
+        </p:spPr>
+        <p:style>
+          <a:lnRef idx="2">
+            <a:schemeClr val="accent1">
+              <a:shade val="15000"/>
+            </a:schemeClr>
+          </a:lnRef>
+          <a:fillRef idx="1">
+            <a:schemeClr val="accent1"/>
+          </a:fillRef>
+          <a:effectRef idx="0">
+            <a:schemeClr val="accent1"/>
+          </a:effectRef>
+          <a:fontRef idx="minor">
+            <a:schemeClr val="lt1"/>
+          </a:fontRef>
+        </p:style>
+        <p:txBody>
+          <a:bodyPr rtlCol="0" anchor="ctr"/>
+          <a:lstStyle/>
+          <a:p>
+            <a:pPr algn="ctr"/>
+            <a:endParaRPr lang="zh-CN" altLang="en-US"/>
+          </a:p>
+        </p:txBody>
+      </p:sp>
+      <mc:AlternateContent xmlns:mc="http://schemas.openxmlformats.org/markup-compatibility/2006">
+        <mc:Choice xmlns:a14="http://schemas.microsoft.com/office/drawing/2010/main" Requires="a14">
+          <p:sp>
+            <p:nvSpPr>
+              <p:cNvPr id="23" name="文本框 22">
+                <a:extLst>
+                  <a:ext uri="{FF2B5EF4-FFF2-40B4-BE49-F238E27FC236}">
+                    <a16:creationId xmlns:a16="http://schemas.microsoft.com/office/drawing/2014/main" id="{9F9FEDB5-9E35-4AC5-87E0-7F5D392925A6}"/>
+                  </a:ext>
+                </a:extLst>
+              </p:cNvPr>
+              <p:cNvSpPr txBox="1"/>
+              <p:nvPr/>
+            </p:nvSpPr>
+            <p:spPr>
+              <a:xfrm>
+                <a:off x="9103952" y="221494"/>
+                <a:ext cx="792909" cy="276999"/>
+              </a:xfrm>
+              <a:prstGeom prst="rect">
+                <a:avLst/>
+              </a:prstGeom>
+              <a:noFill/>
+            </p:spPr>
+            <p:txBody>
+              <a:bodyPr wrap="none" lIns="0" tIns="0" rIns="0" bIns="0" rtlCol="0">
+                <a:spAutoFit/>
+              </a:bodyPr>
+              <a:lstStyle/>
+              <a:p>
+                <a14:m>
+                  <m:oMathPara xmlns:m="http://schemas.openxmlformats.org/officeDocument/2006/math">
+                    <m:oMathParaPr>
+                      <m:jc m:val="centerGroup"/>
+                    </m:oMathParaPr>
+                    <m:oMath xmlns:m="http://schemas.openxmlformats.org/officeDocument/2006/math">
+                      <m:r>
+                        <a:rPr lang="en-US" altLang="zh-CN" b="0" i="1" smtClean="0">
+                          <a:latin typeface="Cambria Math" panose="02040503050406030204" pitchFamily="18" charset="0"/>
+                        </a:rPr>
+                        <m:t>𝑝</m:t>
+                      </m:r>
+                      <m:d>
+                        <m:dPr>
+                          <m:ctrlPr>
+                            <a:rPr lang="en-US" altLang="zh-CN" b="0" i="1" smtClean="0">
+                              <a:latin typeface="Cambria Math" panose="02040503050406030204" pitchFamily="18" charset="0"/>
+                            </a:rPr>
+                          </m:ctrlPr>
+                        </m:dPr>
+                        <m:e>
+                          <m:r>
+                            <a:rPr lang="en-US" altLang="zh-CN" b="0" i="1" smtClean="0">
+                              <a:latin typeface="Cambria Math" panose="02040503050406030204" pitchFamily="18" charset="0"/>
+                            </a:rPr>
+                            <m:t>𝑥</m:t>
+                          </m:r>
+                          <m:r>
+                            <a:rPr lang="en-US" altLang="zh-CN" b="0" i="1" smtClean="0">
+                              <a:latin typeface="Cambria Math" panose="02040503050406030204" pitchFamily="18" charset="0"/>
+                            </a:rPr>
+                            <m:t> | </m:t>
+                          </m:r>
+                          <m:r>
+                            <m:rPr>
+                              <m:sty m:val="p"/>
+                            </m:rPr>
+                            <a:rPr lang="en-US" altLang="zh-CN" i="1">
+                              <a:latin typeface="Cambria Math" panose="02040503050406030204" pitchFamily="18" charset="0"/>
+                            </a:rPr>
+                            <m:t>c</m:t>
+                          </m:r>
+                        </m:e>
+                      </m:d>
+                    </m:oMath>
+                  </m:oMathPara>
+                </a14:m>
+                <a:endParaRPr lang="zh-CN" altLang="en-US" dirty="0"/>
+              </a:p>
+            </p:txBody>
+          </p:sp>
+        </mc:Choice>
+        <mc:Fallback>
+          <p:sp>
+            <p:nvSpPr>
+              <p:cNvPr id="23" name="文本框 22">
+                <a:extLst>
+                  <a:ext uri="{FF2B5EF4-FFF2-40B4-BE49-F238E27FC236}">
+                    <a16:creationId xmlns:a16="http://schemas.microsoft.com/office/drawing/2014/main" id="{9F9FEDB5-9E35-4AC5-87E0-7F5D392925A6}"/>
+                  </a:ext>
+                </a:extLst>
+              </p:cNvPr>
+              <p:cNvSpPr txBox="1">
+                <a:spLocks noRot="1" noChangeAspect="1" noMove="1" noResize="1" noEditPoints="1" noAdjustHandles="1" noChangeArrowheads="1" noChangeShapeType="1" noTextEdit="1"/>
+              </p:cNvSpPr>
+              <p:nvPr/>
+            </p:nvSpPr>
+            <p:spPr>
+              <a:xfrm>
+                <a:off x="9103952" y="221494"/>
+                <a:ext cx="792909" cy="276999"/>
+              </a:xfrm>
+              <a:prstGeom prst="rect">
+                <a:avLst/>
+              </a:prstGeom>
+              <a:blipFill>
+                <a:blip r:embed="rId4"/>
+                <a:stretch>
+                  <a:fillRect l="-6107" t="-2174" b="-32609"/>
+                </a:stretch>
+              </a:blipFill>
+            </p:spPr>
+            <p:txBody>
+              <a:bodyPr/>
+              <a:lstStyle/>
+              <a:p>
+                <a:r>
+                  <a:rPr lang="zh-CN" altLang="en-US">
+                    <a:noFill/>
+                  </a:rPr>
+                  <a:t> </a:t>
+                </a:r>
+              </a:p>
+            </p:txBody>
+          </p:sp>
+        </mc:Fallback>
+      </mc:AlternateContent>
+      <p:sp>
+        <p:nvSpPr>
+          <p:cNvPr id="24" name="矩形 23">
+            <a:extLst>
+              <a:ext uri="{FF2B5EF4-FFF2-40B4-BE49-F238E27FC236}">
+                <a16:creationId xmlns:a16="http://schemas.microsoft.com/office/drawing/2014/main" id="{B2F608C5-D814-C079-C092-B32EFB9F5F9C}"/>
+              </a:ext>
+            </a:extLst>
+          </p:cNvPr>
+          <p:cNvSpPr/>
+          <p:nvPr/>
+        </p:nvSpPr>
+        <p:spPr>
+          <a:xfrm>
+            <a:off x="8332091" y="221495"/>
+            <a:ext cx="640080" cy="276998"/>
+          </a:xfrm>
+          <a:prstGeom prst="rect">
+            <a:avLst/>
+          </a:prstGeom>
+          <a:solidFill>
+            <a:srgbClr val="FCB696"/>
+          </a:solidFill>
+          <a:ln w="6350"/>
+        </p:spPr>
+        <p:style>
+          <a:lnRef idx="2">
+            <a:schemeClr val="accent1">
+              <a:shade val="15000"/>
+            </a:schemeClr>
+          </a:lnRef>
+          <a:fillRef idx="1">
+            <a:schemeClr val="accent1"/>
+          </a:fillRef>
+          <a:effectRef idx="0">
+            <a:schemeClr val="accent1"/>
+          </a:effectRef>
+          <a:fontRef idx="minor">
+            <a:schemeClr val="lt1"/>
+          </a:fontRef>
+        </p:style>
+        <p:txBody>
+          <a:bodyPr rtlCol="0" anchor="ctr"/>
+          <a:lstStyle/>
+          <a:p>
+            <a:pPr algn="ctr"/>
+            <a:endParaRPr lang="zh-CN" altLang="en-US"/>
+          </a:p>
+        </p:txBody>
+      </p:sp>
+    </p:spTree>
+    <p:extLst>
+      <p:ext uri="{BB962C8B-B14F-4D97-AF65-F5344CB8AC3E}">
+        <p14:creationId xmlns:p14="http://schemas.microsoft.com/office/powerpoint/2010/main" val="104376496"/>
+      </p:ext>
+    </p:extLst>
+  </p:cSld>
+  <p:clrMapOvr>
+    <a:masterClrMapping/>
+  </p:clrMapOvr>
+</p:sld>
+</file>
+
+<file path=ppt/slides/slide5.xml><?xml version="1.0" encoding="utf-8"?>
+<p:sld xmlns:a="http://schemas.openxmlformats.org/drawingml/2006/main" xmlns:r="http://schemas.openxmlformats.org/officeDocument/2006/relationships" xmlns:p="http://schemas.openxmlformats.org/presentationml/2006/main">
+  <p:cSld>
+    <p:spTree>
+      <p:nvGrpSpPr>
+        <p:cNvPr id="1" name="">
+          <a:extLst>
+            <a:ext uri="{FF2B5EF4-FFF2-40B4-BE49-F238E27FC236}">
+              <a16:creationId xmlns:a16="http://schemas.microsoft.com/office/drawing/2014/main" id="{F9ABD8A6-3E1A-DE69-B7EA-E6E1B487C95E}"/>
+            </a:ext>
+          </a:extLst>
+        </p:cNvPr>
+        <p:cNvGrpSpPr/>
+        <p:nvPr/>
+      </p:nvGrpSpPr>
+      <p:grpSpPr>
+        <a:xfrm>
+          <a:off x="0" y="0"/>
+          <a:ext cx="0" cy="0"/>
+          <a:chOff x="0" y="0"/>
+          <a:chExt cx="0" cy="0"/>
+        </a:xfrm>
+      </p:grpSpPr>
+      <p:pic>
+        <p:nvPicPr>
+          <p:cNvPr id="12" name="图片 11">
+            <a:extLst>
+              <a:ext uri="{FF2B5EF4-FFF2-40B4-BE49-F238E27FC236}">
+                <a16:creationId xmlns:a16="http://schemas.microsoft.com/office/drawing/2014/main" id="{00B3309F-5B02-AFAA-322E-FE0A658A83D5}"/>
+              </a:ext>
+            </a:extLst>
+          </p:cNvPr>
+          <p:cNvPicPr>
+            <a:picLocks noChangeAspect="1"/>
+          </p:cNvPicPr>
+          <p:nvPr/>
+        </p:nvPicPr>
+        <p:blipFill>
+          <a:blip r:embed="rId2"/>
+          <a:stretch>
+            <a:fillRect/>
+          </a:stretch>
+        </p:blipFill>
+        <p:spPr>
+          <a:xfrm>
+            <a:off x="0" y="359994"/>
+            <a:ext cx="12192000" cy="6138012"/>
+          </a:xfrm>
+          <a:prstGeom prst="rect">
+            <a:avLst/>
+          </a:prstGeom>
+        </p:spPr>
+      </p:pic>
+      <mc:AlternateContent xmlns:mc="http://schemas.openxmlformats.org/markup-compatibility/2006">
+        <mc:Choice xmlns:a14="http://schemas.microsoft.com/office/drawing/2010/main" Requires="a14">
+          <p:sp>
+            <p:nvSpPr>
+              <p:cNvPr id="21" name="文本框 20">
+                <a:extLst>
+                  <a:ext uri="{FF2B5EF4-FFF2-40B4-BE49-F238E27FC236}">
+                    <a16:creationId xmlns:a16="http://schemas.microsoft.com/office/drawing/2014/main" id="{5C554178-E390-589E-B2B2-5F6820D12F26}"/>
+                  </a:ext>
+                </a:extLst>
+              </p:cNvPr>
+              <p:cNvSpPr txBox="1"/>
+              <p:nvPr/>
+            </p:nvSpPr>
+            <p:spPr>
+              <a:xfrm>
+                <a:off x="11389658" y="221494"/>
+                <a:ext cx="515590" cy="276999"/>
+              </a:xfrm>
+              <a:prstGeom prst="rect">
+                <a:avLst/>
+              </a:prstGeom>
+              <a:noFill/>
+            </p:spPr>
+            <p:txBody>
+              <a:bodyPr wrap="none" lIns="0" tIns="0" rIns="0" bIns="0" rtlCol="0">
+                <a:spAutoFit/>
+              </a:bodyPr>
+              <a:lstStyle/>
+              <a:p>
+                <a14:m>
+                  <m:oMathPara xmlns:m="http://schemas.openxmlformats.org/officeDocument/2006/math">
+                    <m:oMathParaPr>
+                      <m:jc m:val="centerGroup"/>
+                    </m:oMathParaPr>
+                    <m:oMath xmlns:m="http://schemas.openxmlformats.org/officeDocument/2006/math">
+                      <m:r>
+                        <a:rPr lang="en-US" altLang="zh-CN" b="0" i="1" smtClean="0">
+                          <a:latin typeface="Cambria Math" panose="02040503050406030204" pitchFamily="18" charset="0"/>
+                        </a:rPr>
+                        <m:t>𝑝</m:t>
+                      </m:r>
+                      <m:d>
+                        <m:dPr>
+                          <m:ctrlPr>
+                            <a:rPr lang="en-US" altLang="zh-CN" b="0" i="1" smtClean="0">
+                              <a:latin typeface="Cambria Math" panose="02040503050406030204" pitchFamily="18" charset="0"/>
+                            </a:rPr>
+                          </m:ctrlPr>
+                        </m:dPr>
+                        <m:e>
+                          <m:r>
+                            <a:rPr lang="en-US" altLang="zh-CN" b="0" i="1" smtClean="0">
+                              <a:latin typeface="Cambria Math" panose="02040503050406030204" pitchFamily="18" charset="0"/>
+                            </a:rPr>
+                            <m:t>𝑥</m:t>
+                          </m:r>
+                        </m:e>
+                      </m:d>
+                    </m:oMath>
+                  </m:oMathPara>
+                </a14:m>
+                <a:endParaRPr lang="zh-CN" altLang="en-US" dirty="0"/>
+              </a:p>
+            </p:txBody>
+          </p:sp>
+        </mc:Choice>
+        <mc:Fallback>
+          <p:sp>
+            <p:nvSpPr>
+              <p:cNvPr id="21" name="文本框 20">
+                <a:extLst>
+                  <a:ext uri="{FF2B5EF4-FFF2-40B4-BE49-F238E27FC236}">
+                    <a16:creationId xmlns:a16="http://schemas.microsoft.com/office/drawing/2014/main" id="{5C554178-E390-589E-B2B2-5F6820D12F26}"/>
+                  </a:ext>
+                </a:extLst>
+              </p:cNvPr>
+              <p:cNvSpPr txBox="1">
+                <a:spLocks noRot="1" noChangeAspect="1" noMove="1" noResize="1" noEditPoints="1" noAdjustHandles="1" noChangeArrowheads="1" noChangeShapeType="1" noTextEdit="1"/>
+              </p:cNvSpPr>
+              <p:nvPr/>
+            </p:nvSpPr>
+            <p:spPr>
+              <a:xfrm>
+                <a:off x="11389658" y="221494"/>
+                <a:ext cx="515590" cy="276999"/>
+              </a:xfrm>
+              <a:prstGeom prst="rect">
+                <a:avLst/>
+              </a:prstGeom>
+              <a:blipFill>
+                <a:blip r:embed="rId3"/>
+                <a:stretch>
+                  <a:fillRect l="-10588" b="-23913"/>
+                </a:stretch>
+              </a:blipFill>
+            </p:spPr>
+            <p:txBody>
+              <a:bodyPr/>
+              <a:lstStyle/>
+              <a:p>
+                <a:r>
+                  <a:rPr lang="zh-CN" altLang="en-US">
+                    <a:noFill/>
+                  </a:rPr>
+                  <a:t> </a:t>
+                </a:r>
+              </a:p>
+            </p:txBody>
+          </p:sp>
+        </mc:Fallback>
+      </mc:AlternateContent>
+      <p:sp>
+        <p:nvSpPr>
+          <p:cNvPr id="22" name="矩形 21">
+            <a:extLst>
+              <a:ext uri="{FF2B5EF4-FFF2-40B4-BE49-F238E27FC236}">
+                <a16:creationId xmlns:a16="http://schemas.microsoft.com/office/drawing/2014/main" id="{18068DA5-98D9-8B7E-38CB-657A5103E6BF}"/>
+              </a:ext>
+            </a:extLst>
+          </p:cNvPr>
+          <p:cNvSpPr/>
+          <p:nvPr/>
+        </p:nvSpPr>
+        <p:spPr>
+          <a:xfrm>
+            <a:off x="10617797" y="221495"/>
+            <a:ext cx="640080" cy="276998"/>
+          </a:xfrm>
+          <a:prstGeom prst="rect">
+            <a:avLst/>
+          </a:prstGeom>
+          <a:solidFill>
+            <a:schemeClr val="tx2">
+              <a:lumMod val="25000"/>
+              <a:lumOff val="75000"/>
+            </a:schemeClr>
+          </a:solidFill>
+          <a:ln w="6350"/>
+        </p:spPr>
+        <p:style>
+          <a:lnRef idx="2">
+            <a:schemeClr val="accent1">
+              <a:shade val="15000"/>
+            </a:schemeClr>
+          </a:lnRef>
+          <a:fillRef idx="1">
+            <a:schemeClr val="accent1"/>
+          </a:fillRef>
+          <a:effectRef idx="0">
+            <a:schemeClr val="accent1"/>
+          </a:effectRef>
+          <a:fontRef idx="minor">
+            <a:schemeClr val="lt1"/>
+          </a:fontRef>
+        </p:style>
+        <p:txBody>
+          <a:bodyPr rtlCol="0" anchor="ctr"/>
+          <a:lstStyle/>
+          <a:p>
+            <a:pPr algn="ctr"/>
+            <a:endParaRPr lang="zh-CN" altLang="en-US"/>
+          </a:p>
+        </p:txBody>
+      </p:sp>
+      <mc:AlternateContent xmlns:mc="http://schemas.openxmlformats.org/markup-compatibility/2006">
+        <mc:Choice xmlns:a14="http://schemas.microsoft.com/office/drawing/2010/main" Requires="a14">
+          <p:sp>
+            <p:nvSpPr>
+              <p:cNvPr id="23" name="文本框 22">
+                <a:extLst>
+                  <a:ext uri="{FF2B5EF4-FFF2-40B4-BE49-F238E27FC236}">
+                    <a16:creationId xmlns:a16="http://schemas.microsoft.com/office/drawing/2014/main" id="{E0BC7883-3D8B-21D7-1F42-0F6936675F09}"/>
+                  </a:ext>
+                </a:extLst>
+              </p:cNvPr>
+              <p:cNvSpPr txBox="1"/>
+              <p:nvPr/>
+            </p:nvSpPr>
+            <p:spPr>
+              <a:xfrm>
+                <a:off x="9103952" y="221494"/>
+                <a:ext cx="792909" cy="276999"/>
+              </a:xfrm>
+              <a:prstGeom prst="rect">
+                <a:avLst/>
+              </a:prstGeom>
+              <a:noFill/>
+            </p:spPr>
+            <p:txBody>
+              <a:bodyPr wrap="none" lIns="0" tIns="0" rIns="0" bIns="0" rtlCol="0">
+                <a:spAutoFit/>
+              </a:bodyPr>
+              <a:lstStyle/>
+              <a:p>
+                <a14:m>
+                  <m:oMathPara xmlns:m="http://schemas.openxmlformats.org/officeDocument/2006/math">
+                    <m:oMathParaPr>
+                      <m:jc m:val="centerGroup"/>
+                    </m:oMathParaPr>
+                    <m:oMath xmlns:m="http://schemas.openxmlformats.org/officeDocument/2006/math">
+                      <m:r>
+                        <a:rPr lang="en-US" altLang="zh-CN" b="0" i="1" smtClean="0">
+                          <a:latin typeface="Cambria Math" panose="02040503050406030204" pitchFamily="18" charset="0"/>
+                        </a:rPr>
+                        <m:t>𝑝</m:t>
+                      </m:r>
+                      <m:d>
+                        <m:dPr>
+                          <m:ctrlPr>
+                            <a:rPr lang="en-US" altLang="zh-CN" b="0" i="1" smtClean="0">
+                              <a:latin typeface="Cambria Math" panose="02040503050406030204" pitchFamily="18" charset="0"/>
+                            </a:rPr>
+                          </m:ctrlPr>
+                        </m:dPr>
+                        <m:e>
+                          <m:r>
+                            <a:rPr lang="en-US" altLang="zh-CN" b="0" i="1" smtClean="0">
+                              <a:latin typeface="Cambria Math" panose="02040503050406030204" pitchFamily="18" charset="0"/>
+                            </a:rPr>
+                            <m:t>𝑥</m:t>
+                          </m:r>
+                          <m:r>
+                            <a:rPr lang="en-US" altLang="zh-CN" b="0" i="1" smtClean="0">
+                              <a:latin typeface="Cambria Math" panose="02040503050406030204" pitchFamily="18" charset="0"/>
+                            </a:rPr>
+                            <m:t> | </m:t>
+                          </m:r>
+                          <m:r>
+                            <m:rPr>
+                              <m:sty m:val="p"/>
+                            </m:rPr>
+                            <a:rPr lang="en-US" altLang="zh-CN" i="1">
+                              <a:latin typeface="Cambria Math" panose="02040503050406030204" pitchFamily="18" charset="0"/>
+                            </a:rPr>
+                            <m:t>c</m:t>
+                          </m:r>
+                        </m:e>
+                      </m:d>
+                    </m:oMath>
+                  </m:oMathPara>
+                </a14:m>
+                <a:endParaRPr lang="zh-CN" altLang="en-US" dirty="0"/>
+              </a:p>
+            </p:txBody>
+          </p:sp>
+        </mc:Choice>
+        <mc:Fallback>
+          <p:sp>
+            <p:nvSpPr>
+              <p:cNvPr id="23" name="文本框 22">
+                <a:extLst>
+                  <a:ext uri="{FF2B5EF4-FFF2-40B4-BE49-F238E27FC236}">
+                    <a16:creationId xmlns:a16="http://schemas.microsoft.com/office/drawing/2014/main" id="{E0BC7883-3D8B-21D7-1F42-0F6936675F09}"/>
+                  </a:ext>
+                </a:extLst>
+              </p:cNvPr>
+              <p:cNvSpPr txBox="1">
+                <a:spLocks noRot="1" noChangeAspect="1" noMove="1" noResize="1" noEditPoints="1" noAdjustHandles="1" noChangeArrowheads="1" noChangeShapeType="1" noTextEdit="1"/>
+              </p:cNvSpPr>
+              <p:nvPr/>
+            </p:nvSpPr>
+            <p:spPr>
+              <a:xfrm>
+                <a:off x="9103952" y="221494"/>
+                <a:ext cx="792909" cy="276999"/>
+              </a:xfrm>
+              <a:prstGeom prst="rect">
+                <a:avLst/>
+              </a:prstGeom>
+              <a:blipFill>
+                <a:blip r:embed="rId4"/>
+                <a:stretch>
+                  <a:fillRect l="-6107" t="-2174" b="-32609"/>
+                </a:stretch>
+              </a:blipFill>
+            </p:spPr>
+            <p:txBody>
+              <a:bodyPr/>
+              <a:lstStyle/>
+              <a:p>
+                <a:r>
+                  <a:rPr lang="zh-CN" altLang="en-US">
+                    <a:noFill/>
+                  </a:rPr>
+                  <a:t> </a:t>
+                </a:r>
+              </a:p>
+            </p:txBody>
+          </p:sp>
+        </mc:Fallback>
+      </mc:AlternateContent>
+      <p:sp>
+        <p:nvSpPr>
+          <p:cNvPr id="24" name="矩形 23">
+            <a:extLst>
+              <a:ext uri="{FF2B5EF4-FFF2-40B4-BE49-F238E27FC236}">
+                <a16:creationId xmlns:a16="http://schemas.microsoft.com/office/drawing/2014/main" id="{3EA7923B-50C9-A1C6-38E5-F8B41803B136}"/>
+              </a:ext>
+            </a:extLst>
+          </p:cNvPr>
+          <p:cNvSpPr/>
+          <p:nvPr/>
+        </p:nvSpPr>
+        <p:spPr>
+          <a:xfrm>
+            <a:off x="8332091" y="221495"/>
+            <a:ext cx="640080" cy="276998"/>
+          </a:xfrm>
+          <a:prstGeom prst="rect">
+            <a:avLst/>
+          </a:prstGeom>
+          <a:solidFill>
+            <a:srgbClr val="FCB696"/>
+          </a:solidFill>
+          <a:ln w="6350"/>
+        </p:spPr>
+        <p:style>
+          <a:lnRef idx="2">
+            <a:schemeClr val="accent1">
+              <a:shade val="15000"/>
+            </a:schemeClr>
+          </a:lnRef>
+          <a:fillRef idx="1">
+            <a:schemeClr val="accent1"/>
+          </a:fillRef>
+          <a:effectRef idx="0">
+            <a:schemeClr val="accent1"/>
+          </a:effectRef>
+          <a:fontRef idx="minor">
+            <a:schemeClr val="lt1"/>
+          </a:fontRef>
+        </p:style>
+        <p:txBody>
+          <a:bodyPr rtlCol="0" anchor="ctr"/>
+          <a:lstStyle/>
+          <a:p>
+            <a:pPr algn="ctr"/>
+            <a:endParaRPr lang="zh-CN" altLang="en-US"/>
+          </a:p>
+        </p:txBody>
+      </p:sp>
+      <p:cxnSp>
+        <p:nvCxnSpPr>
+          <p:cNvPr id="3" name="直接箭头连接符 2">
+            <a:extLst>
+              <a:ext uri="{FF2B5EF4-FFF2-40B4-BE49-F238E27FC236}">
+                <a16:creationId xmlns:a16="http://schemas.microsoft.com/office/drawing/2014/main" id="{3EED4C7E-E232-758F-CEA8-A54B5103A337}"/>
+              </a:ext>
+            </a:extLst>
+          </p:cNvPr>
+          <p:cNvCxnSpPr/>
+          <p:nvPr/>
+        </p:nvCxnSpPr>
+        <p:spPr>
+          <a:xfrm flipV="1">
+            <a:off x="4679576" y="3991087"/>
+            <a:ext cx="532504" cy="387275"/>
+          </a:xfrm>
+          <a:prstGeom prst="straightConnector1">
+            <a:avLst/>
+          </a:prstGeom>
+          <a:ln>
+            <a:solidFill>
+              <a:schemeClr val="accent2"/>
+            </a:solidFill>
+            <a:tailEnd type="triangle"/>
+          </a:ln>
+        </p:spPr>
+        <p:style>
+          <a:lnRef idx="2">
+            <a:schemeClr val="accent1"/>
+          </a:lnRef>
+          <a:fillRef idx="0">
+            <a:schemeClr val="accent1"/>
+          </a:fillRef>
+          <a:effectRef idx="1">
+            <a:schemeClr val="accent1"/>
+          </a:effectRef>
+          <a:fontRef idx="minor">
+            <a:schemeClr val="tx1"/>
+          </a:fontRef>
+        </p:style>
+      </p:cxnSp>
+      <p:cxnSp>
+        <p:nvCxnSpPr>
+          <p:cNvPr id="4" name="直接箭头连接符 3">
+            <a:extLst>
+              <a:ext uri="{FF2B5EF4-FFF2-40B4-BE49-F238E27FC236}">
+                <a16:creationId xmlns:a16="http://schemas.microsoft.com/office/drawing/2014/main" id="{27E24145-CCF8-CA10-18BD-0270017D25B7}"/>
+              </a:ext>
+            </a:extLst>
+          </p:cNvPr>
+          <p:cNvCxnSpPr>
+            <a:cxnSpLocks/>
+          </p:cNvCxnSpPr>
+          <p:nvPr/>
+        </p:nvCxnSpPr>
+        <p:spPr>
+          <a:xfrm flipV="1">
+            <a:off x="4679576" y="4313816"/>
+            <a:ext cx="532504" cy="64546"/>
+          </a:xfrm>
+          <a:prstGeom prst="straightConnector1">
+            <a:avLst/>
+          </a:prstGeom>
+          <a:ln>
+            <a:solidFill>
+              <a:srgbClr val="5877FA"/>
+            </a:solidFill>
+            <a:tailEnd type="triangle"/>
+          </a:ln>
+        </p:spPr>
+        <p:style>
+          <a:lnRef idx="2">
+            <a:schemeClr val="accent1"/>
+          </a:lnRef>
+          <a:fillRef idx="0">
+            <a:schemeClr val="accent1"/>
+          </a:fillRef>
+          <a:effectRef idx="1">
+            <a:schemeClr val="accent1"/>
+          </a:effectRef>
+          <a:fontRef idx="minor">
+            <a:schemeClr val="tx1"/>
+          </a:fontRef>
+        </p:style>
+      </p:cxnSp>
+      <p:cxnSp>
+        <p:nvCxnSpPr>
+          <p:cNvPr id="7" name="直接箭头连接符 6">
+            <a:extLst>
+              <a:ext uri="{FF2B5EF4-FFF2-40B4-BE49-F238E27FC236}">
+                <a16:creationId xmlns:a16="http://schemas.microsoft.com/office/drawing/2014/main" id="{79D004CE-D500-25A3-7C0C-BBE81B58A44B}"/>
+              </a:ext>
+            </a:extLst>
+          </p:cNvPr>
+          <p:cNvCxnSpPr>
+            <a:cxnSpLocks/>
+          </p:cNvCxnSpPr>
+          <p:nvPr/>
+        </p:nvCxnSpPr>
+        <p:spPr>
+          <a:xfrm flipV="1">
+            <a:off x="5212080" y="4044875"/>
+            <a:ext cx="0" cy="268941"/>
+          </a:xfrm>
+          <a:prstGeom prst="straightConnector1">
+            <a:avLst/>
+          </a:prstGeom>
+          <a:ln>
+            <a:solidFill>
+              <a:srgbClr val="5877FA"/>
+            </a:solidFill>
+            <a:tailEnd type="triangle"/>
+          </a:ln>
+        </p:spPr>
+        <p:style>
+          <a:lnRef idx="2">
+            <a:schemeClr val="accent1"/>
+          </a:lnRef>
+          <a:fillRef idx="0">
+            <a:schemeClr val="accent1"/>
+          </a:fillRef>
+          <a:effectRef idx="1">
+            <a:schemeClr val="accent1"/>
+          </a:effectRef>
+          <a:fontRef idx="minor">
+            <a:schemeClr val="tx1"/>
+          </a:fontRef>
+        </p:style>
+      </p:cxnSp>
+    </p:spTree>
+    <p:extLst>
+      <p:ext uri="{BB962C8B-B14F-4D97-AF65-F5344CB8AC3E}">
+        <p14:creationId xmlns:p14="http://schemas.microsoft.com/office/powerpoint/2010/main" val="2959808674"/>
+      </p:ext>
+    </p:extLst>
+  </p:cSld>
+  <p:clrMapOvr>
+    <a:masterClrMapping/>
+  </p:clrMapOvr>
+</p:sld>
+</file>
+
+<file path=ppt/slides/slide6.xml><?xml version="1.0" encoding="utf-8"?>
+<p:sld xmlns:a="http://schemas.openxmlformats.org/drawingml/2006/main" xmlns:r="http://schemas.openxmlformats.org/officeDocument/2006/relationships" xmlns:p="http://schemas.openxmlformats.org/presentationml/2006/main">
+  <p:cSld>
+    <p:spTree>
+      <p:nvGrpSpPr>
+        <p:cNvPr id="1" name=""/>
+        <p:cNvGrpSpPr/>
+        <p:nvPr/>
+      </p:nvGrpSpPr>
+      <p:grpSpPr>
+        <a:xfrm>
+          <a:off x="0" y="0"/>
+          <a:ext cx="0" cy="0"/>
+          <a:chOff x="0" y="0"/>
+          <a:chExt cx="0" cy="0"/>
+        </a:xfrm>
+      </p:grpSpPr>
+      <p:pic>
+        <p:nvPicPr>
+          <p:cNvPr id="5" name="图片 4">
+            <a:extLst>
+              <a:ext uri="{FF2B5EF4-FFF2-40B4-BE49-F238E27FC236}">
+                <a16:creationId xmlns:a16="http://schemas.microsoft.com/office/drawing/2014/main" id="{3ADAF662-2B1E-EEB8-473B-D7780AAB27B0}"/>
+              </a:ext>
+            </a:extLst>
+          </p:cNvPr>
+          <p:cNvPicPr>
+            <a:picLocks noChangeAspect="1"/>
+          </p:cNvPicPr>
+          <p:nvPr/>
+        </p:nvPicPr>
+        <p:blipFill>
+          <a:blip r:embed="rId3"/>
+          <a:stretch>
+            <a:fillRect/>
+          </a:stretch>
+        </p:blipFill>
+        <p:spPr>
+          <a:xfrm>
+            <a:off x="1782391" y="0"/>
+            <a:ext cx="7143042" cy="6078040"/>
+          </a:xfrm>
+          <a:prstGeom prst="rect">
+            <a:avLst/>
+          </a:prstGeom>
+        </p:spPr>
+      </p:pic>
+      <p:cxnSp>
+        <p:nvCxnSpPr>
+          <p:cNvPr id="6" name="直接箭头连接符 5">
+            <a:extLst>
+              <a:ext uri="{FF2B5EF4-FFF2-40B4-BE49-F238E27FC236}">
+                <a16:creationId xmlns:a16="http://schemas.microsoft.com/office/drawing/2014/main" id="{C4904BCD-7AD1-EBDD-E97B-CD2757A69738}"/>
+              </a:ext>
+            </a:extLst>
+          </p:cNvPr>
+          <p:cNvCxnSpPr>
+            <a:cxnSpLocks/>
+          </p:cNvCxnSpPr>
+          <p:nvPr/>
+        </p:nvCxnSpPr>
+        <p:spPr>
+          <a:xfrm flipV="1">
+            <a:off x="6096000" y="3580305"/>
+            <a:ext cx="532504" cy="531575"/>
+          </a:xfrm>
+          <a:prstGeom prst="straightConnector1">
+            <a:avLst/>
+          </a:prstGeom>
+          <a:ln>
+            <a:solidFill>
+              <a:srgbClr val="FF0000"/>
+            </a:solidFill>
+            <a:tailEnd type="triangle"/>
+          </a:ln>
+        </p:spPr>
+        <p:style>
+          <a:lnRef idx="2">
+            <a:schemeClr val="accent1"/>
+          </a:lnRef>
+          <a:fillRef idx="0">
+            <a:schemeClr val="accent1"/>
+          </a:fillRef>
+          <a:effectRef idx="1">
+            <a:schemeClr val="accent1"/>
+          </a:effectRef>
+          <a:fontRef idx="minor">
+            <a:schemeClr val="tx1"/>
+          </a:fontRef>
+        </p:style>
+      </p:cxnSp>
+      <p:cxnSp>
+        <p:nvCxnSpPr>
+          <p:cNvPr id="7" name="直接箭头连接符 6">
+            <a:extLst>
+              <a:ext uri="{FF2B5EF4-FFF2-40B4-BE49-F238E27FC236}">
+                <a16:creationId xmlns:a16="http://schemas.microsoft.com/office/drawing/2014/main" id="{F84036DD-C89F-1EA7-8BA5-E5EA3FC59B96}"/>
+              </a:ext>
+            </a:extLst>
+          </p:cNvPr>
+          <p:cNvCxnSpPr>
+            <a:cxnSpLocks/>
+          </p:cNvCxnSpPr>
+          <p:nvPr/>
+        </p:nvCxnSpPr>
+        <p:spPr>
+          <a:xfrm flipV="1">
+            <a:off x="6096000" y="4058525"/>
+            <a:ext cx="575070" cy="53355"/>
+          </a:xfrm>
+          <a:prstGeom prst="straightConnector1">
+            <a:avLst/>
+          </a:prstGeom>
+          <a:ln>
+            <a:solidFill>
+              <a:srgbClr val="5877FA"/>
+            </a:solidFill>
+            <a:tailEnd type="triangle"/>
+          </a:ln>
+        </p:spPr>
+        <p:style>
+          <a:lnRef idx="2">
+            <a:schemeClr val="accent1"/>
+          </a:lnRef>
+          <a:fillRef idx="0">
+            <a:schemeClr val="accent1"/>
+          </a:fillRef>
+          <a:effectRef idx="1">
+            <a:schemeClr val="accent1"/>
+          </a:effectRef>
+          <a:fontRef idx="minor">
+            <a:schemeClr val="tx1"/>
+          </a:fontRef>
+        </p:style>
+      </p:cxnSp>
+      <p:cxnSp>
+        <p:nvCxnSpPr>
+          <p:cNvPr id="11" name="直接箭头连接符 10">
+            <a:extLst>
+              <a:ext uri="{FF2B5EF4-FFF2-40B4-BE49-F238E27FC236}">
+                <a16:creationId xmlns:a16="http://schemas.microsoft.com/office/drawing/2014/main" id="{B09FF9FD-7C67-88E5-40CA-8DCC52AF5FD1}"/>
+              </a:ext>
+            </a:extLst>
+          </p:cNvPr>
+          <p:cNvCxnSpPr>
+            <a:cxnSpLocks/>
+          </p:cNvCxnSpPr>
+          <p:nvPr/>
+        </p:nvCxnSpPr>
+        <p:spPr>
+          <a:xfrm flipH="1" flipV="1">
+            <a:off x="6639014" y="3601325"/>
+            <a:ext cx="42566" cy="436179"/>
+          </a:xfrm>
+          <a:prstGeom prst="straightConnector1">
+            <a:avLst/>
+          </a:prstGeom>
+          <a:ln w="19050">
+            <a:solidFill>
+              <a:srgbClr val="00B050"/>
+            </a:solidFill>
+            <a:tailEnd type="triangle"/>
+          </a:ln>
+        </p:spPr>
+        <p:style>
+          <a:lnRef idx="2">
+            <a:schemeClr val="accent1"/>
+          </a:lnRef>
+          <a:fillRef idx="0">
+            <a:schemeClr val="accent1"/>
+          </a:fillRef>
+          <a:effectRef idx="1">
+            <a:schemeClr val="accent1"/>
+          </a:effectRef>
+          <a:fontRef idx="minor">
+            <a:schemeClr val="tx1"/>
+          </a:fontRef>
+        </p:style>
+      </p:cxnSp>
+      <p:cxnSp>
+        <p:nvCxnSpPr>
+          <p:cNvPr id="20" name="直接箭头连接符 19">
+            <a:extLst>
+              <a:ext uri="{FF2B5EF4-FFF2-40B4-BE49-F238E27FC236}">
+                <a16:creationId xmlns:a16="http://schemas.microsoft.com/office/drawing/2014/main" id="{9A3DD0CE-D49D-8E2A-FE52-B9910630C6DF}"/>
+              </a:ext>
+            </a:extLst>
+          </p:cNvPr>
+          <p:cNvCxnSpPr>
+            <a:cxnSpLocks/>
+          </p:cNvCxnSpPr>
+          <p:nvPr/>
+        </p:nvCxnSpPr>
+        <p:spPr>
+          <a:xfrm flipV="1">
+            <a:off x="6096000" y="2974753"/>
+            <a:ext cx="183931" cy="563108"/>
+          </a:xfrm>
+          <a:prstGeom prst="straightConnector1">
+            <a:avLst/>
+          </a:prstGeom>
+          <a:ln>
+            <a:solidFill>
+              <a:srgbClr val="FF0000"/>
+            </a:solidFill>
+            <a:tailEnd type="triangle"/>
+          </a:ln>
+        </p:spPr>
+        <p:style>
+          <a:lnRef idx="2">
+            <a:schemeClr val="accent1"/>
+          </a:lnRef>
+          <a:fillRef idx="0">
+            <a:schemeClr val="accent1"/>
+          </a:fillRef>
+          <a:effectRef idx="1">
+            <a:schemeClr val="accent1"/>
+          </a:effectRef>
+          <a:fontRef idx="minor">
+            <a:schemeClr val="tx1"/>
+          </a:fontRef>
+        </p:style>
+      </p:cxnSp>
+      <p:cxnSp>
+        <p:nvCxnSpPr>
+          <p:cNvPr id="21" name="直接箭头连接符 20">
+            <a:extLst>
+              <a:ext uri="{FF2B5EF4-FFF2-40B4-BE49-F238E27FC236}">
+                <a16:creationId xmlns:a16="http://schemas.microsoft.com/office/drawing/2014/main" id="{EA64DFC3-63D7-2811-92C0-BC32659FC19C}"/>
+              </a:ext>
+            </a:extLst>
+          </p:cNvPr>
+          <p:cNvCxnSpPr>
+            <a:cxnSpLocks/>
+          </p:cNvCxnSpPr>
+          <p:nvPr/>
+        </p:nvCxnSpPr>
+        <p:spPr>
+          <a:xfrm flipV="1">
+            <a:off x="6096000" y="3242769"/>
+            <a:ext cx="450183" cy="295092"/>
+          </a:xfrm>
+          <a:prstGeom prst="straightConnector1">
+            <a:avLst/>
+          </a:prstGeom>
+          <a:ln>
+            <a:solidFill>
+              <a:srgbClr val="5877FA"/>
+            </a:solidFill>
+            <a:tailEnd type="triangle"/>
+          </a:ln>
+        </p:spPr>
+        <p:style>
+          <a:lnRef idx="2">
+            <a:schemeClr val="accent1"/>
+          </a:lnRef>
+          <a:fillRef idx="0">
+            <a:schemeClr val="accent1"/>
+          </a:fillRef>
+          <a:effectRef idx="1">
+            <a:schemeClr val="accent1"/>
+          </a:effectRef>
+          <a:fontRef idx="minor">
+            <a:schemeClr val="tx1"/>
+          </a:fontRef>
+        </p:style>
+      </p:cxnSp>
+      <p:cxnSp>
+        <p:nvCxnSpPr>
+          <p:cNvPr id="22" name="直接箭头连接符 21">
+            <a:extLst>
+              <a:ext uri="{FF2B5EF4-FFF2-40B4-BE49-F238E27FC236}">
+                <a16:creationId xmlns:a16="http://schemas.microsoft.com/office/drawing/2014/main" id="{196D2ADD-9DDC-2533-A172-2F4C94E2FAB3}"/>
+              </a:ext>
+            </a:extLst>
+          </p:cNvPr>
+          <p:cNvCxnSpPr>
+            <a:cxnSpLocks/>
+          </p:cNvCxnSpPr>
+          <p:nvPr/>
+        </p:nvCxnSpPr>
+        <p:spPr>
+          <a:xfrm flipH="1" flipV="1">
+            <a:off x="6294553" y="2983842"/>
+            <a:ext cx="222385" cy="258927"/>
+          </a:xfrm>
+          <a:prstGeom prst="straightConnector1">
+            <a:avLst/>
+          </a:prstGeom>
+          <a:ln w="19050">
+            <a:solidFill>
+              <a:srgbClr val="00B050"/>
+            </a:solidFill>
+            <a:tailEnd type="triangle"/>
+          </a:ln>
+        </p:spPr>
+        <p:style>
+          <a:lnRef idx="2">
+            <a:schemeClr val="accent1"/>
+          </a:lnRef>
+          <a:fillRef idx="0">
+            <a:schemeClr val="accent1"/>
+          </a:fillRef>
+          <a:effectRef idx="1">
+            <a:schemeClr val="accent1"/>
+          </a:effectRef>
+          <a:fontRef idx="minor">
+            <a:schemeClr val="tx1"/>
+          </a:fontRef>
+        </p:style>
+      </p:cxnSp>
+      <p:cxnSp>
+        <p:nvCxnSpPr>
+          <p:cNvPr id="27" name="直接箭头连接符 26">
+            <a:extLst>
+              <a:ext uri="{FF2B5EF4-FFF2-40B4-BE49-F238E27FC236}">
+                <a16:creationId xmlns:a16="http://schemas.microsoft.com/office/drawing/2014/main" id="{8069DFB9-E19B-84EC-D64E-0E309C50519E}"/>
+              </a:ext>
+            </a:extLst>
+          </p:cNvPr>
+          <p:cNvCxnSpPr>
+            <a:cxnSpLocks/>
+          </p:cNvCxnSpPr>
+          <p:nvPr/>
+        </p:nvCxnSpPr>
+        <p:spPr>
+          <a:xfrm flipH="1" flipV="1">
+            <a:off x="5612417" y="2749991"/>
+            <a:ext cx="175416" cy="423041"/>
+          </a:xfrm>
+          <a:prstGeom prst="straightConnector1">
+            <a:avLst/>
+          </a:prstGeom>
+          <a:ln>
+            <a:solidFill>
+              <a:srgbClr val="FF0000"/>
+            </a:solidFill>
+            <a:tailEnd type="triangle"/>
+          </a:ln>
+        </p:spPr>
+        <p:style>
+          <a:lnRef idx="2">
+            <a:schemeClr val="accent1"/>
+          </a:lnRef>
+          <a:fillRef idx="0">
+            <a:schemeClr val="accent1"/>
+          </a:fillRef>
+          <a:effectRef idx="1">
+            <a:schemeClr val="accent1"/>
+          </a:effectRef>
+          <a:fontRef idx="minor">
+            <a:schemeClr val="tx1"/>
+          </a:fontRef>
+        </p:style>
+      </p:cxnSp>
+      <p:cxnSp>
+        <p:nvCxnSpPr>
+          <p:cNvPr id="28" name="直接箭头连接符 27">
+            <a:extLst>
+              <a:ext uri="{FF2B5EF4-FFF2-40B4-BE49-F238E27FC236}">
+                <a16:creationId xmlns:a16="http://schemas.microsoft.com/office/drawing/2014/main" id="{594E6DC6-4DA5-6BD4-760E-30664CFECFCD}"/>
+              </a:ext>
+            </a:extLst>
+          </p:cNvPr>
+          <p:cNvCxnSpPr>
+            <a:cxnSpLocks/>
+          </p:cNvCxnSpPr>
+          <p:nvPr/>
+        </p:nvCxnSpPr>
+        <p:spPr>
+          <a:xfrm flipV="1">
+            <a:off x="5802455" y="2749991"/>
+            <a:ext cx="42566" cy="423041"/>
+          </a:xfrm>
+          <a:prstGeom prst="straightConnector1">
+            <a:avLst/>
+          </a:prstGeom>
+          <a:ln>
+            <a:solidFill>
+              <a:srgbClr val="5877FA"/>
+            </a:solidFill>
+            <a:tailEnd type="triangle"/>
+          </a:ln>
+        </p:spPr>
+        <p:style>
+          <a:lnRef idx="2">
+            <a:schemeClr val="accent1"/>
+          </a:lnRef>
+          <a:fillRef idx="0">
+            <a:schemeClr val="accent1"/>
+          </a:fillRef>
+          <a:effectRef idx="1">
+            <a:schemeClr val="accent1"/>
+          </a:effectRef>
+          <a:fontRef idx="minor">
+            <a:schemeClr val="tx1"/>
+          </a:fontRef>
+        </p:style>
+      </p:cxnSp>
+      <p:cxnSp>
+        <p:nvCxnSpPr>
+          <p:cNvPr id="29" name="直接箭头连接符 28">
+            <a:extLst>
+              <a:ext uri="{FF2B5EF4-FFF2-40B4-BE49-F238E27FC236}">
+                <a16:creationId xmlns:a16="http://schemas.microsoft.com/office/drawing/2014/main" id="{F313444C-1AEA-BF17-DAB1-97A4E1E0B9C4}"/>
+              </a:ext>
+            </a:extLst>
+          </p:cNvPr>
+          <p:cNvCxnSpPr>
+            <a:cxnSpLocks/>
+          </p:cNvCxnSpPr>
+          <p:nvPr/>
+        </p:nvCxnSpPr>
+        <p:spPr>
+          <a:xfrm flipH="1">
+            <a:off x="5580251" y="2749991"/>
+            <a:ext cx="264770" cy="0"/>
+          </a:xfrm>
+          <a:prstGeom prst="straightConnector1">
+            <a:avLst/>
+          </a:prstGeom>
+          <a:ln w="19050">
+            <a:solidFill>
+              <a:srgbClr val="00B050"/>
+            </a:solidFill>
+            <a:tailEnd type="triangle"/>
+          </a:ln>
+        </p:spPr>
+        <p:style>
+          <a:lnRef idx="2">
+            <a:schemeClr val="accent1"/>
+          </a:lnRef>
+          <a:fillRef idx="0">
+            <a:schemeClr val="accent1"/>
+          </a:fillRef>
+          <a:effectRef idx="1">
+            <a:schemeClr val="accent1"/>
+          </a:effectRef>
+          <a:fontRef idx="minor">
+            <a:schemeClr val="tx1"/>
+          </a:fontRef>
+        </p:style>
+      </p:cxnSp>
+      <p:cxnSp>
+        <p:nvCxnSpPr>
+          <p:cNvPr id="42" name="直接箭头连接符 41">
+            <a:extLst>
+              <a:ext uri="{FF2B5EF4-FFF2-40B4-BE49-F238E27FC236}">
+                <a16:creationId xmlns:a16="http://schemas.microsoft.com/office/drawing/2014/main" id="{E462C0E7-99FD-F841-9CC9-822E34A4255C}"/>
+              </a:ext>
+            </a:extLst>
+          </p:cNvPr>
+          <p:cNvCxnSpPr>
+            <a:cxnSpLocks/>
+          </p:cNvCxnSpPr>
+          <p:nvPr/>
+        </p:nvCxnSpPr>
+        <p:spPr>
+          <a:xfrm>
+            <a:off x="2846927" y="6066410"/>
+            <a:ext cx="415900" cy="0"/>
+          </a:xfrm>
+          <a:prstGeom prst="straightConnector1">
+            <a:avLst/>
+          </a:prstGeom>
+          <a:ln>
+            <a:solidFill>
+              <a:srgbClr val="FF0000"/>
+            </a:solidFill>
+            <a:tailEnd type="triangle"/>
+          </a:ln>
+        </p:spPr>
+        <p:style>
+          <a:lnRef idx="2">
+            <a:schemeClr val="accent1"/>
+          </a:lnRef>
+          <a:fillRef idx="0">
+            <a:schemeClr val="accent1"/>
+          </a:fillRef>
+          <a:effectRef idx="1">
+            <a:schemeClr val="accent1"/>
+          </a:effectRef>
+          <a:fontRef idx="minor">
+            <a:schemeClr val="tx1"/>
+          </a:fontRef>
+        </p:style>
+      </p:cxnSp>
+      <mc:AlternateContent xmlns:mc="http://schemas.openxmlformats.org/markup-compatibility/2006">
+        <mc:Choice xmlns:a14="http://schemas.microsoft.com/office/drawing/2010/main" Requires="a14">
+          <p:sp>
+            <p:nvSpPr>
+              <p:cNvPr id="44" name="文本框 43">
+                <a:extLst>
+                  <a:ext uri="{FF2B5EF4-FFF2-40B4-BE49-F238E27FC236}">
+                    <a16:creationId xmlns:a16="http://schemas.microsoft.com/office/drawing/2014/main" id="{56CCB725-38DE-79E2-46A7-A6B04672303F}"/>
+                  </a:ext>
+                </a:extLst>
+              </p:cNvPr>
+              <p:cNvSpPr txBox="1"/>
+              <p:nvPr/>
+            </p:nvSpPr>
+            <p:spPr>
+              <a:xfrm>
+                <a:off x="2390464" y="6343407"/>
+                <a:ext cx="1328825" cy="276999"/>
+              </a:xfrm>
+              <a:prstGeom prst="rect">
+                <a:avLst/>
+              </a:prstGeom>
+              <a:noFill/>
+            </p:spPr>
+            <p:txBody>
+              <a:bodyPr wrap="none" lIns="0" tIns="0" rIns="0" bIns="0" rtlCol="0">
+                <a:spAutoFit/>
+              </a:bodyPr>
+              <a:lstStyle/>
+              <a:p>
+                <a14:m>
+                  <m:oMathPara xmlns:m="http://schemas.openxmlformats.org/officeDocument/2006/math">
+                    <m:oMathParaPr>
+                      <m:jc m:val="centerGroup"/>
+                    </m:oMathParaPr>
+                    <m:oMath xmlns:m="http://schemas.openxmlformats.org/officeDocument/2006/math">
+                      <m:sSub>
+                        <m:sSubPr>
+                          <m:ctrlPr>
+                            <a:rPr lang="en-US" altLang="zh-CN" b="0" i="1" smtClean="0">
+                              <a:latin typeface="Cambria Math" panose="02040503050406030204" pitchFamily="18" charset="0"/>
+                              <a:ea typeface="Cambria Math" panose="02040503050406030204" pitchFamily="18" charset="0"/>
+                            </a:rPr>
+                          </m:ctrlPr>
+                        </m:sSubPr>
+                        <m:e>
+                          <m:r>
+                            <m:rPr>
+                              <m:sty m:val="p"/>
+                            </m:rPr>
+                            <a:rPr lang="en-US" altLang="zh-CN" b="0" i="1" smtClean="0">
+                              <a:latin typeface="Cambria Math" panose="02040503050406030204" pitchFamily="18" charset="0"/>
+                              <a:ea typeface="Cambria Math" panose="02040503050406030204" pitchFamily="18" charset="0"/>
+                            </a:rPr>
+                            <m:t>∇</m:t>
+                          </m:r>
+                        </m:e>
+                        <m:sub>
+                          <m:r>
+                            <a:rPr lang="en-US" altLang="zh-CN" b="0" i="1" smtClean="0">
+                              <a:latin typeface="Cambria Math" panose="02040503050406030204" pitchFamily="18" charset="0"/>
+                              <a:ea typeface="Cambria Math" panose="02040503050406030204" pitchFamily="18" charset="0"/>
+                            </a:rPr>
+                            <m:t>𝑥</m:t>
+                          </m:r>
+                        </m:sub>
+                      </m:sSub>
+                      <m:func>
+                        <m:funcPr>
+                          <m:ctrlPr>
+                            <a:rPr lang="en-US" altLang="zh-CN" b="0" i="1" smtClean="0">
+                              <a:latin typeface="Cambria Math" panose="02040503050406030204" pitchFamily="18" charset="0"/>
+                            </a:rPr>
+                          </m:ctrlPr>
+                        </m:funcPr>
+                        <m:fName>
+                          <m:r>
+                            <m:rPr>
+                              <m:sty m:val="p"/>
+                            </m:rPr>
+                            <a:rPr lang="en-US" altLang="zh-CN" b="0" i="0" smtClean="0">
+                              <a:latin typeface="Cambria Math" panose="02040503050406030204" pitchFamily="18" charset="0"/>
+                            </a:rPr>
+                            <m:t>log</m:t>
+                          </m:r>
+                        </m:fName>
+                        <m:e>
+                          <m:r>
+                            <a:rPr lang="en-US" altLang="zh-CN" i="1">
+                              <a:latin typeface="Cambria Math" panose="02040503050406030204" pitchFamily="18" charset="0"/>
+                            </a:rPr>
+                            <m:t>𝑝</m:t>
+                          </m:r>
+                          <m:d>
+                            <m:dPr>
+                              <m:ctrlPr>
+                                <a:rPr lang="en-US" altLang="zh-CN" i="1">
+                                  <a:latin typeface="Cambria Math" panose="02040503050406030204" pitchFamily="18" charset="0"/>
+                                </a:rPr>
+                              </m:ctrlPr>
+                            </m:dPr>
+                            <m:e>
+                              <m:r>
+                                <a:rPr lang="en-US" altLang="zh-CN" i="1">
+                                  <a:latin typeface="Cambria Math" panose="02040503050406030204" pitchFamily="18" charset="0"/>
+                                </a:rPr>
+                                <m:t>𝑥</m:t>
+                              </m:r>
+                              <m:r>
+                                <a:rPr lang="en-US" altLang="zh-CN" i="1">
+                                  <a:latin typeface="Cambria Math" panose="02040503050406030204" pitchFamily="18" charset="0"/>
+                                </a:rPr>
+                                <m:t>|</m:t>
+                              </m:r>
+                              <m:r>
+                                <a:rPr lang="en-US" altLang="zh-CN" i="1">
+                                  <a:latin typeface="Cambria Math" panose="02040503050406030204" pitchFamily="18" charset="0"/>
+                                </a:rPr>
+                                <m:t>𝑐</m:t>
+                              </m:r>
+                            </m:e>
+                          </m:d>
+                        </m:e>
+                      </m:func>
+                    </m:oMath>
+                  </m:oMathPara>
+                </a14:m>
+                <a:endParaRPr lang="zh-CN" altLang="en-US" dirty="0"/>
+              </a:p>
+            </p:txBody>
+          </p:sp>
+        </mc:Choice>
+        <mc:Fallback>
+          <p:sp>
+            <p:nvSpPr>
+              <p:cNvPr id="44" name="文本框 43">
+                <a:extLst>
+                  <a:ext uri="{FF2B5EF4-FFF2-40B4-BE49-F238E27FC236}">
+                    <a16:creationId xmlns:a16="http://schemas.microsoft.com/office/drawing/2014/main" id="{56CCB725-38DE-79E2-46A7-A6B04672303F}"/>
+                  </a:ext>
+                </a:extLst>
+              </p:cNvPr>
+              <p:cNvSpPr txBox="1">
+                <a:spLocks noRot="1" noChangeAspect="1" noMove="1" noResize="1" noEditPoints="1" noAdjustHandles="1" noChangeArrowheads="1" noChangeShapeType="1" noTextEdit="1"/>
+              </p:cNvSpPr>
+              <p:nvPr/>
+            </p:nvSpPr>
+            <p:spPr>
+              <a:xfrm>
+                <a:off x="2390464" y="6343407"/>
+                <a:ext cx="1328825" cy="276999"/>
+              </a:xfrm>
+              <a:prstGeom prst="rect">
+                <a:avLst/>
+              </a:prstGeom>
+              <a:blipFill>
+                <a:blip r:embed="rId4"/>
+                <a:stretch>
+                  <a:fillRect l="-3211" t="-4444" b="-35556"/>
+                </a:stretch>
+              </a:blipFill>
+            </p:spPr>
+            <p:txBody>
+              <a:bodyPr/>
+              <a:lstStyle/>
+              <a:p>
+                <a:r>
+                  <a:rPr lang="zh-CN" altLang="en-US">
+                    <a:noFill/>
+                  </a:rPr>
+                  <a:t> </a:t>
+                </a:r>
+              </a:p>
+            </p:txBody>
+          </p:sp>
+        </mc:Fallback>
+      </mc:AlternateContent>
+      <p:cxnSp>
+        <p:nvCxnSpPr>
+          <p:cNvPr id="45" name="直接箭头连接符 44">
+            <a:extLst>
+              <a:ext uri="{FF2B5EF4-FFF2-40B4-BE49-F238E27FC236}">
+                <a16:creationId xmlns:a16="http://schemas.microsoft.com/office/drawing/2014/main" id="{43FB56A8-DF86-3771-0CBA-1319A1B75E7F}"/>
+              </a:ext>
+            </a:extLst>
+          </p:cNvPr>
+          <p:cNvCxnSpPr>
+            <a:cxnSpLocks/>
+          </p:cNvCxnSpPr>
+          <p:nvPr/>
+        </p:nvCxnSpPr>
+        <p:spPr>
+          <a:xfrm>
+            <a:off x="4943740" y="6066410"/>
+            <a:ext cx="415900" cy="0"/>
+          </a:xfrm>
+          <a:prstGeom prst="straightConnector1">
+            <a:avLst/>
+          </a:prstGeom>
+          <a:ln>
+            <a:solidFill>
+              <a:schemeClr val="tx2">
+                <a:lumMod val="50000"/>
+                <a:lumOff val="50000"/>
+              </a:schemeClr>
+            </a:solidFill>
+            <a:tailEnd type="triangle"/>
+          </a:ln>
+        </p:spPr>
+        <p:style>
+          <a:lnRef idx="2">
+            <a:schemeClr val="accent1"/>
+          </a:lnRef>
+          <a:fillRef idx="0">
+            <a:schemeClr val="accent1"/>
+          </a:fillRef>
+          <a:effectRef idx="1">
+            <a:schemeClr val="accent1"/>
+          </a:effectRef>
+          <a:fontRef idx="minor">
+            <a:schemeClr val="tx1"/>
+          </a:fontRef>
+        </p:style>
+      </p:cxnSp>
+      <mc:AlternateContent xmlns:mc="http://schemas.openxmlformats.org/markup-compatibility/2006">
+        <mc:Choice xmlns:a14="http://schemas.microsoft.com/office/drawing/2010/main" Requires="a14">
+          <p:sp>
+            <p:nvSpPr>
+              <p:cNvPr id="46" name="文本框 45">
+                <a:extLst>
+                  <a:ext uri="{FF2B5EF4-FFF2-40B4-BE49-F238E27FC236}">
+                    <a16:creationId xmlns:a16="http://schemas.microsoft.com/office/drawing/2014/main" id="{CAE01380-B049-64BD-EAF0-8B8DD20BECBB}"/>
+                  </a:ext>
+                </a:extLst>
+              </p:cNvPr>
+              <p:cNvSpPr txBox="1"/>
+              <p:nvPr/>
+            </p:nvSpPr>
+            <p:spPr>
+              <a:xfrm>
+                <a:off x="4580700" y="6343408"/>
+                <a:ext cx="1141979" cy="276999"/>
+              </a:xfrm>
+              <a:prstGeom prst="rect">
+                <a:avLst/>
+              </a:prstGeom>
+              <a:noFill/>
+            </p:spPr>
+            <p:txBody>
+              <a:bodyPr wrap="none" lIns="0" tIns="0" rIns="0" bIns="0" rtlCol="0">
+                <a:spAutoFit/>
+              </a:bodyPr>
+              <a:lstStyle/>
+              <a:p>
+                <a14:m>
+                  <m:oMathPara xmlns:m="http://schemas.openxmlformats.org/officeDocument/2006/math">
+                    <m:oMathParaPr>
+                      <m:jc m:val="centerGroup"/>
+                    </m:oMathParaPr>
+                    <m:oMath xmlns:m="http://schemas.openxmlformats.org/officeDocument/2006/math">
+                      <m:sSub>
+                        <m:sSubPr>
+                          <m:ctrlPr>
+                            <a:rPr lang="en-US" altLang="zh-CN" b="0" i="1" smtClean="0">
+                              <a:latin typeface="Cambria Math" panose="02040503050406030204" pitchFamily="18" charset="0"/>
+                              <a:ea typeface="Cambria Math" panose="02040503050406030204" pitchFamily="18" charset="0"/>
+                            </a:rPr>
+                          </m:ctrlPr>
+                        </m:sSubPr>
+                        <m:e>
+                          <m:r>
+                            <m:rPr>
+                              <m:sty m:val="p"/>
+                            </m:rPr>
+                            <a:rPr lang="en-US" altLang="zh-CN" b="0" i="1" smtClean="0">
+                              <a:latin typeface="Cambria Math" panose="02040503050406030204" pitchFamily="18" charset="0"/>
+                              <a:ea typeface="Cambria Math" panose="02040503050406030204" pitchFamily="18" charset="0"/>
+                            </a:rPr>
+                            <m:t>∇</m:t>
+                          </m:r>
+                        </m:e>
+                        <m:sub>
+                          <m:r>
+                            <a:rPr lang="en-US" altLang="zh-CN" b="0" i="1" smtClean="0">
+                              <a:latin typeface="Cambria Math" panose="02040503050406030204" pitchFamily="18" charset="0"/>
+                              <a:ea typeface="Cambria Math" panose="02040503050406030204" pitchFamily="18" charset="0"/>
+                            </a:rPr>
+                            <m:t>𝑥</m:t>
+                          </m:r>
+                        </m:sub>
+                      </m:sSub>
+                      <m:func>
+                        <m:funcPr>
+                          <m:ctrlPr>
+                            <a:rPr lang="en-US" altLang="zh-CN" b="0" i="1" smtClean="0">
+                              <a:latin typeface="Cambria Math" panose="02040503050406030204" pitchFamily="18" charset="0"/>
+                            </a:rPr>
+                          </m:ctrlPr>
+                        </m:funcPr>
+                        <m:fName>
+                          <m:r>
+                            <m:rPr>
+                              <m:sty m:val="p"/>
+                            </m:rPr>
+                            <a:rPr lang="en-US" altLang="zh-CN" b="0" i="0" smtClean="0">
+                              <a:latin typeface="Cambria Math" panose="02040503050406030204" pitchFamily="18" charset="0"/>
+                            </a:rPr>
+                            <m:t>log</m:t>
+                          </m:r>
+                        </m:fName>
+                        <m:e>
+                          <m:r>
+                            <a:rPr lang="en-US" altLang="zh-CN" i="1">
+                              <a:latin typeface="Cambria Math" panose="02040503050406030204" pitchFamily="18" charset="0"/>
+                            </a:rPr>
+                            <m:t>𝑝</m:t>
+                          </m:r>
+                          <m:d>
+                            <m:dPr>
+                              <m:ctrlPr>
+                                <a:rPr lang="en-US" altLang="zh-CN" i="1">
+                                  <a:latin typeface="Cambria Math" panose="02040503050406030204" pitchFamily="18" charset="0"/>
+                                </a:rPr>
+                              </m:ctrlPr>
+                            </m:dPr>
+                            <m:e>
+                              <m:r>
+                                <a:rPr lang="en-US" altLang="zh-CN" i="1">
+                                  <a:latin typeface="Cambria Math" panose="02040503050406030204" pitchFamily="18" charset="0"/>
+                                </a:rPr>
+                                <m:t>𝑥</m:t>
+                              </m:r>
+                            </m:e>
+                          </m:d>
+                        </m:e>
+                      </m:func>
+                    </m:oMath>
+                  </m:oMathPara>
+                </a14:m>
+                <a:endParaRPr lang="zh-CN" altLang="en-US" dirty="0"/>
+              </a:p>
+            </p:txBody>
+          </p:sp>
+        </mc:Choice>
+        <mc:Fallback>
+          <p:sp>
+            <p:nvSpPr>
+              <p:cNvPr id="46" name="文本框 45">
+                <a:extLst>
+                  <a:ext uri="{FF2B5EF4-FFF2-40B4-BE49-F238E27FC236}">
+                    <a16:creationId xmlns:a16="http://schemas.microsoft.com/office/drawing/2014/main" id="{CAE01380-B049-64BD-EAF0-8B8DD20BECBB}"/>
+                  </a:ext>
+                </a:extLst>
+              </p:cNvPr>
+              <p:cNvSpPr txBox="1">
+                <a:spLocks noRot="1" noChangeAspect="1" noMove="1" noResize="1" noEditPoints="1" noAdjustHandles="1" noChangeArrowheads="1" noChangeShapeType="1" noTextEdit="1"/>
+              </p:cNvSpPr>
+              <p:nvPr/>
+            </p:nvSpPr>
+            <p:spPr>
+              <a:xfrm>
+                <a:off x="4580700" y="6343408"/>
+                <a:ext cx="1141979" cy="276999"/>
+              </a:xfrm>
+              <a:prstGeom prst="rect">
+                <a:avLst/>
+              </a:prstGeom>
+              <a:blipFill>
+                <a:blip r:embed="rId5"/>
+                <a:stretch>
+                  <a:fillRect l="-3723" t="-4444" b="-35556"/>
+                </a:stretch>
+              </a:blipFill>
+            </p:spPr>
+            <p:txBody>
+              <a:bodyPr/>
+              <a:lstStyle/>
+              <a:p>
+                <a:r>
+                  <a:rPr lang="zh-CN" altLang="en-US">
+                    <a:noFill/>
+                  </a:rPr>
+                  <a:t> </a:t>
+                </a:r>
+              </a:p>
+            </p:txBody>
+          </p:sp>
+        </mc:Fallback>
+      </mc:AlternateContent>
+      <p:cxnSp>
+        <p:nvCxnSpPr>
+          <p:cNvPr id="47" name="直接箭头连接符 46">
+            <a:extLst>
+              <a:ext uri="{FF2B5EF4-FFF2-40B4-BE49-F238E27FC236}">
+                <a16:creationId xmlns:a16="http://schemas.microsoft.com/office/drawing/2014/main" id="{A23409E2-0C8A-C388-0A3C-FF2297163D34}"/>
+              </a:ext>
+            </a:extLst>
+          </p:cNvPr>
+          <p:cNvCxnSpPr>
+            <a:cxnSpLocks/>
+          </p:cNvCxnSpPr>
+          <p:nvPr/>
+        </p:nvCxnSpPr>
+        <p:spPr>
+          <a:xfrm>
+            <a:off x="7311607" y="6135068"/>
+            <a:ext cx="415900" cy="0"/>
+          </a:xfrm>
+          <a:prstGeom prst="straightConnector1">
+            <a:avLst/>
+          </a:prstGeom>
+          <a:ln>
+            <a:solidFill>
+              <a:srgbClr val="00B050"/>
+            </a:solidFill>
+            <a:tailEnd type="triangle"/>
+          </a:ln>
+        </p:spPr>
+        <p:style>
+          <a:lnRef idx="2">
+            <a:schemeClr val="accent1"/>
+          </a:lnRef>
+          <a:fillRef idx="0">
+            <a:schemeClr val="accent1"/>
+          </a:fillRef>
+          <a:effectRef idx="1">
+            <a:schemeClr val="accent1"/>
+          </a:effectRef>
+          <a:fontRef idx="minor">
+            <a:schemeClr val="tx1"/>
+          </a:fontRef>
+        </p:style>
+      </p:cxnSp>
+      <mc:AlternateContent xmlns:mc="http://schemas.openxmlformats.org/markup-compatibility/2006">
+        <mc:Choice xmlns:a14="http://schemas.microsoft.com/office/drawing/2010/main" Requires="a14">
+          <p:sp>
+            <p:nvSpPr>
+              <p:cNvPr id="48" name="文本框 47">
+                <a:extLst>
+                  <a:ext uri="{FF2B5EF4-FFF2-40B4-BE49-F238E27FC236}">
+                    <a16:creationId xmlns:a16="http://schemas.microsoft.com/office/drawing/2014/main" id="{64F6A6C4-3016-088A-3618-6834EAA32FE7}"/>
+                  </a:ext>
+                </a:extLst>
+              </p:cNvPr>
+              <p:cNvSpPr txBox="1"/>
+              <p:nvPr/>
+            </p:nvSpPr>
+            <p:spPr>
+              <a:xfrm>
+                <a:off x="6405745" y="6343407"/>
+                <a:ext cx="2684003" cy="276999"/>
+              </a:xfrm>
+              <a:prstGeom prst="rect">
+                <a:avLst/>
+              </a:prstGeom>
+              <a:noFill/>
+            </p:spPr>
+            <p:txBody>
+              <a:bodyPr wrap="none" lIns="0" tIns="0" rIns="0" bIns="0" rtlCol="0">
+                <a:spAutoFit/>
+              </a:bodyPr>
+              <a:lstStyle/>
+              <a:p>
+                <a14:m>
+                  <m:oMathPara xmlns:m="http://schemas.openxmlformats.org/officeDocument/2006/math">
+                    <m:oMathParaPr>
+                      <m:jc m:val="centerGroup"/>
+                    </m:oMathParaPr>
+                    <m:oMath xmlns:m="http://schemas.openxmlformats.org/officeDocument/2006/math">
+                      <m:sSub>
+                        <m:sSubPr>
+                          <m:ctrlPr>
+                            <a:rPr lang="en-US" altLang="zh-CN" b="0" i="1" smtClean="0">
+                              <a:latin typeface="Cambria Math" panose="02040503050406030204" pitchFamily="18" charset="0"/>
+                              <a:ea typeface="Cambria Math" panose="02040503050406030204" pitchFamily="18" charset="0"/>
+                            </a:rPr>
+                          </m:ctrlPr>
+                        </m:sSubPr>
+                        <m:e>
+                          <m:r>
+                            <m:rPr>
+                              <m:sty m:val="p"/>
+                            </m:rPr>
+                            <a:rPr lang="en-US" altLang="zh-CN" b="0" i="1" smtClean="0">
+                              <a:latin typeface="Cambria Math" panose="02040503050406030204" pitchFamily="18" charset="0"/>
+                              <a:ea typeface="Cambria Math" panose="02040503050406030204" pitchFamily="18" charset="0"/>
+                            </a:rPr>
+                            <m:t>∇</m:t>
+                          </m:r>
+                        </m:e>
+                        <m:sub>
+                          <m:r>
+                            <a:rPr lang="en-US" altLang="zh-CN" b="0" i="1" smtClean="0">
+                              <a:latin typeface="Cambria Math" panose="02040503050406030204" pitchFamily="18" charset="0"/>
+                              <a:ea typeface="Cambria Math" panose="02040503050406030204" pitchFamily="18" charset="0"/>
+                            </a:rPr>
+                            <m:t>𝑥</m:t>
+                          </m:r>
+                        </m:sub>
+                      </m:sSub>
+                      <m:func>
+                        <m:funcPr>
+                          <m:ctrlPr>
+                            <a:rPr lang="en-US" altLang="zh-CN" b="0" i="1" smtClean="0">
+                              <a:latin typeface="Cambria Math" panose="02040503050406030204" pitchFamily="18" charset="0"/>
+                            </a:rPr>
+                          </m:ctrlPr>
+                        </m:funcPr>
+                        <m:fName>
+                          <m:r>
+                            <m:rPr>
+                              <m:sty m:val="p"/>
+                            </m:rPr>
+                            <a:rPr lang="en-US" altLang="zh-CN" b="0" i="0" smtClean="0">
+                              <a:latin typeface="Cambria Math" panose="02040503050406030204" pitchFamily="18" charset="0"/>
+                            </a:rPr>
+                            <m:t>log</m:t>
+                          </m:r>
+                        </m:fName>
+                        <m:e>
+                          <m:r>
+                            <a:rPr lang="en-US" altLang="zh-CN" i="1">
+                              <a:latin typeface="Cambria Math" panose="02040503050406030204" pitchFamily="18" charset="0"/>
+                            </a:rPr>
+                            <m:t>𝑝</m:t>
+                          </m:r>
+                          <m:d>
+                            <m:dPr>
+                              <m:ctrlPr>
+                                <a:rPr lang="en-US" altLang="zh-CN" i="1">
+                                  <a:latin typeface="Cambria Math" panose="02040503050406030204" pitchFamily="18" charset="0"/>
+                                </a:rPr>
+                              </m:ctrlPr>
+                            </m:dPr>
+                            <m:e>
+                              <m:r>
+                                <a:rPr lang="en-US" altLang="zh-CN" i="1">
+                                  <a:latin typeface="Cambria Math" panose="02040503050406030204" pitchFamily="18" charset="0"/>
+                                </a:rPr>
+                                <m:t>𝑥</m:t>
+                              </m:r>
+                              <m:r>
+                                <a:rPr lang="en-US" altLang="zh-CN" i="1">
+                                  <a:latin typeface="Cambria Math" panose="02040503050406030204" pitchFamily="18" charset="0"/>
+                                </a:rPr>
+                                <m:t>|</m:t>
+                              </m:r>
+                              <m:r>
+                                <a:rPr lang="en-US" altLang="zh-CN" i="1">
+                                  <a:latin typeface="Cambria Math" panose="02040503050406030204" pitchFamily="18" charset="0"/>
+                                </a:rPr>
+                                <m:t>𝑐</m:t>
+                              </m:r>
+                            </m:e>
+                          </m:d>
+                        </m:e>
+                      </m:func>
+                      <m:r>
+                        <a:rPr lang="en-US" altLang="zh-CN" b="0" i="1" smtClean="0">
+                          <a:latin typeface="Cambria Math" panose="02040503050406030204" pitchFamily="18" charset="0"/>
+                        </a:rPr>
+                        <m:t>−</m:t>
+                      </m:r>
+                      <m:sSub>
+                        <m:sSubPr>
+                          <m:ctrlPr>
+                            <a:rPr lang="en-US" altLang="zh-CN" i="1">
+                              <a:latin typeface="Cambria Math" panose="02040503050406030204" pitchFamily="18" charset="0"/>
+                              <a:ea typeface="Cambria Math" panose="02040503050406030204" pitchFamily="18" charset="0"/>
+                            </a:rPr>
+                          </m:ctrlPr>
+                        </m:sSubPr>
+                        <m:e>
+                          <m:r>
+                            <m:rPr>
+                              <m:sty m:val="p"/>
+                            </m:rPr>
+                            <a:rPr lang="en-US" altLang="zh-CN" i="1">
+                              <a:latin typeface="Cambria Math" panose="02040503050406030204" pitchFamily="18" charset="0"/>
+                              <a:ea typeface="Cambria Math" panose="02040503050406030204" pitchFamily="18" charset="0"/>
+                            </a:rPr>
+                            <m:t>∇</m:t>
+                          </m:r>
+                        </m:e>
+                        <m:sub>
+                          <m:r>
+                            <a:rPr lang="en-US" altLang="zh-CN" i="1">
+                              <a:latin typeface="Cambria Math" panose="02040503050406030204" pitchFamily="18" charset="0"/>
+                              <a:ea typeface="Cambria Math" panose="02040503050406030204" pitchFamily="18" charset="0"/>
+                            </a:rPr>
+                            <m:t>𝑥</m:t>
+                          </m:r>
+                        </m:sub>
+                      </m:sSub>
+                      <m:func>
+                        <m:funcPr>
+                          <m:ctrlPr>
+                            <a:rPr lang="en-US" altLang="zh-CN" i="1">
+                              <a:latin typeface="Cambria Math" panose="02040503050406030204" pitchFamily="18" charset="0"/>
+                            </a:rPr>
+                          </m:ctrlPr>
+                        </m:funcPr>
+                        <m:fName>
+                          <m:r>
+                            <m:rPr>
+                              <m:sty m:val="p"/>
+                            </m:rPr>
+                            <a:rPr lang="en-US" altLang="zh-CN">
+                              <a:latin typeface="Cambria Math" panose="02040503050406030204" pitchFamily="18" charset="0"/>
+                            </a:rPr>
+                            <m:t>log</m:t>
+                          </m:r>
+                        </m:fName>
+                        <m:e>
+                          <m:r>
+                            <a:rPr lang="en-US" altLang="zh-CN" i="1">
+                              <a:latin typeface="Cambria Math" panose="02040503050406030204" pitchFamily="18" charset="0"/>
+                            </a:rPr>
+                            <m:t>𝑝</m:t>
+                          </m:r>
+                          <m:d>
+                            <m:dPr>
+                              <m:ctrlPr>
+                                <a:rPr lang="en-US" altLang="zh-CN" i="1">
+                                  <a:latin typeface="Cambria Math" panose="02040503050406030204" pitchFamily="18" charset="0"/>
+                                </a:rPr>
+                              </m:ctrlPr>
+                            </m:dPr>
+                            <m:e>
+                              <m:r>
+                                <a:rPr lang="en-US" altLang="zh-CN" i="1">
+                                  <a:latin typeface="Cambria Math" panose="02040503050406030204" pitchFamily="18" charset="0"/>
+                                </a:rPr>
+                                <m:t>𝑥</m:t>
+                              </m:r>
+                            </m:e>
+                          </m:d>
+                        </m:e>
+                      </m:func>
+                    </m:oMath>
+                  </m:oMathPara>
+                </a14:m>
+                <a:endParaRPr lang="zh-CN" altLang="en-US" dirty="0"/>
+              </a:p>
+            </p:txBody>
+          </p:sp>
+        </mc:Choice>
+        <mc:Fallback>
+          <p:sp>
+            <p:nvSpPr>
+              <p:cNvPr id="48" name="文本框 47">
+                <a:extLst>
+                  <a:ext uri="{FF2B5EF4-FFF2-40B4-BE49-F238E27FC236}">
+                    <a16:creationId xmlns:a16="http://schemas.microsoft.com/office/drawing/2014/main" id="{64F6A6C4-3016-088A-3618-6834EAA32FE7}"/>
+                  </a:ext>
+                </a:extLst>
+              </p:cNvPr>
+              <p:cNvSpPr txBox="1">
+                <a:spLocks noRot="1" noChangeAspect="1" noMove="1" noResize="1" noEditPoints="1" noAdjustHandles="1" noChangeArrowheads="1" noChangeShapeType="1" noTextEdit="1"/>
+              </p:cNvSpPr>
+              <p:nvPr/>
+            </p:nvSpPr>
+            <p:spPr>
+              <a:xfrm>
+                <a:off x="6405745" y="6343407"/>
+                <a:ext cx="2684003" cy="276999"/>
+              </a:xfrm>
+              <a:prstGeom prst="rect">
+                <a:avLst/>
+              </a:prstGeom>
+              <a:blipFill>
+                <a:blip r:embed="rId6"/>
+                <a:stretch>
+                  <a:fillRect l="-1591" t="-4444" b="-35556"/>
+                </a:stretch>
+              </a:blipFill>
+            </p:spPr>
+            <p:txBody>
+              <a:bodyPr/>
+              <a:lstStyle/>
+              <a:p>
+                <a:r>
+                  <a:rPr lang="zh-CN" altLang="en-US">
+                    <a:noFill/>
+                  </a:rPr>
+                  <a:t> </a:t>
+                </a:r>
+              </a:p>
+            </p:txBody>
+          </p:sp>
+        </mc:Fallback>
+      </mc:AlternateContent>
+    </p:spTree>
+    <p:extLst>
+      <p:ext uri="{BB962C8B-B14F-4D97-AF65-F5344CB8AC3E}">
+        <p14:creationId xmlns:p14="http://schemas.microsoft.com/office/powerpoint/2010/main" val="3517653349"/>
       </p:ext>
     </p:extLst>
   </p:cSld>

--- a/images/posts/2025-07-03-blog-post/新建 Microsoft PowerPoint 演示文稿.pptx
+++ b/images/posts/2025-07-03-blog-post/新建 Microsoft PowerPoint 演示文稿.pptx
@@ -202,7 +202,7 @@
           <a:p>
             <a:fld id="{CD28CA38-3ECF-470A-870B-B1DCF738CCF1}" type="datetimeFigureOut">
               <a:rPr lang="zh-CN" altLang="en-US" smtClean="0"/>
-              <a:t>2025/11/6</a:t>
+              <a:t>2025/11/8</a:t>
             </a:fld>
             <a:endParaRPr lang="zh-CN" altLang="en-US"/>
           </a:p>
@@ -784,7 +784,7 @@
           <a:p>
             <a:fld id="{B62B41C1-BAA6-4120-BEAB-789D04ED3CE7}" type="datetimeFigureOut">
               <a:rPr lang="zh-CN" altLang="en-US" smtClean="0"/>
-              <a:t>2025/11/6</a:t>
+              <a:t>2025/11/8</a:t>
             </a:fld>
             <a:endParaRPr lang="zh-CN" altLang="en-US"/>
           </a:p>
@@ -982,7 +982,7 @@
           <a:p>
             <a:fld id="{B62B41C1-BAA6-4120-BEAB-789D04ED3CE7}" type="datetimeFigureOut">
               <a:rPr lang="zh-CN" altLang="en-US" smtClean="0"/>
-              <a:t>2025/11/6</a:t>
+              <a:t>2025/11/8</a:t>
             </a:fld>
             <a:endParaRPr lang="zh-CN" altLang="en-US"/>
           </a:p>
@@ -1190,7 +1190,7 @@
           <a:p>
             <a:fld id="{B62B41C1-BAA6-4120-BEAB-789D04ED3CE7}" type="datetimeFigureOut">
               <a:rPr lang="zh-CN" altLang="en-US" smtClean="0"/>
-              <a:t>2025/11/6</a:t>
+              <a:t>2025/11/8</a:t>
             </a:fld>
             <a:endParaRPr lang="zh-CN" altLang="en-US"/>
           </a:p>
@@ -1388,7 +1388,7 @@
           <a:p>
             <a:fld id="{B62B41C1-BAA6-4120-BEAB-789D04ED3CE7}" type="datetimeFigureOut">
               <a:rPr lang="zh-CN" altLang="en-US" smtClean="0"/>
-              <a:t>2025/11/6</a:t>
+              <a:t>2025/11/8</a:t>
             </a:fld>
             <a:endParaRPr lang="zh-CN" altLang="en-US"/>
           </a:p>
@@ -1663,7 +1663,7 @@
           <a:p>
             <a:fld id="{B62B41C1-BAA6-4120-BEAB-789D04ED3CE7}" type="datetimeFigureOut">
               <a:rPr lang="zh-CN" altLang="en-US" smtClean="0"/>
-              <a:t>2025/11/6</a:t>
+              <a:t>2025/11/8</a:t>
             </a:fld>
             <a:endParaRPr lang="zh-CN" altLang="en-US"/>
           </a:p>
@@ -1928,7 +1928,7 @@
           <a:p>
             <a:fld id="{B62B41C1-BAA6-4120-BEAB-789D04ED3CE7}" type="datetimeFigureOut">
               <a:rPr lang="zh-CN" altLang="en-US" smtClean="0"/>
-              <a:t>2025/11/6</a:t>
+              <a:t>2025/11/8</a:t>
             </a:fld>
             <a:endParaRPr lang="zh-CN" altLang="en-US"/>
           </a:p>
@@ -2340,7 +2340,7 @@
           <a:p>
             <a:fld id="{B62B41C1-BAA6-4120-BEAB-789D04ED3CE7}" type="datetimeFigureOut">
               <a:rPr lang="zh-CN" altLang="en-US" smtClean="0"/>
-              <a:t>2025/11/6</a:t>
+              <a:t>2025/11/8</a:t>
             </a:fld>
             <a:endParaRPr lang="zh-CN" altLang="en-US"/>
           </a:p>
@@ -2481,7 +2481,7 @@
           <a:p>
             <a:fld id="{B62B41C1-BAA6-4120-BEAB-789D04ED3CE7}" type="datetimeFigureOut">
               <a:rPr lang="zh-CN" altLang="en-US" smtClean="0"/>
-              <a:t>2025/11/6</a:t>
+              <a:t>2025/11/8</a:t>
             </a:fld>
             <a:endParaRPr lang="zh-CN" altLang="en-US"/>
           </a:p>
@@ -2594,7 +2594,7 @@
           <a:p>
             <a:fld id="{B62B41C1-BAA6-4120-BEAB-789D04ED3CE7}" type="datetimeFigureOut">
               <a:rPr lang="zh-CN" altLang="en-US" smtClean="0"/>
-              <a:t>2025/11/6</a:t>
+              <a:t>2025/11/8</a:t>
             </a:fld>
             <a:endParaRPr lang="zh-CN" altLang="en-US"/>
           </a:p>
@@ -2905,7 +2905,7 @@
           <a:p>
             <a:fld id="{B62B41C1-BAA6-4120-BEAB-789D04ED3CE7}" type="datetimeFigureOut">
               <a:rPr lang="zh-CN" altLang="en-US" smtClean="0"/>
-              <a:t>2025/11/6</a:t>
+              <a:t>2025/11/8</a:t>
             </a:fld>
             <a:endParaRPr lang="zh-CN" altLang="en-US"/>
           </a:p>
@@ -3193,7 +3193,7 @@
           <a:p>
             <a:fld id="{B62B41C1-BAA6-4120-BEAB-789D04ED3CE7}" type="datetimeFigureOut">
               <a:rPr lang="zh-CN" altLang="en-US" smtClean="0"/>
-              <a:t>2025/11/6</a:t>
+              <a:t>2025/11/8</a:t>
             </a:fld>
             <a:endParaRPr lang="zh-CN" altLang="en-US"/>
           </a:p>
@@ -3434,7 +3434,7 @@
           <a:p>
             <a:fld id="{B62B41C1-BAA6-4120-BEAB-789D04ED3CE7}" type="datetimeFigureOut">
               <a:rPr lang="zh-CN" altLang="en-US" smtClean="0"/>
-              <a:t>2025/11/6</a:t>
+              <a:t>2025/11/8</a:t>
             </a:fld>
             <a:endParaRPr lang="zh-CN" altLang="en-US"/>
           </a:p>
@@ -5031,8 +5031,8 @@
         </p:blipFill>
         <p:spPr>
           <a:xfrm>
-            <a:off x="0" y="359994"/>
-            <a:ext cx="12192000" cy="6138012"/>
+            <a:off x="1523424" y="948078"/>
+            <a:ext cx="9696450" cy="4881638"/>
           </a:xfrm>
           <a:prstGeom prst="rect">
             <a:avLst/>
@@ -5056,13 +5056,13 @@
         </p:nvCxnSpPr>
         <p:spPr>
           <a:xfrm>
-            <a:off x="971099" y="3398223"/>
-            <a:ext cx="692565" cy="1268679"/>
+            <a:off x="1683067" y="3696674"/>
+            <a:ext cx="1168083" cy="811826"/>
           </a:xfrm>
           <a:prstGeom prst="straightConnector1">
             <a:avLst/>
           </a:prstGeom>
-          <a:ln w="28575">
+          <a:ln w="12700">
             <a:solidFill>
               <a:schemeClr val="tx1"/>
             </a:solidFill>
@@ -5098,8 +5098,8 @@
         </p:nvSpPr>
         <p:spPr>
           <a:xfrm>
-            <a:off x="114935" y="3090446"/>
-            <a:ext cx="1712328" cy="307777"/>
+            <a:off x="743584" y="3388897"/>
+            <a:ext cx="1878965" cy="307777"/>
           </a:xfrm>
           <a:prstGeom prst="rect">
             <a:avLst/>
@@ -5107,7 +5107,7 @@
           <a:noFill/>
         </p:spPr>
         <p:txBody>
-          <a:bodyPr wrap="none" rtlCol="0">
+          <a:bodyPr wrap="square" rtlCol="0">
             <a:spAutoFit/>
           </a:bodyPr>
           <a:lstStyle/>
@@ -5140,8 +5140,8 @@
         </p:nvSpPr>
         <p:spPr>
           <a:xfrm>
-            <a:off x="5570855" y="4666902"/>
-            <a:ext cx="1681871" cy="307777"/>
+            <a:off x="6199506" y="4965353"/>
+            <a:ext cx="1896744" cy="307777"/>
           </a:xfrm>
           <a:prstGeom prst="rect">
             <a:avLst/>
@@ -5149,7 +5149,7 @@
           <a:noFill/>
         </p:spPr>
         <p:txBody>
-          <a:bodyPr wrap="none" rtlCol="0">
+          <a:bodyPr wrap="square" rtlCol="0">
             <a:spAutoFit/>
           </a:bodyPr>
           <a:lstStyle/>
@@ -5185,13 +5185,13 @@
         </p:nvCxnSpPr>
         <p:spPr>
           <a:xfrm flipH="1" flipV="1">
-            <a:off x="5427233" y="4184725"/>
-            <a:ext cx="984558" cy="482177"/>
+            <a:off x="6199506" y="4076700"/>
+            <a:ext cx="948372" cy="888653"/>
           </a:xfrm>
           <a:prstGeom prst="straightConnector1">
             <a:avLst/>
           </a:prstGeom>
-          <a:ln w="28575">
+          <a:ln w="12700">
             <a:solidFill>
               <a:schemeClr val="tx1"/>
             </a:solidFill>
@@ -5229,6 +5229,416 @@
             </p:nvSpPr>
             <p:spPr>
               <a:xfrm>
+                <a:off x="10524576" y="861894"/>
+                <a:ext cx="439057" cy="215444"/>
+              </a:xfrm>
+              <a:prstGeom prst="rect">
+                <a:avLst/>
+              </a:prstGeom>
+              <a:noFill/>
+            </p:spPr>
+            <p:txBody>
+              <a:bodyPr wrap="square" lIns="0" tIns="0" rIns="0" bIns="0" rtlCol="0">
+                <a:spAutoFit/>
+              </a:bodyPr>
+              <a:lstStyle/>
+              <a:p>
+                <a:pPr/>
+                <a14:m>
+                  <m:oMathPara xmlns:m="http://schemas.openxmlformats.org/officeDocument/2006/math">
+                    <m:oMathParaPr>
+                      <m:jc m:val="centerGroup"/>
+                    </m:oMathParaPr>
+                    <m:oMath xmlns:m="http://schemas.openxmlformats.org/officeDocument/2006/math">
+                      <m:r>
+                        <a:rPr lang="en-US" altLang="zh-CN" sz="1400" b="0" i="1" smtClean="0">
+                          <a:latin typeface="Cambria Math" panose="02040503050406030204" pitchFamily="18" charset="0"/>
+                        </a:rPr>
+                        <m:t>𝑝</m:t>
+                      </m:r>
+                      <m:d>
+                        <m:dPr>
+                          <m:ctrlPr>
+                            <a:rPr lang="en-US" altLang="zh-CN" sz="1400" b="0" i="1" smtClean="0">
+                              <a:latin typeface="Cambria Math" panose="02040503050406030204" pitchFamily="18" charset="0"/>
+                            </a:rPr>
+                          </m:ctrlPr>
+                        </m:dPr>
+                        <m:e>
+                          <m:r>
+                            <a:rPr lang="en-US" altLang="zh-CN" sz="1400" b="0" i="1" smtClean="0">
+                              <a:latin typeface="Cambria Math" panose="02040503050406030204" pitchFamily="18" charset="0"/>
+                            </a:rPr>
+                            <m:t>𝑥</m:t>
+                          </m:r>
+                        </m:e>
+                      </m:d>
+                    </m:oMath>
+                  </m:oMathPara>
+                </a14:m>
+                <a:endParaRPr lang="zh-CN" altLang="en-US" sz="1400" dirty="0"/>
+              </a:p>
+            </p:txBody>
+          </p:sp>
+        </mc:Choice>
+        <mc:Fallback>
+          <p:sp>
+            <p:nvSpPr>
+              <p:cNvPr id="21" name="文本框 20">
+                <a:extLst>
+                  <a:ext uri="{FF2B5EF4-FFF2-40B4-BE49-F238E27FC236}">
+                    <a16:creationId xmlns:a16="http://schemas.microsoft.com/office/drawing/2014/main" id="{52E3A5B3-999D-474B-7862-41F4BEA3D265}"/>
+                  </a:ext>
+                </a:extLst>
+              </p:cNvPr>
+              <p:cNvSpPr txBox="1">
+                <a:spLocks noRot="1" noChangeAspect="1" noMove="1" noResize="1" noEditPoints="1" noAdjustHandles="1" noChangeArrowheads="1" noChangeShapeType="1" noTextEdit="1"/>
+              </p:cNvSpPr>
+              <p:nvPr/>
+            </p:nvSpPr>
+            <p:spPr>
+              <a:xfrm>
+                <a:off x="10524576" y="861894"/>
+                <a:ext cx="439057" cy="215444"/>
+              </a:xfrm>
+              <a:prstGeom prst="rect">
+                <a:avLst/>
+              </a:prstGeom>
+              <a:blipFill>
+                <a:blip r:embed="rId3"/>
+                <a:stretch>
+                  <a:fillRect l="-4167" b="-22222"/>
+                </a:stretch>
+              </a:blipFill>
+            </p:spPr>
+            <p:txBody>
+              <a:bodyPr/>
+              <a:lstStyle/>
+              <a:p>
+                <a:r>
+                  <a:rPr lang="zh-CN" altLang="en-US">
+                    <a:noFill/>
+                  </a:rPr>
+                  <a:t> </a:t>
+                </a:r>
+              </a:p>
+            </p:txBody>
+          </p:sp>
+        </mc:Fallback>
+      </mc:AlternateContent>
+      <p:sp>
+        <p:nvSpPr>
+          <p:cNvPr id="22" name="矩形 21">
+            <a:extLst>
+              <a:ext uri="{FF2B5EF4-FFF2-40B4-BE49-F238E27FC236}">
+                <a16:creationId xmlns:a16="http://schemas.microsoft.com/office/drawing/2014/main" id="{00A43C75-7D3C-B0D7-409D-09BB0CA3D989}"/>
+              </a:ext>
+            </a:extLst>
+          </p:cNvPr>
+          <p:cNvSpPr/>
+          <p:nvPr/>
+        </p:nvSpPr>
+        <p:spPr>
+          <a:xfrm>
+            <a:off x="10048069" y="848968"/>
+            <a:ext cx="439057" cy="215444"/>
+          </a:xfrm>
+          <a:prstGeom prst="rect">
+            <a:avLst/>
+          </a:prstGeom>
+          <a:solidFill>
+            <a:schemeClr val="tx2">
+              <a:lumMod val="25000"/>
+              <a:lumOff val="75000"/>
+            </a:schemeClr>
+          </a:solidFill>
+          <a:ln w="6350"/>
+        </p:spPr>
+        <p:style>
+          <a:lnRef idx="2">
+            <a:schemeClr val="accent1">
+              <a:shade val="15000"/>
+            </a:schemeClr>
+          </a:lnRef>
+          <a:fillRef idx="1">
+            <a:schemeClr val="accent1"/>
+          </a:fillRef>
+          <a:effectRef idx="0">
+            <a:schemeClr val="accent1"/>
+          </a:effectRef>
+          <a:fontRef idx="minor">
+            <a:schemeClr val="lt1"/>
+          </a:fontRef>
+        </p:style>
+        <p:txBody>
+          <a:bodyPr rtlCol="0" anchor="ctr"/>
+          <a:lstStyle/>
+          <a:p>
+            <a:pPr algn="ctr"/>
+            <a:endParaRPr lang="zh-CN" altLang="en-US"/>
+          </a:p>
+        </p:txBody>
+      </p:sp>
+      <mc:AlternateContent xmlns:mc="http://schemas.openxmlformats.org/markup-compatibility/2006">
+        <mc:Choice xmlns:a14="http://schemas.microsoft.com/office/drawing/2010/main" Requires="a14">
+          <p:sp>
+            <p:nvSpPr>
+              <p:cNvPr id="23" name="文本框 22">
+                <a:extLst>
+                  <a:ext uri="{FF2B5EF4-FFF2-40B4-BE49-F238E27FC236}">
+                    <a16:creationId xmlns:a16="http://schemas.microsoft.com/office/drawing/2014/main" id="{CD72B098-E5A1-1883-E7AB-29262768538A}"/>
+                  </a:ext>
+                </a:extLst>
+              </p:cNvPr>
+              <p:cNvSpPr txBox="1"/>
+              <p:nvPr/>
+            </p:nvSpPr>
+            <p:spPr>
+              <a:xfrm>
+                <a:off x="8959200" y="857476"/>
+                <a:ext cx="675212" cy="215444"/>
+              </a:xfrm>
+              <a:prstGeom prst="rect">
+                <a:avLst/>
+              </a:prstGeom>
+              <a:noFill/>
+            </p:spPr>
+            <p:txBody>
+              <a:bodyPr wrap="square" lIns="0" tIns="0" rIns="0" bIns="0" rtlCol="0">
+                <a:spAutoFit/>
+              </a:bodyPr>
+              <a:lstStyle/>
+              <a:p>
+                <a:pPr/>
+                <a14:m>
+                  <m:oMathPara xmlns:m="http://schemas.openxmlformats.org/officeDocument/2006/math">
+                    <m:oMathParaPr>
+                      <m:jc m:val="centerGroup"/>
+                    </m:oMathParaPr>
+                    <m:oMath xmlns:m="http://schemas.openxmlformats.org/officeDocument/2006/math">
+                      <m:r>
+                        <a:rPr lang="en-US" altLang="zh-CN" sz="1400" b="0" i="1" smtClean="0">
+                          <a:latin typeface="Cambria Math" panose="02040503050406030204" pitchFamily="18" charset="0"/>
+                        </a:rPr>
+                        <m:t>𝑝</m:t>
+                      </m:r>
+                      <m:d>
+                        <m:dPr>
+                          <m:ctrlPr>
+                            <a:rPr lang="en-US" altLang="zh-CN" sz="1400" b="0" i="1" smtClean="0">
+                              <a:latin typeface="Cambria Math" panose="02040503050406030204" pitchFamily="18" charset="0"/>
+                            </a:rPr>
+                          </m:ctrlPr>
+                        </m:dPr>
+                        <m:e>
+                          <m:r>
+                            <a:rPr lang="en-US" altLang="zh-CN" sz="1400" b="0" i="1" smtClean="0">
+                              <a:latin typeface="Cambria Math" panose="02040503050406030204" pitchFamily="18" charset="0"/>
+                            </a:rPr>
+                            <m:t>𝑥</m:t>
+                          </m:r>
+                          <m:r>
+                            <a:rPr lang="en-US" altLang="zh-CN" sz="1400" b="0" i="1" smtClean="0">
+                              <a:latin typeface="Cambria Math" panose="02040503050406030204" pitchFamily="18" charset="0"/>
+                            </a:rPr>
+                            <m:t> | </m:t>
+                          </m:r>
+                          <m:r>
+                            <m:rPr>
+                              <m:sty m:val="p"/>
+                            </m:rPr>
+                            <a:rPr lang="en-US" altLang="zh-CN" sz="1400" i="1">
+                              <a:latin typeface="Cambria Math" panose="02040503050406030204" pitchFamily="18" charset="0"/>
+                            </a:rPr>
+                            <m:t>c</m:t>
+                          </m:r>
+                        </m:e>
+                      </m:d>
+                    </m:oMath>
+                  </m:oMathPara>
+                </a14:m>
+                <a:endParaRPr lang="zh-CN" altLang="en-US" sz="1400" dirty="0"/>
+              </a:p>
+            </p:txBody>
+          </p:sp>
+        </mc:Choice>
+        <mc:Fallback>
+          <p:sp>
+            <p:nvSpPr>
+              <p:cNvPr id="23" name="文本框 22">
+                <a:extLst>
+                  <a:ext uri="{FF2B5EF4-FFF2-40B4-BE49-F238E27FC236}">
+                    <a16:creationId xmlns:a16="http://schemas.microsoft.com/office/drawing/2014/main" id="{CD72B098-E5A1-1883-E7AB-29262768538A}"/>
+                  </a:ext>
+                </a:extLst>
+              </p:cNvPr>
+              <p:cNvSpPr txBox="1">
+                <a:spLocks noRot="1" noChangeAspect="1" noMove="1" noResize="1" noEditPoints="1" noAdjustHandles="1" noChangeArrowheads="1" noChangeShapeType="1" noTextEdit="1"/>
+              </p:cNvSpPr>
+              <p:nvPr/>
+            </p:nvSpPr>
+            <p:spPr>
+              <a:xfrm>
+                <a:off x="8959200" y="857476"/>
+                <a:ext cx="675212" cy="215444"/>
+              </a:xfrm>
+              <a:prstGeom prst="rect">
+                <a:avLst/>
+              </a:prstGeom>
+              <a:blipFill>
+                <a:blip r:embed="rId4"/>
+                <a:stretch>
+                  <a:fillRect l="-1818" b="-31429"/>
+                </a:stretch>
+              </a:blipFill>
+            </p:spPr>
+            <p:txBody>
+              <a:bodyPr/>
+              <a:lstStyle/>
+              <a:p>
+                <a:r>
+                  <a:rPr lang="zh-CN" altLang="en-US">
+                    <a:noFill/>
+                  </a:rPr>
+                  <a:t> </a:t>
+                </a:r>
+              </a:p>
+            </p:txBody>
+          </p:sp>
+        </mc:Fallback>
+      </mc:AlternateContent>
+      <p:sp>
+        <p:nvSpPr>
+          <p:cNvPr id="24" name="矩形 23">
+            <a:extLst>
+              <a:ext uri="{FF2B5EF4-FFF2-40B4-BE49-F238E27FC236}">
+                <a16:creationId xmlns:a16="http://schemas.microsoft.com/office/drawing/2014/main" id="{FF2756B0-8177-6950-FE27-38FF5CBD06DF}"/>
+              </a:ext>
+            </a:extLst>
+          </p:cNvPr>
+          <p:cNvSpPr/>
+          <p:nvPr/>
+        </p:nvSpPr>
+        <p:spPr>
+          <a:xfrm>
+            <a:off x="8424989" y="848968"/>
+            <a:ext cx="496761" cy="215444"/>
+          </a:xfrm>
+          <a:prstGeom prst="rect">
+            <a:avLst/>
+          </a:prstGeom>
+          <a:solidFill>
+            <a:srgbClr val="FCB696"/>
+          </a:solidFill>
+          <a:ln w="6350"/>
+        </p:spPr>
+        <p:style>
+          <a:lnRef idx="2">
+            <a:schemeClr val="accent1">
+              <a:shade val="15000"/>
+            </a:schemeClr>
+          </a:lnRef>
+          <a:fillRef idx="1">
+            <a:schemeClr val="accent1"/>
+          </a:fillRef>
+          <a:effectRef idx="0">
+            <a:schemeClr val="accent1"/>
+          </a:effectRef>
+          <a:fontRef idx="minor">
+            <a:schemeClr val="lt1"/>
+          </a:fontRef>
+        </p:style>
+        <p:txBody>
+          <a:bodyPr rtlCol="0" anchor="ctr"/>
+          <a:lstStyle/>
+          <a:p>
+            <a:pPr algn="ctr"/>
+            <a:endParaRPr lang="zh-CN" altLang="en-US"/>
+          </a:p>
+        </p:txBody>
+      </p:sp>
+    </p:spTree>
+    <p:extLst>
+      <p:ext uri="{BB962C8B-B14F-4D97-AF65-F5344CB8AC3E}">
+        <p14:creationId xmlns:p14="http://schemas.microsoft.com/office/powerpoint/2010/main" val="683609552"/>
+      </p:ext>
+    </p:extLst>
+  </p:cSld>
+  <p:clrMapOvr>
+    <a:masterClrMapping/>
+  </p:clrMapOvr>
+</p:sld>
+</file>
+
+<file path=ppt/slides/slide4.xml><?xml version="1.0" encoding="utf-8"?>
+<p:sld xmlns:a="http://schemas.openxmlformats.org/drawingml/2006/main" xmlns:r="http://schemas.openxmlformats.org/officeDocument/2006/relationships" xmlns:p="http://schemas.openxmlformats.org/presentationml/2006/main">
+  <p:cSld>
+    <p:spTree>
+      <p:nvGrpSpPr>
+        <p:cNvPr id="1" name="">
+          <a:extLst>
+            <a:ext uri="{FF2B5EF4-FFF2-40B4-BE49-F238E27FC236}">
+              <a16:creationId xmlns:a16="http://schemas.microsoft.com/office/drawing/2014/main" id="{346BEDC4-A437-8770-149A-1A2895EC20F5}"/>
+            </a:ext>
+          </a:extLst>
+        </p:cNvPr>
+        <p:cNvGrpSpPr/>
+        <p:nvPr/>
+      </p:nvGrpSpPr>
+      <p:grpSpPr>
+        <a:xfrm>
+          <a:off x="0" y="0"/>
+          <a:ext cx="0" cy="0"/>
+          <a:chOff x="0" y="0"/>
+          <a:chExt cx="0" cy="0"/>
+        </a:xfrm>
+      </p:grpSpPr>
+      <p:pic>
+        <p:nvPicPr>
+          <p:cNvPr id="12" name="图片 11">
+            <a:extLst>
+              <a:ext uri="{FF2B5EF4-FFF2-40B4-BE49-F238E27FC236}">
+                <a16:creationId xmlns:a16="http://schemas.microsoft.com/office/drawing/2014/main" id="{A45A691C-B18B-E51A-1F2B-330FF83C451F}"/>
+              </a:ext>
+            </a:extLst>
+          </p:cNvPr>
+          <p:cNvPicPr>
+            <a:picLocks noChangeAspect="1"/>
+          </p:cNvPicPr>
+          <p:nvPr/>
+        </p:nvPicPr>
+        <p:blipFill>
+          <a:blip r:embed="rId2"/>
+          <a:stretch>
+            <a:fillRect/>
+          </a:stretch>
+        </p:blipFill>
+        <p:spPr>
+          <a:xfrm>
+            <a:off x="0" y="359994"/>
+            <a:ext cx="12192000" cy="6138012"/>
+          </a:xfrm>
+          <a:prstGeom prst="rect">
+            <a:avLst/>
+          </a:prstGeom>
+        </p:spPr>
+      </p:pic>
+      <mc:AlternateContent xmlns:mc="http://schemas.openxmlformats.org/markup-compatibility/2006" xmlns:a14="http://schemas.microsoft.com/office/drawing/2010/main">
+        <mc:Choice Requires="a14">
+          <p:sp>
+            <p:nvSpPr>
+              <p:cNvPr id="21" name="文本框 20">
+                <a:extLst>
+                  <a:ext uri="{FF2B5EF4-FFF2-40B4-BE49-F238E27FC236}">
+                    <a16:creationId xmlns:a16="http://schemas.microsoft.com/office/drawing/2014/main" id="{1F0F3EFA-23EA-BDC7-25AD-AEA1C18891B0}"/>
+                  </a:ext>
+                </a:extLst>
+              </p:cNvPr>
+              <p:cNvSpPr txBox="1"/>
+              <p:nvPr/>
+            </p:nvSpPr>
+            <p:spPr>
+              <a:xfrm>
                 <a:off x="11389658" y="221494"/>
                 <a:ext cx="515590" cy="276999"/>
               </a:xfrm>
@@ -5243,6 +5653,7 @@
               </a:bodyPr>
               <a:lstStyle/>
               <a:p>
+                <a:pPr/>
                 <a14:m>
                   <m:oMathPara xmlns:m="http://schemas.openxmlformats.org/officeDocument/2006/math">
                     <m:oMathParaPr>
@@ -5280,13 +5691,13 @@
             </p:txBody>
           </p:sp>
         </mc:Choice>
-        <mc:Fallback>
+        <mc:Fallback xmlns="">
           <p:sp>
             <p:nvSpPr>
               <p:cNvPr id="21" name="文本框 20">
                 <a:extLst>
                   <a:ext uri="{FF2B5EF4-FFF2-40B4-BE49-F238E27FC236}">
-                    <a16:creationId xmlns:a16="http://schemas.microsoft.com/office/drawing/2014/main" id="{52E3A5B3-999D-474B-7862-41F4BEA3D265}"/>
+                    <a16:creationId xmlns:a16="http://schemas.microsoft.com/office/drawing/2014/main" id="{1F0F3EFA-23EA-BDC7-25AD-AEA1C18891B0}"/>
                   </a:ext>
                 </a:extLst>
               </p:cNvPr>
@@ -5330,7 +5741,7 @@
           <p:cNvPr id="22" name="矩形 21">
             <a:extLst>
               <a:ext uri="{FF2B5EF4-FFF2-40B4-BE49-F238E27FC236}">
-                <a16:creationId xmlns:a16="http://schemas.microsoft.com/office/drawing/2014/main" id="{00A43C75-7D3C-B0D7-409D-09BB0CA3D989}"/>
+                <a16:creationId xmlns:a16="http://schemas.microsoft.com/office/drawing/2014/main" id="{EE30A711-A6D3-86B8-50C9-C5E189EA790F}"/>
               </a:ext>
             </a:extLst>
           </p:cNvPr>
@@ -5378,14 +5789,14 @@
           </a:p>
         </p:txBody>
       </p:sp>
-      <mc:AlternateContent xmlns:mc="http://schemas.openxmlformats.org/markup-compatibility/2006">
-        <mc:Choice xmlns:a14="http://schemas.microsoft.com/office/drawing/2010/main" Requires="a14">
+      <mc:AlternateContent xmlns:mc="http://schemas.openxmlformats.org/markup-compatibility/2006" xmlns:a14="http://schemas.microsoft.com/office/drawing/2010/main">
+        <mc:Choice Requires="a14">
           <p:sp>
             <p:nvSpPr>
               <p:cNvPr id="23" name="文本框 22">
                 <a:extLst>
                   <a:ext uri="{FF2B5EF4-FFF2-40B4-BE49-F238E27FC236}">
-                    <a16:creationId xmlns:a16="http://schemas.microsoft.com/office/drawing/2014/main" id="{CD72B098-E5A1-1883-E7AB-29262768538A}"/>
+                    <a16:creationId xmlns:a16="http://schemas.microsoft.com/office/drawing/2014/main" id="{9F9FEDB5-9E35-4AC5-87E0-7F5D392925A6}"/>
                   </a:ext>
                 </a:extLst>
               </p:cNvPr>
@@ -5408,6 +5819,7 @@
               </a:bodyPr>
               <a:lstStyle/>
               <a:p>
+                <a:pPr/>
                 <a14:m>
                   <m:oMathPara xmlns:m="http://schemas.openxmlformats.org/officeDocument/2006/math">
                     <m:oMathParaPr>
@@ -5460,13 +5872,13 @@
             </p:txBody>
           </p:sp>
         </mc:Choice>
-        <mc:Fallback>
+        <mc:Fallback xmlns="">
           <p:sp>
             <p:nvSpPr>
               <p:cNvPr id="23" name="文本框 22">
                 <a:extLst>
                   <a:ext uri="{FF2B5EF4-FFF2-40B4-BE49-F238E27FC236}">
-                    <a16:creationId xmlns:a16="http://schemas.microsoft.com/office/drawing/2014/main" id="{CD72B098-E5A1-1883-E7AB-29262768538A}"/>
+                    <a16:creationId xmlns:a16="http://schemas.microsoft.com/office/drawing/2014/main" id="{9F9FEDB5-9E35-4AC5-87E0-7F5D392925A6}"/>
                   </a:ext>
                 </a:extLst>
               </p:cNvPr>
@@ -5510,7 +5922,7 @@
           <p:cNvPr id="24" name="矩形 23">
             <a:extLst>
               <a:ext uri="{FF2B5EF4-FFF2-40B4-BE49-F238E27FC236}">
-                <a16:creationId xmlns:a16="http://schemas.microsoft.com/office/drawing/2014/main" id="{FF2756B0-8177-6950-FE27-38FF5CBD06DF}"/>
+                <a16:creationId xmlns:a16="http://schemas.microsoft.com/office/drawing/2014/main" id="{B2F608C5-D814-C079-C092-B32EFB9F5F9C}"/>
               </a:ext>
             </a:extLst>
           </p:cNvPr>
@@ -5558,7 +5970,7 @@
     </p:spTree>
     <p:extLst>
       <p:ext uri="{BB962C8B-B14F-4D97-AF65-F5344CB8AC3E}">
-        <p14:creationId xmlns:p14="http://schemas.microsoft.com/office/powerpoint/2010/main" val="683609552"/>
+        <p14:creationId xmlns:p14="http://schemas.microsoft.com/office/powerpoint/2010/main" val="104376496"/>
       </p:ext>
     </p:extLst>
   </p:cSld>
@@ -5568,7 +5980,7 @@
 </p:sld>
 </file>
 
-<file path=ppt/slides/slide4.xml><?xml version="1.0" encoding="utf-8"?>
+<file path=ppt/slides/slide5.xml><?xml version="1.0" encoding="utf-8"?>
 <p:sld xmlns:a="http://schemas.openxmlformats.org/drawingml/2006/main" xmlns:r="http://schemas.openxmlformats.org/officeDocument/2006/relationships" xmlns:p="http://schemas.openxmlformats.org/presentationml/2006/main">
   <p:cSld>
     <p:spTree>
@@ -5576,7 +5988,7 @@
         <p:cNvPr id="1" name="">
           <a:extLst>
             <a:ext uri="{FF2B5EF4-FFF2-40B4-BE49-F238E27FC236}">
-              <a16:creationId xmlns:a16="http://schemas.microsoft.com/office/drawing/2014/main" id="{346BEDC4-A437-8770-149A-1A2895EC20F5}"/>
+              <a16:creationId xmlns:a16="http://schemas.microsoft.com/office/drawing/2014/main" id="{F9ABD8A6-3E1A-DE69-B7EA-E6E1B487C95E}"/>
             </a:ext>
           </a:extLst>
         </p:cNvPr>
@@ -5596,7 +6008,7 @@
           <p:cNvPr id="12" name="图片 11">
             <a:extLst>
               <a:ext uri="{FF2B5EF4-FFF2-40B4-BE49-F238E27FC236}">
-                <a16:creationId xmlns:a16="http://schemas.microsoft.com/office/drawing/2014/main" id="{A45A691C-B18B-E51A-1F2B-330FF83C451F}"/>
+                <a16:creationId xmlns:a16="http://schemas.microsoft.com/office/drawing/2014/main" id="{00B3309F-5B02-AFAA-322E-FE0A658A83D5}"/>
               </a:ext>
             </a:extLst>
           </p:cNvPr>
@@ -5621,14 +6033,14 @@
           </a:prstGeom>
         </p:spPr>
       </p:pic>
-      <mc:AlternateContent xmlns:mc="http://schemas.openxmlformats.org/markup-compatibility/2006">
-        <mc:Choice xmlns:a14="http://schemas.microsoft.com/office/drawing/2010/main" Requires="a14">
+      <mc:AlternateContent xmlns:mc="http://schemas.openxmlformats.org/markup-compatibility/2006" xmlns:a14="http://schemas.microsoft.com/office/drawing/2010/main">
+        <mc:Choice Requires="a14">
           <p:sp>
             <p:nvSpPr>
               <p:cNvPr id="21" name="文本框 20">
                 <a:extLst>
                   <a:ext uri="{FF2B5EF4-FFF2-40B4-BE49-F238E27FC236}">
-                    <a16:creationId xmlns:a16="http://schemas.microsoft.com/office/drawing/2014/main" id="{1F0F3EFA-23EA-BDC7-25AD-AEA1C18891B0}"/>
+                    <a16:creationId xmlns:a16="http://schemas.microsoft.com/office/drawing/2014/main" id="{5C554178-E390-589E-B2B2-5F6820D12F26}"/>
                   </a:ext>
                 </a:extLst>
               </p:cNvPr>
@@ -5651,6 +6063,7 @@
               </a:bodyPr>
               <a:lstStyle/>
               <a:p>
+                <a:pPr/>
                 <a14:m>
                   <m:oMathPara xmlns:m="http://schemas.openxmlformats.org/officeDocument/2006/math">
                     <m:oMathParaPr>
@@ -5688,13 +6101,13 @@
             </p:txBody>
           </p:sp>
         </mc:Choice>
-        <mc:Fallback>
+        <mc:Fallback xmlns="">
           <p:sp>
             <p:nvSpPr>
               <p:cNvPr id="21" name="文本框 20">
                 <a:extLst>
                   <a:ext uri="{FF2B5EF4-FFF2-40B4-BE49-F238E27FC236}">
-                    <a16:creationId xmlns:a16="http://schemas.microsoft.com/office/drawing/2014/main" id="{1F0F3EFA-23EA-BDC7-25AD-AEA1C18891B0}"/>
+                    <a16:creationId xmlns:a16="http://schemas.microsoft.com/office/drawing/2014/main" id="{5C554178-E390-589E-B2B2-5F6820D12F26}"/>
                   </a:ext>
                 </a:extLst>
               </p:cNvPr>
@@ -5738,7 +6151,7 @@
           <p:cNvPr id="22" name="矩形 21">
             <a:extLst>
               <a:ext uri="{FF2B5EF4-FFF2-40B4-BE49-F238E27FC236}">
-                <a16:creationId xmlns:a16="http://schemas.microsoft.com/office/drawing/2014/main" id="{EE30A711-A6D3-86B8-50C9-C5E189EA790F}"/>
+                <a16:creationId xmlns:a16="http://schemas.microsoft.com/office/drawing/2014/main" id="{18068DA5-98D9-8B7E-38CB-657A5103E6BF}"/>
               </a:ext>
             </a:extLst>
           </p:cNvPr>
@@ -5786,14 +6199,14 @@
           </a:p>
         </p:txBody>
       </p:sp>
-      <mc:AlternateContent xmlns:mc="http://schemas.openxmlformats.org/markup-compatibility/2006">
-        <mc:Choice xmlns:a14="http://schemas.microsoft.com/office/drawing/2010/main" Requires="a14">
+      <mc:AlternateContent xmlns:mc="http://schemas.openxmlformats.org/markup-compatibility/2006" xmlns:a14="http://schemas.microsoft.com/office/drawing/2010/main">
+        <mc:Choice Requires="a14">
           <p:sp>
             <p:nvSpPr>
               <p:cNvPr id="23" name="文本框 22">
                 <a:extLst>
                   <a:ext uri="{FF2B5EF4-FFF2-40B4-BE49-F238E27FC236}">
-                    <a16:creationId xmlns:a16="http://schemas.microsoft.com/office/drawing/2014/main" id="{9F9FEDB5-9E35-4AC5-87E0-7F5D392925A6}"/>
+                    <a16:creationId xmlns:a16="http://schemas.microsoft.com/office/drawing/2014/main" id="{E0BC7883-3D8B-21D7-1F42-0F6936675F09}"/>
                   </a:ext>
                 </a:extLst>
               </p:cNvPr>
@@ -5816,6 +6229,7 @@
               </a:bodyPr>
               <a:lstStyle/>
               <a:p>
+                <a:pPr/>
                 <a14:m>
                   <m:oMathPara xmlns:m="http://schemas.openxmlformats.org/officeDocument/2006/math">
                     <m:oMathParaPr>
@@ -5868,415 +6282,7 @@
             </p:txBody>
           </p:sp>
         </mc:Choice>
-        <mc:Fallback>
-          <p:sp>
-            <p:nvSpPr>
-              <p:cNvPr id="23" name="文本框 22">
-                <a:extLst>
-                  <a:ext uri="{FF2B5EF4-FFF2-40B4-BE49-F238E27FC236}">
-                    <a16:creationId xmlns:a16="http://schemas.microsoft.com/office/drawing/2014/main" id="{9F9FEDB5-9E35-4AC5-87E0-7F5D392925A6}"/>
-                  </a:ext>
-                </a:extLst>
-              </p:cNvPr>
-              <p:cNvSpPr txBox="1">
-                <a:spLocks noRot="1" noChangeAspect="1" noMove="1" noResize="1" noEditPoints="1" noAdjustHandles="1" noChangeArrowheads="1" noChangeShapeType="1" noTextEdit="1"/>
-              </p:cNvSpPr>
-              <p:nvPr/>
-            </p:nvSpPr>
-            <p:spPr>
-              <a:xfrm>
-                <a:off x="9103952" y="221494"/>
-                <a:ext cx="792909" cy="276999"/>
-              </a:xfrm>
-              <a:prstGeom prst="rect">
-                <a:avLst/>
-              </a:prstGeom>
-              <a:blipFill>
-                <a:blip r:embed="rId4"/>
-                <a:stretch>
-                  <a:fillRect l="-6107" t="-2174" b="-32609"/>
-                </a:stretch>
-              </a:blipFill>
-            </p:spPr>
-            <p:txBody>
-              <a:bodyPr/>
-              <a:lstStyle/>
-              <a:p>
-                <a:r>
-                  <a:rPr lang="zh-CN" altLang="en-US">
-                    <a:noFill/>
-                  </a:rPr>
-                  <a:t> </a:t>
-                </a:r>
-              </a:p>
-            </p:txBody>
-          </p:sp>
-        </mc:Fallback>
-      </mc:AlternateContent>
-      <p:sp>
-        <p:nvSpPr>
-          <p:cNvPr id="24" name="矩形 23">
-            <a:extLst>
-              <a:ext uri="{FF2B5EF4-FFF2-40B4-BE49-F238E27FC236}">
-                <a16:creationId xmlns:a16="http://schemas.microsoft.com/office/drawing/2014/main" id="{B2F608C5-D814-C079-C092-B32EFB9F5F9C}"/>
-              </a:ext>
-            </a:extLst>
-          </p:cNvPr>
-          <p:cNvSpPr/>
-          <p:nvPr/>
-        </p:nvSpPr>
-        <p:spPr>
-          <a:xfrm>
-            <a:off x="8332091" y="221495"/>
-            <a:ext cx="640080" cy="276998"/>
-          </a:xfrm>
-          <a:prstGeom prst="rect">
-            <a:avLst/>
-          </a:prstGeom>
-          <a:solidFill>
-            <a:srgbClr val="FCB696"/>
-          </a:solidFill>
-          <a:ln w="6350"/>
-        </p:spPr>
-        <p:style>
-          <a:lnRef idx="2">
-            <a:schemeClr val="accent1">
-              <a:shade val="15000"/>
-            </a:schemeClr>
-          </a:lnRef>
-          <a:fillRef idx="1">
-            <a:schemeClr val="accent1"/>
-          </a:fillRef>
-          <a:effectRef idx="0">
-            <a:schemeClr val="accent1"/>
-          </a:effectRef>
-          <a:fontRef idx="minor">
-            <a:schemeClr val="lt1"/>
-          </a:fontRef>
-        </p:style>
-        <p:txBody>
-          <a:bodyPr rtlCol="0" anchor="ctr"/>
-          <a:lstStyle/>
-          <a:p>
-            <a:pPr algn="ctr"/>
-            <a:endParaRPr lang="zh-CN" altLang="en-US"/>
-          </a:p>
-        </p:txBody>
-      </p:sp>
-    </p:spTree>
-    <p:extLst>
-      <p:ext uri="{BB962C8B-B14F-4D97-AF65-F5344CB8AC3E}">
-        <p14:creationId xmlns:p14="http://schemas.microsoft.com/office/powerpoint/2010/main" val="104376496"/>
-      </p:ext>
-    </p:extLst>
-  </p:cSld>
-  <p:clrMapOvr>
-    <a:masterClrMapping/>
-  </p:clrMapOvr>
-</p:sld>
-</file>
-
-<file path=ppt/slides/slide5.xml><?xml version="1.0" encoding="utf-8"?>
-<p:sld xmlns:a="http://schemas.openxmlformats.org/drawingml/2006/main" xmlns:r="http://schemas.openxmlformats.org/officeDocument/2006/relationships" xmlns:p="http://schemas.openxmlformats.org/presentationml/2006/main">
-  <p:cSld>
-    <p:spTree>
-      <p:nvGrpSpPr>
-        <p:cNvPr id="1" name="">
-          <a:extLst>
-            <a:ext uri="{FF2B5EF4-FFF2-40B4-BE49-F238E27FC236}">
-              <a16:creationId xmlns:a16="http://schemas.microsoft.com/office/drawing/2014/main" id="{F9ABD8A6-3E1A-DE69-B7EA-E6E1B487C95E}"/>
-            </a:ext>
-          </a:extLst>
-        </p:cNvPr>
-        <p:cNvGrpSpPr/>
-        <p:nvPr/>
-      </p:nvGrpSpPr>
-      <p:grpSpPr>
-        <a:xfrm>
-          <a:off x="0" y="0"/>
-          <a:ext cx="0" cy="0"/>
-          <a:chOff x="0" y="0"/>
-          <a:chExt cx="0" cy="0"/>
-        </a:xfrm>
-      </p:grpSpPr>
-      <p:pic>
-        <p:nvPicPr>
-          <p:cNvPr id="12" name="图片 11">
-            <a:extLst>
-              <a:ext uri="{FF2B5EF4-FFF2-40B4-BE49-F238E27FC236}">
-                <a16:creationId xmlns:a16="http://schemas.microsoft.com/office/drawing/2014/main" id="{00B3309F-5B02-AFAA-322E-FE0A658A83D5}"/>
-              </a:ext>
-            </a:extLst>
-          </p:cNvPr>
-          <p:cNvPicPr>
-            <a:picLocks noChangeAspect="1"/>
-          </p:cNvPicPr>
-          <p:nvPr/>
-        </p:nvPicPr>
-        <p:blipFill>
-          <a:blip r:embed="rId2"/>
-          <a:stretch>
-            <a:fillRect/>
-          </a:stretch>
-        </p:blipFill>
-        <p:spPr>
-          <a:xfrm>
-            <a:off x="0" y="359994"/>
-            <a:ext cx="12192000" cy="6138012"/>
-          </a:xfrm>
-          <a:prstGeom prst="rect">
-            <a:avLst/>
-          </a:prstGeom>
-        </p:spPr>
-      </p:pic>
-      <mc:AlternateContent xmlns:mc="http://schemas.openxmlformats.org/markup-compatibility/2006">
-        <mc:Choice xmlns:a14="http://schemas.microsoft.com/office/drawing/2010/main" Requires="a14">
-          <p:sp>
-            <p:nvSpPr>
-              <p:cNvPr id="21" name="文本框 20">
-                <a:extLst>
-                  <a:ext uri="{FF2B5EF4-FFF2-40B4-BE49-F238E27FC236}">
-                    <a16:creationId xmlns:a16="http://schemas.microsoft.com/office/drawing/2014/main" id="{5C554178-E390-589E-B2B2-5F6820D12F26}"/>
-                  </a:ext>
-                </a:extLst>
-              </p:cNvPr>
-              <p:cNvSpPr txBox="1"/>
-              <p:nvPr/>
-            </p:nvSpPr>
-            <p:spPr>
-              <a:xfrm>
-                <a:off x="11389658" y="221494"/>
-                <a:ext cx="515590" cy="276999"/>
-              </a:xfrm>
-              <a:prstGeom prst="rect">
-                <a:avLst/>
-              </a:prstGeom>
-              <a:noFill/>
-            </p:spPr>
-            <p:txBody>
-              <a:bodyPr wrap="none" lIns="0" tIns="0" rIns="0" bIns="0" rtlCol="0">
-                <a:spAutoFit/>
-              </a:bodyPr>
-              <a:lstStyle/>
-              <a:p>
-                <a14:m>
-                  <m:oMathPara xmlns:m="http://schemas.openxmlformats.org/officeDocument/2006/math">
-                    <m:oMathParaPr>
-                      <m:jc m:val="centerGroup"/>
-                    </m:oMathParaPr>
-                    <m:oMath xmlns:m="http://schemas.openxmlformats.org/officeDocument/2006/math">
-                      <m:r>
-                        <a:rPr lang="en-US" altLang="zh-CN" b="0" i="1" smtClean="0">
-                          <a:latin typeface="Cambria Math" panose="02040503050406030204" pitchFamily="18" charset="0"/>
-                        </a:rPr>
-                        <m:t>𝑝</m:t>
-                      </m:r>
-                      <m:d>
-                        <m:dPr>
-                          <m:ctrlPr>
-                            <a:rPr lang="en-US" altLang="zh-CN" b="0" i="1" smtClean="0">
-                              <a:latin typeface="Cambria Math" panose="02040503050406030204" pitchFamily="18" charset="0"/>
-                            </a:rPr>
-                          </m:ctrlPr>
-                        </m:dPr>
-                        <m:e>
-                          <m:r>
-                            <a:rPr lang="en-US" altLang="zh-CN" b="0" i="1" smtClean="0">
-                              <a:latin typeface="Cambria Math" panose="02040503050406030204" pitchFamily="18" charset="0"/>
-                            </a:rPr>
-                            <m:t>𝑥</m:t>
-                          </m:r>
-                        </m:e>
-                      </m:d>
-                    </m:oMath>
-                  </m:oMathPara>
-                </a14:m>
-                <a:endParaRPr lang="zh-CN" altLang="en-US" dirty="0"/>
-              </a:p>
-            </p:txBody>
-          </p:sp>
-        </mc:Choice>
-        <mc:Fallback>
-          <p:sp>
-            <p:nvSpPr>
-              <p:cNvPr id="21" name="文本框 20">
-                <a:extLst>
-                  <a:ext uri="{FF2B5EF4-FFF2-40B4-BE49-F238E27FC236}">
-                    <a16:creationId xmlns:a16="http://schemas.microsoft.com/office/drawing/2014/main" id="{5C554178-E390-589E-B2B2-5F6820D12F26}"/>
-                  </a:ext>
-                </a:extLst>
-              </p:cNvPr>
-              <p:cNvSpPr txBox="1">
-                <a:spLocks noRot="1" noChangeAspect="1" noMove="1" noResize="1" noEditPoints="1" noAdjustHandles="1" noChangeArrowheads="1" noChangeShapeType="1" noTextEdit="1"/>
-              </p:cNvSpPr>
-              <p:nvPr/>
-            </p:nvSpPr>
-            <p:spPr>
-              <a:xfrm>
-                <a:off x="11389658" y="221494"/>
-                <a:ext cx="515590" cy="276999"/>
-              </a:xfrm>
-              <a:prstGeom prst="rect">
-                <a:avLst/>
-              </a:prstGeom>
-              <a:blipFill>
-                <a:blip r:embed="rId3"/>
-                <a:stretch>
-                  <a:fillRect l="-10588" b="-23913"/>
-                </a:stretch>
-              </a:blipFill>
-            </p:spPr>
-            <p:txBody>
-              <a:bodyPr/>
-              <a:lstStyle/>
-              <a:p>
-                <a:r>
-                  <a:rPr lang="zh-CN" altLang="en-US">
-                    <a:noFill/>
-                  </a:rPr>
-                  <a:t> </a:t>
-                </a:r>
-              </a:p>
-            </p:txBody>
-          </p:sp>
-        </mc:Fallback>
-      </mc:AlternateContent>
-      <p:sp>
-        <p:nvSpPr>
-          <p:cNvPr id="22" name="矩形 21">
-            <a:extLst>
-              <a:ext uri="{FF2B5EF4-FFF2-40B4-BE49-F238E27FC236}">
-                <a16:creationId xmlns:a16="http://schemas.microsoft.com/office/drawing/2014/main" id="{18068DA5-98D9-8B7E-38CB-657A5103E6BF}"/>
-              </a:ext>
-            </a:extLst>
-          </p:cNvPr>
-          <p:cNvSpPr/>
-          <p:nvPr/>
-        </p:nvSpPr>
-        <p:spPr>
-          <a:xfrm>
-            <a:off x="10617797" y="221495"/>
-            <a:ext cx="640080" cy="276998"/>
-          </a:xfrm>
-          <a:prstGeom prst="rect">
-            <a:avLst/>
-          </a:prstGeom>
-          <a:solidFill>
-            <a:schemeClr val="tx2">
-              <a:lumMod val="25000"/>
-              <a:lumOff val="75000"/>
-            </a:schemeClr>
-          </a:solidFill>
-          <a:ln w="6350"/>
-        </p:spPr>
-        <p:style>
-          <a:lnRef idx="2">
-            <a:schemeClr val="accent1">
-              <a:shade val="15000"/>
-            </a:schemeClr>
-          </a:lnRef>
-          <a:fillRef idx="1">
-            <a:schemeClr val="accent1"/>
-          </a:fillRef>
-          <a:effectRef idx="0">
-            <a:schemeClr val="accent1"/>
-          </a:effectRef>
-          <a:fontRef idx="minor">
-            <a:schemeClr val="lt1"/>
-          </a:fontRef>
-        </p:style>
-        <p:txBody>
-          <a:bodyPr rtlCol="0" anchor="ctr"/>
-          <a:lstStyle/>
-          <a:p>
-            <a:pPr algn="ctr"/>
-            <a:endParaRPr lang="zh-CN" altLang="en-US"/>
-          </a:p>
-        </p:txBody>
-      </p:sp>
-      <mc:AlternateContent xmlns:mc="http://schemas.openxmlformats.org/markup-compatibility/2006">
-        <mc:Choice xmlns:a14="http://schemas.microsoft.com/office/drawing/2010/main" Requires="a14">
-          <p:sp>
-            <p:nvSpPr>
-              <p:cNvPr id="23" name="文本框 22">
-                <a:extLst>
-                  <a:ext uri="{FF2B5EF4-FFF2-40B4-BE49-F238E27FC236}">
-                    <a16:creationId xmlns:a16="http://schemas.microsoft.com/office/drawing/2014/main" id="{E0BC7883-3D8B-21D7-1F42-0F6936675F09}"/>
-                  </a:ext>
-                </a:extLst>
-              </p:cNvPr>
-              <p:cNvSpPr txBox="1"/>
-              <p:nvPr/>
-            </p:nvSpPr>
-            <p:spPr>
-              <a:xfrm>
-                <a:off x="9103952" y="221494"/>
-                <a:ext cx="792909" cy="276999"/>
-              </a:xfrm>
-              <a:prstGeom prst="rect">
-                <a:avLst/>
-              </a:prstGeom>
-              <a:noFill/>
-            </p:spPr>
-            <p:txBody>
-              <a:bodyPr wrap="none" lIns="0" tIns="0" rIns="0" bIns="0" rtlCol="0">
-                <a:spAutoFit/>
-              </a:bodyPr>
-              <a:lstStyle/>
-              <a:p>
-                <a14:m>
-                  <m:oMathPara xmlns:m="http://schemas.openxmlformats.org/officeDocument/2006/math">
-                    <m:oMathParaPr>
-                      <m:jc m:val="centerGroup"/>
-                    </m:oMathParaPr>
-                    <m:oMath xmlns:m="http://schemas.openxmlformats.org/officeDocument/2006/math">
-                      <m:r>
-                        <a:rPr lang="en-US" altLang="zh-CN" b="0" i="1" smtClean="0">
-                          <a:latin typeface="Cambria Math" panose="02040503050406030204" pitchFamily="18" charset="0"/>
-                        </a:rPr>
-                        <m:t>𝑝</m:t>
-                      </m:r>
-                      <m:d>
-                        <m:dPr>
-                          <m:ctrlPr>
-                            <a:rPr lang="en-US" altLang="zh-CN" b="0" i="1" smtClean="0">
-                              <a:latin typeface="Cambria Math" panose="02040503050406030204" pitchFamily="18" charset="0"/>
-                            </a:rPr>
-                          </m:ctrlPr>
-                        </m:dPr>
-                        <m:e>
-                          <m:r>
-                            <a:rPr lang="en-US" altLang="zh-CN" b="0" i="1" smtClean="0">
-                              <a:latin typeface="Cambria Math" panose="02040503050406030204" pitchFamily="18" charset="0"/>
-                            </a:rPr>
-                            <m:t>𝑥</m:t>
-                          </m:r>
-                          <m:r>
-                            <a:rPr lang="en-US" altLang="zh-CN" b="0" i="1" smtClean="0">
-                              <a:latin typeface="Cambria Math" panose="02040503050406030204" pitchFamily="18" charset="0"/>
-                            </a:rPr>
-                            <m:t> | </m:t>
-                          </m:r>
-                          <m:r>
-                            <m:rPr>
-                              <m:sty m:val="p"/>
-                            </m:rPr>
-                            <a:rPr lang="en-US" altLang="zh-CN" i="1">
-                              <a:latin typeface="Cambria Math" panose="02040503050406030204" pitchFamily="18" charset="0"/>
-                            </a:rPr>
-                            <m:t>c</m:t>
-                          </m:r>
-                        </m:e>
-                      </m:d>
-                    </m:oMath>
-                  </m:oMathPara>
-                </a14:m>
-                <a:endParaRPr lang="zh-CN" altLang="en-US" dirty="0"/>
-              </a:p>
-            </p:txBody>
-          </p:sp>
-        </mc:Choice>
-        <mc:Fallback>
+        <mc:Fallback xmlns="">
           <p:sp>
             <p:nvSpPr>
               <p:cNvPr id="23" name="文本框 22">
@@ -6553,8 +6559,8 @@
         </p:blipFill>
         <p:spPr>
           <a:xfrm>
-            <a:off x="1782391" y="0"/>
-            <a:ext cx="7143042" cy="6078040"/>
+            <a:off x="3213449" y="791589"/>
+            <a:ext cx="5018459" cy="4270225"/>
           </a:xfrm>
           <a:prstGeom prst="rect">
             <a:avLst/>
@@ -6577,13 +6583,13 @@
         </p:nvCxnSpPr>
         <p:spPr>
           <a:xfrm flipV="1">
-            <a:off x="6096000" y="3580305"/>
-            <a:ext cx="532504" cy="531575"/>
+            <a:off x="6454662" y="3257550"/>
+            <a:ext cx="300349" cy="281905"/>
           </a:xfrm>
           <a:prstGeom prst="straightConnector1">
             <a:avLst/>
           </a:prstGeom>
-          <a:ln>
+          <a:ln w="12700">
             <a:solidFill>
               <a:srgbClr val="FF0000"/>
             </a:solidFill>
@@ -6621,13 +6627,13 @@
         </p:nvCxnSpPr>
         <p:spPr>
           <a:xfrm flipV="1">
-            <a:off x="6096000" y="4058525"/>
-            <a:ext cx="575070" cy="53355"/>
+            <a:off x="6454662" y="3519488"/>
+            <a:ext cx="306897" cy="35695"/>
           </a:xfrm>
           <a:prstGeom prst="straightConnector1">
             <a:avLst/>
           </a:prstGeom>
-          <a:ln>
+          <a:ln w="12700">
             <a:solidFill>
               <a:srgbClr val="5877FA"/>
             </a:solidFill>
@@ -6665,13 +6671,13 @@
         </p:nvCxnSpPr>
         <p:spPr>
           <a:xfrm flipH="1" flipV="1">
-            <a:off x="6639014" y="3601325"/>
-            <a:ext cx="42566" cy="436179"/>
+            <a:off x="6748463" y="3268266"/>
+            <a:ext cx="13096" cy="251222"/>
           </a:xfrm>
           <a:prstGeom prst="straightConnector1">
             <a:avLst/>
           </a:prstGeom>
-          <a:ln w="19050">
+          <a:ln w="12700">
             <a:solidFill>
               <a:srgbClr val="00B050"/>
             </a:solidFill>
@@ -6709,13 +6715,13 @@
         </p:nvCxnSpPr>
         <p:spPr>
           <a:xfrm flipV="1">
-            <a:off x="6096000" y="2974753"/>
-            <a:ext cx="183931" cy="563108"/>
+            <a:off x="6388341" y="2881090"/>
+            <a:ext cx="172767" cy="376460"/>
           </a:xfrm>
           <a:prstGeom prst="straightConnector1">
             <a:avLst/>
           </a:prstGeom>
-          <a:ln>
+          <a:ln w="12700">
             <a:solidFill>
               <a:srgbClr val="FF0000"/>
             </a:solidFill>
@@ -6753,13 +6759,13 @@
         </p:nvCxnSpPr>
         <p:spPr>
           <a:xfrm flipV="1">
-            <a:off x="6096000" y="3242769"/>
-            <a:ext cx="450183" cy="295092"/>
+            <a:off x="6392479" y="3043238"/>
+            <a:ext cx="300024" cy="214312"/>
           </a:xfrm>
           <a:prstGeom prst="straightConnector1">
             <a:avLst/>
           </a:prstGeom>
-          <a:ln>
+          <a:ln w="12700">
             <a:solidFill>
               <a:srgbClr val="5877FA"/>
             </a:solidFill>
@@ -6797,13 +6803,13 @@
         </p:nvCxnSpPr>
         <p:spPr>
           <a:xfrm flipH="1" flipV="1">
-            <a:off x="6294553" y="2983842"/>
-            <a:ext cx="222385" cy="258927"/>
+            <a:off x="6561108" y="2881090"/>
+            <a:ext cx="131395" cy="172863"/>
           </a:xfrm>
           <a:prstGeom prst="straightConnector1">
             <a:avLst/>
           </a:prstGeom>
-          <a:ln w="19050">
+          <a:ln w="12700">
             <a:solidFill>
               <a:srgbClr val="00B050"/>
             </a:solidFill>
@@ -6841,13 +6847,13 @@
         </p:nvCxnSpPr>
         <p:spPr>
           <a:xfrm flipH="1" flipV="1">
-            <a:off x="5612417" y="2749991"/>
-            <a:ext cx="175416" cy="423041"/>
+            <a:off x="6096000" y="2861116"/>
+            <a:ext cx="130969" cy="282134"/>
           </a:xfrm>
           <a:prstGeom prst="straightConnector1">
             <a:avLst/>
           </a:prstGeom>
-          <a:ln>
+          <a:ln w="12700">
             <a:solidFill>
               <a:srgbClr val="FF0000"/>
             </a:solidFill>
@@ -6885,13 +6891,13 @@
         </p:nvCxnSpPr>
         <p:spPr>
           <a:xfrm flipV="1">
-            <a:off x="5802455" y="2749991"/>
-            <a:ext cx="42566" cy="423041"/>
+            <a:off x="6226969" y="2861116"/>
+            <a:ext cx="101635" cy="264275"/>
           </a:xfrm>
           <a:prstGeom prst="straightConnector1">
             <a:avLst/>
           </a:prstGeom>
-          <a:ln>
+          <a:ln w="12700">
             <a:solidFill>
               <a:srgbClr val="5877FA"/>
             </a:solidFill>
@@ -6928,14 +6934,14 @@
           <p:nvPr/>
         </p:nvCxnSpPr>
         <p:spPr>
-          <a:xfrm flipH="1">
-            <a:off x="5580251" y="2749991"/>
-            <a:ext cx="264770" cy="0"/>
+          <a:xfrm flipH="1" flipV="1">
+            <a:off x="6079331" y="2849166"/>
+            <a:ext cx="249273" cy="11950"/>
           </a:xfrm>
           <a:prstGeom prst="straightConnector1">
             <a:avLst/>
           </a:prstGeom>
-          <a:ln w="19050">
+          <a:ln w="12700">
             <a:solidFill>
               <a:srgbClr val="00B050"/>
             </a:solidFill>
@@ -6973,7 +6979,7 @@
         </p:nvCxnSpPr>
         <p:spPr>
           <a:xfrm>
-            <a:off x="2846927" y="6066410"/>
+            <a:off x="3669912" y="5139310"/>
             <a:ext cx="415900" cy="0"/>
           </a:xfrm>
           <a:prstGeom prst="straightConnector1">
@@ -7017,8 +7023,8 @@
             </p:nvSpPr>
             <p:spPr>
               <a:xfrm>
-                <a:off x="2390464" y="6343407"/>
-                <a:ext cx="1328825" cy="276999"/>
+                <a:off x="3213449" y="5416307"/>
+                <a:ext cx="1033103" cy="215444"/>
               </a:xfrm>
               <a:prstGeom prst="rect">
                 <a:avLst/>
@@ -7031,6 +7037,7 @@
               </a:bodyPr>
               <a:lstStyle/>
               <a:p>
+                <a:pPr/>
                 <a14:m>
                   <m:oMathPara xmlns:m="http://schemas.openxmlformats.org/officeDocument/2006/math">
                     <m:oMathParaPr>
@@ -7040,7 +7047,7 @@
                       <m:sSub>
                         <m:sSubPr>
                           <m:ctrlPr>
-                            <a:rPr lang="en-US" altLang="zh-CN" b="0" i="1" smtClean="0">
+                            <a:rPr lang="en-US" altLang="zh-CN" sz="1400" b="0" i="1" smtClean="0">
                               <a:latin typeface="Cambria Math" panose="02040503050406030204" pitchFamily="18" charset="0"/>
                               <a:ea typeface="Cambria Math" panose="02040503050406030204" pitchFamily="18" charset="0"/>
                             </a:rPr>
@@ -7051,7 +7058,7 @@
                             <m:rPr>
                               <m:sty m:val="p"/>
                             </m:rPr>
-                            <a:rPr lang="en-US" altLang="zh-CN" b="0" i="1" smtClean="0">
+                            <a:rPr lang="en-US" altLang="zh-CN" sz="1400" b="0" i="1" smtClean="0">
                               <a:latin typeface="Cambria Math" panose="02040503050406030204" pitchFamily="18" charset="0"/>
                               <a:ea typeface="Cambria Math" panose="02040503050406030204" pitchFamily="18" charset="0"/>
                             </a:rPr>
@@ -7060,7 +7067,7 @@
                         </m:e>
                         <m:sub>
                           <m:r>
-                            <a:rPr lang="en-US" altLang="zh-CN" b="0" i="1" smtClean="0">
+                            <a:rPr lang="en-US" altLang="zh-CN" sz="1400" b="0" i="1" smtClean="0">
                               <a:latin typeface="Cambria Math" panose="02040503050406030204" pitchFamily="18" charset="0"/>
                               <a:ea typeface="Cambria Math" panose="02040503050406030204" pitchFamily="18" charset="0"/>
                             </a:rPr>
@@ -7071,7 +7078,7 @@
                       <m:func>
                         <m:funcPr>
                           <m:ctrlPr>
-                            <a:rPr lang="en-US" altLang="zh-CN" b="0" i="1" smtClean="0">
+                            <a:rPr lang="en-US" altLang="zh-CN" sz="1400" b="0" i="1" smtClean="0">
                               <a:latin typeface="Cambria Math" panose="02040503050406030204" pitchFamily="18" charset="0"/>
                             </a:rPr>
                           </m:ctrlPr>
@@ -7081,7 +7088,7 @@
                             <m:rPr>
                               <m:sty m:val="p"/>
                             </m:rPr>
-                            <a:rPr lang="en-US" altLang="zh-CN" b="0" i="0" smtClean="0">
+                            <a:rPr lang="en-US" altLang="zh-CN" sz="1400" b="0" i="0" smtClean="0">
                               <a:latin typeface="Cambria Math" panose="02040503050406030204" pitchFamily="18" charset="0"/>
                             </a:rPr>
                             <m:t>log</m:t>
@@ -7089,7 +7096,7 @@
                         </m:fName>
                         <m:e>
                           <m:r>
-                            <a:rPr lang="en-US" altLang="zh-CN" i="1">
+                            <a:rPr lang="en-US" altLang="zh-CN" sz="1400" i="1">
                               <a:latin typeface="Cambria Math" panose="02040503050406030204" pitchFamily="18" charset="0"/>
                             </a:rPr>
                             <m:t>𝑝</m:t>
@@ -7097,26 +7104,26 @@
                           <m:d>
                             <m:dPr>
                               <m:ctrlPr>
-                                <a:rPr lang="en-US" altLang="zh-CN" i="1">
+                                <a:rPr lang="en-US" altLang="zh-CN" sz="1400" i="1">
                                   <a:latin typeface="Cambria Math" panose="02040503050406030204" pitchFamily="18" charset="0"/>
                                 </a:rPr>
                               </m:ctrlPr>
                             </m:dPr>
                             <m:e>
                               <m:r>
-                                <a:rPr lang="en-US" altLang="zh-CN" i="1">
+                                <a:rPr lang="en-US" altLang="zh-CN" sz="1400" i="1">
                                   <a:latin typeface="Cambria Math" panose="02040503050406030204" pitchFamily="18" charset="0"/>
                                 </a:rPr>
                                 <m:t>𝑥</m:t>
                               </m:r>
                               <m:r>
-                                <a:rPr lang="en-US" altLang="zh-CN" i="1">
+                                <a:rPr lang="en-US" altLang="zh-CN" sz="1400" i="1">
                                   <a:latin typeface="Cambria Math" panose="02040503050406030204" pitchFamily="18" charset="0"/>
                                 </a:rPr>
                                 <m:t>|</m:t>
                               </m:r>
                               <m:r>
-                                <a:rPr lang="en-US" altLang="zh-CN" i="1">
+                                <a:rPr lang="en-US" altLang="zh-CN" sz="1400" i="1">
                                   <a:latin typeface="Cambria Math" panose="02040503050406030204" pitchFamily="18" charset="0"/>
                                 </a:rPr>
                                 <m:t>𝑐</m:t>
@@ -7128,7 +7135,7 @@
                     </m:oMath>
                   </m:oMathPara>
                 </a14:m>
-                <a:endParaRPr lang="zh-CN" altLang="en-US" dirty="0"/>
+                <a:endParaRPr lang="zh-CN" altLang="en-US" sz="1400" dirty="0"/>
               </a:p>
             </p:txBody>
           </p:sp>
@@ -7150,8 +7157,8 @@
             </p:nvSpPr>
             <p:spPr>
               <a:xfrm>
-                <a:off x="2390464" y="6343407"/>
-                <a:ext cx="1328825" cy="276999"/>
+                <a:off x="3213449" y="5416307"/>
+                <a:ext cx="1033103" cy="215444"/>
               </a:xfrm>
               <a:prstGeom prst="rect">
                 <a:avLst/>
@@ -7159,7 +7166,7 @@
               <a:blipFill>
                 <a:blip r:embed="rId4"/>
                 <a:stretch>
-                  <a:fillRect l="-3211" t="-4444" b="-35556"/>
+                  <a:fillRect l="-2941" b="-31429"/>
                 </a:stretch>
               </a:blipFill>
             </p:spPr>
@@ -7194,7 +7201,7 @@
         </p:nvCxnSpPr>
         <p:spPr>
           <a:xfrm>
-            <a:off x="4943740" y="6066410"/>
+            <a:off x="5322082" y="5139310"/>
             <a:ext cx="415900" cy="0"/>
           </a:xfrm>
           <a:prstGeom prst="straightConnector1">
@@ -7241,8 +7248,8 @@
             </p:nvSpPr>
             <p:spPr>
               <a:xfrm>
-                <a:off x="4580700" y="6343408"/>
-                <a:ext cx="1141979" cy="276999"/>
+                <a:off x="5112140" y="5422414"/>
+                <a:ext cx="887935" cy="215444"/>
               </a:xfrm>
               <a:prstGeom prst="rect">
                 <a:avLst/>
@@ -7255,6 +7262,7 @@
               </a:bodyPr>
               <a:lstStyle/>
               <a:p>
+                <a:pPr/>
                 <a14:m>
                   <m:oMathPara xmlns:m="http://schemas.openxmlformats.org/officeDocument/2006/math">
                     <m:oMathParaPr>
@@ -7264,7 +7272,7 @@
                       <m:sSub>
                         <m:sSubPr>
                           <m:ctrlPr>
-                            <a:rPr lang="en-US" altLang="zh-CN" b="0" i="1" smtClean="0">
+                            <a:rPr lang="en-US" altLang="zh-CN" sz="1400" b="0" i="1" smtClean="0">
                               <a:latin typeface="Cambria Math" panose="02040503050406030204" pitchFamily="18" charset="0"/>
                               <a:ea typeface="Cambria Math" panose="02040503050406030204" pitchFamily="18" charset="0"/>
                             </a:rPr>
@@ -7275,7 +7283,7 @@
                             <m:rPr>
                               <m:sty m:val="p"/>
                             </m:rPr>
-                            <a:rPr lang="en-US" altLang="zh-CN" b="0" i="1" smtClean="0">
+                            <a:rPr lang="en-US" altLang="zh-CN" sz="1400" b="0" i="1" smtClean="0">
                               <a:latin typeface="Cambria Math" panose="02040503050406030204" pitchFamily="18" charset="0"/>
                               <a:ea typeface="Cambria Math" panose="02040503050406030204" pitchFamily="18" charset="0"/>
                             </a:rPr>
@@ -7284,7 +7292,7 @@
                         </m:e>
                         <m:sub>
                           <m:r>
-                            <a:rPr lang="en-US" altLang="zh-CN" b="0" i="1" smtClean="0">
+                            <a:rPr lang="en-US" altLang="zh-CN" sz="1400" b="0" i="1" smtClean="0">
                               <a:latin typeface="Cambria Math" panose="02040503050406030204" pitchFamily="18" charset="0"/>
                               <a:ea typeface="Cambria Math" panose="02040503050406030204" pitchFamily="18" charset="0"/>
                             </a:rPr>
@@ -7295,7 +7303,7 @@
                       <m:func>
                         <m:funcPr>
                           <m:ctrlPr>
-                            <a:rPr lang="en-US" altLang="zh-CN" b="0" i="1" smtClean="0">
+                            <a:rPr lang="en-US" altLang="zh-CN" sz="1400" b="0" i="1" smtClean="0">
                               <a:latin typeface="Cambria Math" panose="02040503050406030204" pitchFamily="18" charset="0"/>
                             </a:rPr>
                           </m:ctrlPr>
@@ -7305,7 +7313,7 @@
                             <m:rPr>
                               <m:sty m:val="p"/>
                             </m:rPr>
-                            <a:rPr lang="en-US" altLang="zh-CN" b="0" i="0" smtClean="0">
+                            <a:rPr lang="en-US" altLang="zh-CN" sz="1400" b="0" i="0" smtClean="0">
                               <a:latin typeface="Cambria Math" panose="02040503050406030204" pitchFamily="18" charset="0"/>
                             </a:rPr>
                             <m:t>log</m:t>
@@ -7313,7 +7321,7 @@
                         </m:fName>
                         <m:e>
                           <m:r>
-                            <a:rPr lang="en-US" altLang="zh-CN" i="1">
+                            <a:rPr lang="en-US" altLang="zh-CN" sz="1400" i="1">
                               <a:latin typeface="Cambria Math" panose="02040503050406030204" pitchFamily="18" charset="0"/>
                             </a:rPr>
                             <m:t>𝑝</m:t>
@@ -7321,14 +7329,14 @@
                           <m:d>
                             <m:dPr>
                               <m:ctrlPr>
-                                <a:rPr lang="en-US" altLang="zh-CN" i="1">
+                                <a:rPr lang="en-US" altLang="zh-CN" sz="1400" i="1">
                                   <a:latin typeface="Cambria Math" panose="02040503050406030204" pitchFamily="18" charset="0"/>
                                 </a:rPr>
                               </m:ctrlPr>
                             </m:dPr>
                             <m:e>
                               <m:r>
-                                <a:rPr lang="en-US" altLang="zh-CN" i="1">
+                                <a:rPr lang="en-US" altLang="zh-CN" sz="1400" i="1">
                                   <a:latin typeface="Cambria Math" panose="02040503050406030204" pitchFamily="18" charset="0"/>
                                 </a:rPr>
                                 <m:t>𝑥</m:t>
@@ -7340,7 +7348,7 @@
                     </m:oMath>
                   </m:oMathPara>
                 </a14:m>
-                <a:endParaRPr lang="zh-CN" altLang="en-US" dirty="0"/>
+                <a:endParaRPr lang="zh-CN" altLang="en-US" sz="1400" dirty="0"/>
               </a:p>
             </p:txBody>
           </p:sp>
@@ -7362,8 +7370,8 @@
             </p:nvSpPr>
             <p:spPr>
               <a:xfrm>
-                <a:off x="4580700" y="6343408"/>
-                <a:ext cx="1141979" cy="276999"/>
+                <a:off x="5112140" y="5422414"/>
+                <a:ext cx="887935" cy="215444"/>
               </a:xfrm>
               <a:prstGeom prst="rect">
                 <a:avLst/>
@@ -7371,7 +7379,7 @@
               <a:blipFill>
                 <a:blip r:embed="rId5"/>
                 <a:stretch>
-                  <a:fillRect l="-3723" t="-4444" b="-35556"/>
+                  <a:fillRect l="-3448" b="-31429"/>
                 </a:stretch>
               </a:blipFill>
             </p:spPr>
@@ -7406,7 +7414,7 @@
         </p:nvCxnSpPr>
         <p:spPr>
           <a:xfrm>
-            <a:off x="7311607" y="6135068"/>
+            <a:off x="7505942" y="5172028"/>
             <a:ext cx="415900" cy="0"/>
           </a:xfrm>
           <a:prstGeom prst="straightConnector1">
@@ -7450,8 +7458,8 @@
             </p:nvSpPr>
             <p:spPr>
               <a:xfrm>
-                <a:off x="6405745" y="6343407"/>
-                <a:ext cx="2684003" cy="276999"/>
+                <a:off x="6784230" y="5416307"/>
+                <a:ext cx="2085764" cy="215444"/>
               </a:xfrm>
               <a:prstGeom prst="rect">
                 <a:avLst/>
@@ -7464,6 +7472,7 @@
               </a:bodyPr>
               <a:lstStyle/>
               <a:p>
+                <a:pPr/>
                 <a14:m>
                   <m:oMathPara xmlns:m="http://schemas.openxmlformats.org/officeDocument/2006/math">
                     <m:oMathParaPr>
@@ -7473,7 +7482,7 @@
                       <m:sSub>
                         <m:sSubPr>
                           <m:ctrlPr>
-                            <a:rPr lang="en-US" altLang="zh-CN" b="0" i="1" smtClean="0">
+                            <a:rPr lang="en-US" altLang="zh-CN" sz="1400" b="0" i="1" smtClean="0">
                               <a:latin typeface="Cambria Math" panose="02040503050406030204" pitchFamily="18" charset="0"/>
                               <a:ea typeface="Cambria Math" panose="02040503050406030204" pitchFamily="18" charset="0"/>
                             </a:rPr>
@@ -7484,7 +7493,7 @@
                             <m:rPr>
                               <m:sty m:val="p"/>
                             </m:rPr>
-                            <a:rPr lang="en-US" altLang="zh-CN" b="0" i="1" smtClean="0">
+                            <a:rPr lang="en-US" altLang="zh-CN" sz="1400" b="0" i="1" smtClean="0">
                               <a:latin typeface="Cambria Math" panose="02040503050406030204" pitchFamily="18" charset="0"/>
                               <a:ea typeface="Cambria Math" panose="02040503050406030204" pitchFamily="18" charset="0"/>
                             </a:rPr>
@@ -7493,7 +7502,7 @@
                         </m:e>
                         <m:sub>
                           <m:r>
-                            <a:rPr lang="en-US" altLang="zh-CN" b="0" i="1" smtClean="0">
+                            <a:rPr lang="en-US" altLang="zh-CN" sz="1400" b="0" i="1" smtClean="0">
                               <a:latin typeface="Cambria Math" panose="02040503050406030204" pitchFamily="18" charset="0"/>
                               <a:ea typeface="Cambria Math" panose="02040503050406030204" pitchFamily="18" charset="0"/>
                             </a:rPr>
@@ -7504,7 +7513,7 @@
                       <m:func>
                         <m:funcPr>
                           <m:ctrlPr>
-                            <a:rPr lang="en-US" altLang="zh-CN" b="0" i="1" smtClean="0">
+                            <a:rPr lang="en-US" altLang="zh-CN" sz="1400" b="0" i="1" smtClean="0">
                               <a:latin typeface="Cambria Math" panose="02040503050406030204" pitchFamily="18" charset="0"/>
                             </a:rPr>
                           </m:ctrlPr>
@@ -7514,7 +7523,7 @@
                             <m:rPr>
                               <m:sty m:val="p"/>
                             </m:rPr>
-                            <a:rPr lang="en-US" altLang="zh-CN" b="0" i="0" smtClean="0">
+                            <a:rPr lang="en-US" altLang="zh-CN" sz="1400" b="0" i="0" smtClean="0">
                               <a:latin typeface="Cambria Math" panose="02040503050406030204" pitchFamily="18" charset="0"/>
                             </a:rPr>
                             <m:t>log</m:t>
@@ -7522,7 +7531,7 @@
                         </m:fName>
                         <m:e>
                           <m:r>
-                            <a:rPr lang="en-US" altLang="zh-CN" i="1">
+                            <a:rPr lang="en-US" altLang="zh-CN" sz="1400" i="1">
                               <a:latin typeface="Cambria Math" panose="02040503050406030204" pitchFamily="18" charset="0"/>
                             </a:rPr>
                             <m:t>𝑝</m:t>
@@ -7530,26 +7539,26 @@
                           <m:d>
                             <m:dPr>
                               <m:ctrlPr>
-                                <a:rPr lang="en-US" altLang="zh-CN" i="1">
+                                <a:rPr lang="en-US" altLang="zh-CN" sz="1400" i="1">
                                   <a:latin typeface="Cambria Math" panose="02040503050406030204" pitchFamily="18" charset="0"/>
                                 </a:rPr>
                               </m:ctrlPr>
                             </m:dPr>
                             <m:e>
                               <m:r>
-                                <a:rPr lang="en-US" altLang="zh-CN" i="1">
+                                <a:rPr lang="en-US" altLang="zh-CN" sz="1400" i="1">
                                   <a:latin typeface="Cambria Math" panose="02040503050406030204" pitchFamily="18" charset="0"/>
                                 </a:rPr>
                                 <m:t>𝑥</m:t>
                               </m:r>
                               <m:r>
-                                <a:rPr lang="en-US" altLang="zh-CN" i="1">
+                                <a:rPr lang="en-US" altLang="zh-CN" sz="1400" i="1">
                                   <a:latin typeface="Cambria Math" panose="02040503050406030204" pitchFamily="18" charset="0"/>
                                 </a:rPr>
                                 <m:t>|</m:t>
                               </m:r>
                               <m:r>
-                                <a:rPr lang="en-US" altLang="zh-CN" i="1">
+                                <a:rPr lang="en-US" altLang="zh-CN" sz="1400" i="1">
                                   <a:latin typeface="Cambria Math" panose="02040503050406030204" pitchFamily="18" charset="0"/>
                                 </a:rPr>
                                 <m:t>𝑐</m:t>
@@ -7559,7 +7568,7 @@
                         </m:e>
                       </m:func>
                       <m:r>
-                        <a:rPr lang="en-US" altLang="zh-CN" b="0" i="1" smtClean="0">
+                        <a:rPr lang="en-US" altLang="zh-CN" sz="1400" b="0" i="1" smtClean="0">
                           <a:latin typeface="Cambria Math" panose="02040503050406030204" pitchFamily="18" charset="0"/>
                         </a:rPr>
                         <m:t>−</m:t>
@@ -7567,7 +7576,7 @@
                       <m:sSub>
                         <m:sSubPr>
                           <m:ctrlPr>
-                            <a:rPr lang="en-US" altLang="zh-CN" i="1">
+                            <a:rPr lang="en-US" altLang="zh-CN" sz="1400" i="1">
                               <a:latin typeface="Cambria Math" panose="02040503050406030204" pitchFamily="18" charset="0"/>
                               <a:ea typeface="Cambria Math" panose="02040503050406030204" pitchFamily="18" charset="0"/>
                             </a:rPr>
@@ -7578,7 +7587,7 @@
                             <m:rPr>
                               <m:sty m:val="p"/>
                             </m:rPr>
-                            <a:rPr lang="en-US" altLang="zh-CN" i="1">
+                            <a:rPr lang="en-US" altLang="zh-CN" sz="1400" i="1">
                               <a:latin typeface="Cambria Math" panose="02040503050406030204" pitchFamily="18" charset="0"/>
                               <a:ea typeface="Cambria Math" panose="02040503050406030204" pitchFamily="18" charset="0"/>
                             </a:rPr>
@@ -7587,7 +7596,7 @@
                         </m:e>
                         <m:sub>
                           <m:r>
-                            <a:rPr lang="en-US" altLang="zh-CN" i="1">
+                            <a:rPr lang="en-US" altLang="zh-CN" sz="1400" i="1">
                               <a:latin typeface="Cambria Math" panose="02040503050406030204" pitchFamily="18" charset="0"/>
                               <a:ea typeface="Cambria Math" panose="02040503050406030204" pitchFamily="18" charset="0"/>
                             </a:rPr>
@@ -7598,7 +7607,7 @@
                       <m:func>
                         <m:funcPr>
                           <m:ctrlPr>
-                            <a:rPr lang="en-US" altLang="zh-CN" i="1">
+                            <a:rPr lang="en-US" altLang="zh-CN" sz="1400" i="1">
                               <a:latin typeface="Cambria Math" panose="02040503050406030204" pitchFamily="18" charset="0"/>
                             </a:rPr>
                           </m:ctrlPr>
@@ -7608,7 +7617,7 @@
                             <m:rPr>
                               <m:sty m:val="p"/>
                             </m:rPr>
-                            <a:rPr lang="en-US" altLang="zh-CN">
+                            <a:rPr lang="en-US" altLang="zh-CN" sz="1400">
                               <a:latin typeface="Cambria Math" panose="02040503050406030204" pitchFamily="18" charset="0"/>
                             </a:rPr>
                             <m:t>log</m:t>
@@ -7616,7 +7625,7 @@
                         </m:fName>
                         <m:e>
                           <m:r>
-                            <a:rPr lang="en-US" altLang="zh-CN" i="1">
+                            <a:rPr lang="en-US" altLang="zh-CN" sz="1400" i="1">
                               <a:latin typeface="Cambria Math" panose="02040503050406030204" pitchFamily="18" charset="0"/>
                             </a:rPr>
                             <m:t>𝑝</m:t>
@@ -7624,14 +7633,14 @@
                           <m:d>
                             <m:dPr>
                               <m:ctrlPr>
-                                <a:rPr lang="en-US" altLang="zh-CN" i="1">
+                                <a:rPr lang="en-US" altLang="zh-CN" sz="1400" i="1">
                                   <a:latin typeface="Cambria Math" panose="02040503050406030204" pitchFamily="18" charset="0"/>
                                 </a:rPr>
                               </m:ctrlPr>
                             </m:dPr>
                             <m:e>
                               <m:r>
-                                <a:rPr lang="en-US" altLang="zh-CN" i="1">
+                                <a:rPr lang="en-US" altLang="zh-CN" sz="1400" i="1">
                                   <a:latin typeface="Cambria Math" panose="02040503050406030204" pitchFamily="18" charset="0"/>
                                 </a:rPr>
                                 <m:t>𝑥</m:t>
@@ -7643,7 +7652,7 @@
                     </m:oMath>
                   </m:oMathPara>
                 </a14:m>
-                <a:endParaRPr lang="zh-CN" altLang="en-US" dirty="0"/>
+                <a:endParaRPr lang="zh-CN" altLang="en-US" sz="1400" dirty="0"/>
               </a:p>
             </p:txBody>
           </p:sp>
@@ -7665,8 +7674,8 @@
             </p:nvSpPr>
             <p:spPr>
               <a:xfrm>
-                <a:off x="6405745" y="6343407"/>
-                <a:ext cx="2684003" cy="276999"/>
+                <a:off x="6784230" y="5416307"/>
+                <a:ext cx="2085764" cy="215444"/>
               </a:xfrm>
               <a:prstGeom prst="rect">
                 <a:avLst/>
@@ -7674,7 +7683,7 @@
               <a:blipFill>
                 <a:blip r:embed="rId6"/>
                 <a:stretch>
-                  <a:fillRect l="-1591" t="-4444" b="-35556"/>
+                  <a:fillRect l="-1170" b="-31429"/>
                 </a:stretch>
               </a:blipFill>
             </p:spPr>
